--- a/Graduation_Document/중간발표.pptx
+++ b/Graduation_Document/중간발표.pptx
@@ -230,7 +230,7 @@
           <a:p>
             <a:fld id="{C405262D-9A33-490D-AFB5-364B278FF2C3}" type="datetimeFigureOut">
               <a:rPr lang="ko-KR" altLang="en-US" smtClean="0"/>
-              <a:t>2023-04-30</a:t>
+              <a:t>2023-05-01</a:t>
             </a:fld>
             <a:endParaRPr lang="ko-KR" altLang="en-US"/>
           </a:p>
@@ -2414,7 +2414,7 @@
           <a:p>
             <a:fld id="{99B5A1BB-01A0-4E13-AB60-2010C482C94A}" type="datetime1">
               <a:rPr lang="ko-KR" altLang="en-US" smtClean="0"/>
-              <a:t>2023-04-30</a:t>
+              <a:t>2023-05-01</a:t>
             </a:fld>
             <a:endParaRPr lang="ko-KR" altLang="en-US"/>
           </a:p>
@@ -2594,7 +2594,7 @@
           <a:p>
             <a:fld id="{3626A138-43F2-4459-87AF-C7DC2AFC11E6}" type="datetime1">
               <a:rPr lang="ko-KR" altLang="en-US" smtClean="0"/>
-              <a:t>2023-04-30</a:t>
+              <a:t>2023-05-01</a:t>
             </a:fld>
             <a:endParaRPr lang="ko-KR" altLang="en-US"/>
           </a:p>
@@ -2784,7 +2784,7 @@
           <a:p>
             <a:fld id="{020A87C7-16FD-4042-AA89-3405290F2952}" type="datetime1">
               <a:rPr lang="ko-KR" altLang="en-US" smtClean="0"/>
-              <a:t>2023-04-30</a:t>
+              <a:t>2023-05-01</a:t>
             </a:fld>
             <a:endParaRPr lang="ko-KR" altLang="en-US"/>
           </a:p>
@@ -2964,7 +2964,7 @@
           <a:p>
             <a:fld id="{22BDC9FE-EE5C-4EE2-A735-5991D188CC45}" type="datetime1">
               <a:rPr lang="ko-KR" altLang="en-US" smtClean="0"/>
-              <a:t>2023-04-30</a:t>
+              <a:t>2023-05-01</a:t>
             </a:fld>
             <a:endParaRPr lang="ko-KR" altLang="en-US"/>
           </a:p>
@@ -3221,7 +3221,7 @@
           <a:p>
             <a:fld id="{47020049-8D63-4421-A943-35CFDFC29001}" type="datetime1">
               <a:rPr lang="ko-KR" altLang="en-US" smtClean="0"/>
-              <a:t>2023-04-30</a:t>
+              <a:t>2023-05-01</a:t>
             </a:fld>
             <a:endParaRPr lang="ko-KR" altLang="en-US"/>
           </a:p>
@@ -3462,7 +3462,7 @@
           <a:p>
             <a:fld id="{B2F2C417-FA3B-47DB-8CB2-8AF2B1819A1F}" type="datetime1">
               <a:rPr lang="ko-KR" altLang="en-US" smtClean="0"/>
-              <a:t>2023-04-30</a:t>
+              <a:t>2023-05-01</a:t>
             </a:fld>
             <a:endParaRPr lang="ko-KR" altLang="en-US"/>
           </a:p>
@@ -3838,7 +3838,7 @@
           <a:p>
             <a:fld id="{89581AA9-EAC1-4AA1-A928-03B2B66DC095}" type="datetime1">
               <a:rPr lang="ko-KR" altLang="en-US" smtClean="0"/>
-              <a:t>2023-04-30</a:t>
+              <a:t>2023-05-01</a:t>
             </a:fld>
             <a:endParaRPr lang="ko-KR" altLang="en-US"/>
           </a:p>
@@ -3967,7 +3967,7 @@
           <a:p>
             <a:fld id="{B3DF8867-D19B-4012-B99D-21AE89F20BDE}" type="datetime1">
               <a:rPr lang="ko-KR" altLang="en-US" smtClean="0"/>
-              <a:t>2023-04-30</a:t>
+              <a:t>2023-05-01</a:t>
             </a:fld>
             <a:endParaRPr lang="ko-KR" altLang="en-US"/>
           </a:p>
@@ -4074,7 +4074,7 @@
           <a:p>
             <a:fld id="{429D6B8F-C401-418C-B4AF-5BA2889D52D8}" type="datetime1">
               <a:rPr lang="ko-KR" altLang="en-US" smtClean="0"/>
-              <a:t>2023-04-30</a:t>
+              <a:t>2023-05-01</a:t>
             </a:fld>
             <a:endParaRPr lang="ko-KR" altLang="en-US"/>
           </a:p>
@@ -4361,7 +4361,7 @@
           <a:p>
             <a:fld id="{917D37D1-B9DE-4AE8-A483-453A3E03C152}" type="datetime1">
               <a:rPr lang="ko-KR" altLang="en-US" smtClean="0"/>
-              <a:t>2023-04-30</a:t>
+              <a:t>2023-05-01</a:t>
             </a:fld>
             <a:endParaRPr lang="ko-KR" altLang="en-US"/>
           </a:p>
@@ -4625,7 +4625,7 @@
           <a:p>
             <a:fld id="{9F8E9D1C-8873-4006-A4C2-C33A2E30CA49}" type="datetime1">
               <a:rPr lang="ko-KR" altLang="en-US" smtClean="0"/>
-              <a:t>2023-04-30</a:t>
+              <a:t>2023-05-01</a:t>
             </a:fld>
             <a:endParaRPr lang="ko-KR" altLang="en-US"/>
           </a:p>
@@ -4848,7 +4848,7 @@
           <a:p>
             <a:fld id="{B8CDD5A3-E935-400C-8A47-51830BB4751B}" type="datetime1">
               <a:rPr lang="ko-KR" altLang="en-US" smtClean="0"/>
-              <a:t>2023-04-30</a:t>
+              <a:t>2023-05-01</a:t>
             </a:fld>
             <a:endParaRPr lang="ko-KR" altLang="en-US"/>
           </a:p>
@@ -6071,6 +6071,800 @@
           </a:p>
         </p:txBody>
       </p:sp>
+      <p:sp>
+        <p:nvSpPr>
+          <p:cNvPr id="2" name="TextBox 1">
+            <a:extLst>
+              <a:ext uri="{FF2B5EF4-FFF2-40B4-BE49-F238E27FC236}">
+                <a16:creationId xmlns:a16="http://schemas.microsoft.com/office/drawing/2014/main" id="{F2D7D2E6-5E72-B2B1-AEBD-5406C3F6CC40}"/>
+              </a:ext>
+            </a:extLst>
+          </p:cNvPr>
+          <p:cNvSpPr txBox="1"/>
+          <p:nvPr/>
+        </p:nvSpPr>
+        <p:spPr>
+          <a:xfrm>
+            <a:off x="516032" y="1093380"/>
+            <a:ext cx="4884072" cy="461665"/>
+          </a:xfrm>
+          <a:prstGeom prst="rect">
+            <a:avLst/>
+          </a:prstGeom>
+          <a:noFill/>
+        </p:spPr>
+        <p:txBody>
+          <a:bodyPr wrap="square" rtlCol="0">
+            <a:spAutoFit/>
+          </a:bodyPr>
+          <a:lstStyle/>
+          <a:p>
+            <a:r>
+              <a:rPr lang="en-US" altLang="ko-KR" sz="2400" dirty="0">
+                <a:solidFill>
+                  <a:schemeClr val="tx1">
+                    <a:lumMod val="75000"/>
+                    <a:lumOff val="25000"/>
+                  </a:schemeClr>
+                </a:solidFill>
+                <a:latin typeface="나눔스퀘어 Bold"/>
+                <a:ea typeface="나눔스퀘어" panose="020B0600000101010101"/>
+              </a:rPr>
+              <a:t>&lt;</a:t>
+            </a:r>
+            <a:r>
+              <a:rPr lang="ko-KR" altLang="en-US" sz="2400" dirty="0">
+                <a:solidFill>
+                  <a:schemeClr val="tx1">
+                    <a:lumMod val="75000"/>
+                    <a:lumOff val="25000"/>
+                  </a:schemeClr>
+                </a:solidFill>
+                <a:latin typeface="나눔스퀘어 Bold"/>
+                <a:ea typeface="나눔스퀘어" panose="020B0600000101010101"/>
+              </a:rPr>
+              <a:t>클라이언트</a:t>
+            </a:r>
+            <a:r>
+              <a:rPr lang="en-US" altLang="ko-KR" sz="2400" dirty="0">
+                <a:solidFill>
+                  <a:schemeClr val="tx1">
+                    <a:lumMod val="75000"/>
+                    <a:lumOff val="25000"/>
+                  </a:schemeClr>
+                </a:solidFill>
+                <a:latin typeface="나눔스퀘어 Bold"/>
+                <a:ea typeface="나눔스퀘어" panose="020B0600000101010101"/>
+              </a:rPr>
+              <a:t>&gt;</a:t>
+            </a:r>
+            <a:endParaRPr lang="ko-KR" altLang="en-US" sz="2400" dirty="0">
+              <a:solidFill>
+                <a:schemeClr val="tx1">
+                  <a:lumMod val="75000"/>
+                  <a:lumOff val="25000"/>
+                </a:schemeClr>
+              </a:solidFill>
+              <a:latin typeface="나눔스퀘어 Bold"/>
+              <a:ea typeface="나눔스퀘어" panose="020B0600000101010101"/>
+            </a:endParaRPr>
+          </a:p>
+        </p:txBody>
+      </p:sp>
+      <p:sp>
+        <p:nvSpPr>
+          <p:cNvPr id="5" name="TextBox 4">
+            <a:extLst>
+              <a:ext uri="{FF2B5EF4-FFF2-40B4-BE49-F238E27FC236}">
+                <a16:creationId xmlns:a16="http://schemas.microsoft.com/office/drawing/2014/main" id="{42458F3B-B89C-6BA6-BB38-9585D1814236}"/>
+              </a:ext>
+            </a:extLst>
+          </p:cNvPr>
+          <p:cNvSpPr txBox="1"/>
+          <p:nvPr/>
+        </p:nvSpPr>
+        <p:spPr>
+          <a:xfrm>
+            <a:off x="516031" y="1683293"/>
+            <a:ext cx="11122813" cy="1569660"/>
+          </a:xfrm>
+          <a:prstGeom prst="rect">
+            <a:avLst/>
+          </a:prstGeom>
+          <a:noFill/>
+        </p:spPr>
+        <p:txBody>
+          <a:bodyPr wrap="square" rtlCol="0">
+            <a:spAutoFit/>
+          </a:bodyPr>
+          <a:lstStyle/>
+          <a:p>
+            <a:pPr marL="285750" indent="-285750">
+              <a:buFontTx/>
+              <a:buChar char="-"/>
+            </a:pPr>
+            <a:r>
+              <a:rPr lang="ko-KR" altLang="en-US" sz="1600" dirty="0">
+                <a:solidFill>
+                  <a:schemeClr val="tx1">
+                    <a:lumMod val="75000"/>
+                    <a:lumOff val="25000"/>
+                  </a:schemeClr>
+                </a:solidFill>
+                <a:latin typeface="나눔스퀘어 Bold"/>
+                <a:ea typeface="나눔스퀘어" panose="020B0600000101010101"/>
+              </a:rPr>
+              <a:t>캐릭터가 이동중 멈출 때 애니메이션은 없지만 약간 미끄러짐  </a:t>
+            </a:r>
+            <a:r>
+              <a:rPr lang="en-US" altLang="ko-KR" sz="1600" dirty="0">
+                <a:solidFill>
+                  <a:schemeClr val="tx1">
+                    <a:lumMod val="75000"/>
+                    <a:lumOff val="25000"/>
+                  </a:schemeClr>
+                </a:solidFill>
+                <a:latin typeface="나눔스퀘어 Bold"/>
+                <a:ea typeface="나눔스퀘어" panose="020B0600000101010101"/>
+              </a:rPr>
+              <a:t>-&gt; </a:t>
+            </a:r>
+            <a:r>
+              <a:rPr lang="ko-KR" altLang="en-US" sz="1600" dirty="0">
+                <a:solidFill>
+                  <a:schemeClr val="tx1">
+                    <a:lumMod val="75000"/>
+                    <a:lumOff val="25000"/>
+                  </a:schemeClr>
+                </a:solidFill>
+                <a:latin typeface="나눔스퀘어 Bold"/>
+                <a:ea typeface="나눔스퀘어" panose="020B0600000101010101"/>
+              </a:rPr>
+              <a:t>애니메이션 </a:t>
+            </a:r>
+            <a:r>
+              <a:rPr lang="ko-KR" altLang="en-US" sz="1600" dirty="0" err="1">
+                <a:solidFill>
+                  <a:schemeClr val="tx1">
+                    <a:lumMod val="75000"/>
+                    <a:lumOff val="25000"/>
+                  </a:schemeClr>
+                </a:solidFill>
+                <a:latin typeface="나눔스퀘어 Bold"/>
+                <a:ea typeface="나눔스퀘어" panose="020B0600000101010101"/>
+              </a:rPr>
+              <a:t>블렌딩으로</a:t>
+            </a:r>
+            <a:r>
+              <a:rPr lang="ko-KR" altLang="en-US" sz="1600" dirty="0">
+                <a:solidFill>
+                  <a:schemeClr val="tx1">
+                    <a:lumMod val="75000"/>
+                    <a:lumOff val="25000"/>
+                  </a:schemeClr>
+                </a:solidFill>
+                <a:latin typeface="나눔스퀘어 Bold"/>
+                <a:ea typeface="나눔스퀘어" panose="020B0600000101010101"/>
+              </a:rPr>
+              <a:t> 해결 </a:t>
+            </a:r>
+            <a:r>
+              <a:rPr lang="en-US" altLang="ko-KR" sz="1600" dirty="0">
+                <a:solidFill>
+                  <a:schemeClr val="tx1">
+                    <a:lumMod val="75000"/>
+                    <a:lumOff val="25000"/>
+                  </a:schemeClr>
+                </a:solidFill>
+                <a:latin typeface="나눔스퀘어 Bold"/>
+                <a:ea typeface="나눔스퀘어" panose="020B0600000101010101"/>
+              </a:rPr>
+              <a:t>(</a:t>
+            </a:r>
+            <a:r>
+              <a:rPr lang="ko-KR" altLang="en-US" sz="1600" dirty="0">
+                <a:solidFill>
+                  <a:schemeClr val="tx1">
+                    <a:lumMod val="75000"/>
+                    <a:lumOff val="25000"/>
+                  </a:schemeClr>
+                </a:solidFill>
+                <a:latin typeface="나눔스퀘어 Bold"/>
+                <a:ea typeface="나눔스퀘어" panose="020B0600000101010101"/>
+              </a:rPr>
+              <a:t>일정표상 </a:t>
+            </a:r>
+            <a:r>
+              <a:rPr lang="en-US" altLang="ko-KR" sz="1600" dirty="0">
+                <a:solidFill>
+                  <a:schemeClr val="tx1">
+                    <a:lumMod val="75000"/>
+                    <a:lumOff val="25000"/>
+                  </a:schemeClr>
+                </a:solidFill>
+                <a:latin typeface="나눔스퀘어 Bold"/>
+                <a:ea typeface="나눔스퀘어" panose="020B0600000101010101"/>
+              </a:rPr>
+              <a:t>5</a:t>
+            </a:r>
+            <a:r>
+              <a:rPr lang="ko-KR" altLang="en-US" sz="1600" dirty="0">
+                <a:solidFill>
+                  <a:schemeClr val="tx1">
+                    <a:lumMod val="75000"/>
+                    <a:lumOff val="25000"/>
+                  </a:schemeClr>
+                </a:solidFill>
+                <a:latin typeface="나눔스퀘어 Bold"/>
+                <a:ea typeface="나눔스퀘어" panose="020B0600000101010101"/>
+              </a:rPr>
+              <a:t>월중</a:t>
+            </a:r>
+            <a:r>
+              <a:rPr lang="en-US" altLang="ko-KR" sz="1600" dirty="0">
+                <a:solidFill>
+                  <a:schemeClr val="tx1">
+                    <a:lumMod val="75000"/>
+                    <a:lumOff val="25000"/>
+                  </a:schemeClr>
+                </a:solidFill>
+                <a:latin typeface="나눔스퀘어 Bold"/>
+                <a:ea typeface="나눔스퀘어" panose="020B0600000101010101"/>
+              </a:rPr>
+              <a:t>)</a:t>
+            </a:r>
+          </a:p>
+          <a:p>
+            <a:pPr marL="285750" indent="-285750">
+              <a:buFontTx/>
+              <a:buChar char="-"/>
+            </a:pPr>
+            <a:endParaRPr lang="en-US" altLang="ko-KR" sz="1600" dirty="0">
+              <a:solidFill>
+                <a:schemeClr val="tx1">
+                  <a:lumMod val="75000"/>
+                  <a:lumOff val="25000"/>
+                </a:schemeClr>
+              </a:solidFill>
+              <a:latin typeface="나눔스퀘어 Bold"/>
+              <a:ea typeface="나눔스퀘어" panose="020B0600000101010101"/>
+            </a:endParaRPr>
+          </a:p>
+          <a:p>
+            <a:pPr marL="285750" indent="-285750">
+              <a:buFontTx/>
+              <a:buChar char="-"/>
+            </a:pPr>
+            <a:r>
+              <a:rPr lang="ko-KR" altLang="en-US" sz="1600" dirty="0">
+                <a:solidFill>
+                  <a:schemeClr val="tx1">
+                    <a:lumMod val="75000"/>
+                    <a:lumOff val="25000"/>
+                  </a:schemeClr>
+                </a:solidFill>
+                <a:latin typeface="나눔스퀘어 Bold"/>
+                <a:ea typeface="나눔스퀘어" panose="020B0600000101010101"/>
+              </a:rPr>
+              <a:t>게임 프레임 저하 요소가 존재함 </a:t>
+            </a:r>
+            <a:r>
+              <a:rPr lang="en-US" altLang="ko-KR" sz="1600" dirty="0">
+                <a:solidFill>
+                  <a:schemeClr val="tx1">
+                    <a:lumMod val="75000"/>
+                    <a:lumOff val="25000"/>
+                  </a:schemeClr>
+                </a:solidFill>
+                <a:latin typeface="나눔스퀘어 Bold"/>
+                <a:ea typeface="나눔스퀘어" panose="020B0600000101010101"/>
+              </a:rPr>
+              <a:t>-&gt; </a:t>
+            </a:r>
+            <a:r>
+              <a:rPr lang="ko-KR" altLang="en-US" sz="1600" dirty="0">
+                <a:solidFill>
+                  <a:schemeClr val="tx1">
+                    <a:lumMod val="75000"/>
+                    <a:lumOff val="25000"/>
+                  </a:schemeClr>
+                </a:solidFill>
+                <a:latin typeface="나눔스퀘어 Bold"/>
+                <a:ea typeface="나눔스퀘어" panose="020B0600000101010101"/>
+              </a:rPr>
+              <a:t>캐릭터 파츠 </a:t>
+            </a:r>
+            <a:r>
+              <a:rPr lang="en-US" altLang="ko-KR" sz="1600" dirty="0">
+                <a:solidFill>
+                  <a:schemeClr val="tx1">
+                    <a:lumMod val="75000"/>
+                    <a:lumOff val="25000"/>
+                  </a:schemeClr>
+                </a:solidFill>
+                <a:latin typeface="나눔스퀘어 Bold"/>
+                <a:ea typeface="나눔스퀘어" panose="020B0600000101010101"/>
+              </a:rPr>
+              <a:t>(</a:t>
+            </a:r>
+            <a:r>
+              <a:rPr lang="ko-KR" altLang="en-US" sz="1600" dirty="0">
+                <a:solidFill>
+                  <a:schemeClr val="tx1">
+                    <a:lumMod val="75000"/>
+                    <a:lumOff val="25000"/>
+                  </a:schemeClr>
+                </a:solidFill>
+                <a:latin typeface="나눔스퀘어 Bold"/>
+                <a:ea typeface="나눔스퀘어" panose="020B0600000101010101"/>
+              </a:rPr>
+              <a:t>커스터마이징</a:t>
+            </a:r>
+            <a:r>
+              <a:rPr lang="en-US" altLang="ko-KR" sz="1600" dirty="0">
+                <a:solidFill>
+                  <a:schemeClr val="tx1">
+                    <a:lumMod val="75000"/>
+                    <a:lumOff val="25000"/>
+                  </a:schemeClr>
+                </a:solidFill>
+                <a:latin typeface="나눔스퀘어 Bold"/>
+                <a:ea typeface="나눔스퀘어" panose="020B0600000101010101"/>
+              </a:rPr>
+              <a:t>) </a:t>
+            </a:r>
+            <a:r>
+              <a:rPr lang="ko-KR" altLang="en-US" sz="1600" dirty="0">
+                <a:solidFill>
+                  <a:schemeClr val="tx1">
+                    <a:lumMod val="75000"/>
+                    <a:lumOff val="25000"/>
+                  </a:schemeClr>
+                </a:solidFill>
+                <a:latin typeface="나눔스퀘어 Bold"/>
+                <a:ea typeface="나눔스퀘어" panose="020B0600000101010101"/>
+              </a:rPr>
+              <a:t>부분을 수정</a:t>
+            </a:r>
+            <a:endParaRPr lang="en-US" altLang="ko-KR" sz="1600" dirty="0">
+              <a:solidFill>
+                <a:schemeClr val="tx1">
+                  <a:lumMod val="75000"/>
+                  <a:lumOff val="25000"/>
+                </a:schemeClr>
+              </a:solidFill>
+              <a:latin typeface="나눔스퀘어 Bold"/>
+              <a:ea typeface="나눔스퀘어" panose="020B0600000101010101"/>
+            </a:endParaRPr>
+          </a:p>
+          <a:p>
+            <a:pPr marL="285750" indent="-285750">
+              <a:buFontTx/>
+              <a:buChar char="-"/>
+            </a:pPr>
+            <a:endParaRPr lang="en-US" altLang="ko-KR" sz="1600" dirty="0">
+              <a:solidFill>
+                <a:schemeClr val="tx1">
+                  <a:lumMod val="75000"/>
+                  <a:lumOff val="25000"/>
+                </a:schemeClr>
+              </a:solidFill>
+              <a:latin typeface="나눔스퀘어 Bold"/>
+              <a:ea typeface="나눔스퀘어" panose="020B0600000101010101"/>
+            </a:endParaRPr>
+          </a:p>
+          <a:p>
+            <a:pPr marL="285750" indent="-285750">
+              <a:buFontTx/>
+              <a:buChar char="-"/>
+            </a:pPr>
+            <a:r>
+              <a:rPr lang="ko-KR" altLang="en-US" sz="1600" dirty="0">
+                <a:solidFill>
+                  <a:schemeClr val="tx1">
+                    <a:lumMod val="75000"/>
+                    <a:lumOff val="25000"/>
+                  </a:schemeClr>
+                </a:solidFill>
+                <a:latin typeface="나눔스퀘어 Bold"/>
+                <a:ea typeface="나눔스퀘어" panose="020B0600000101010101"/>
+              </a:rPr>
+              <a:t>게임적 요소가 현재 존재하지 않음 </a:t>
+            </a:r>
+            <a:r>
+              <a:rPr lang="en-US" altLang="ko-KR" sz="1600" dirty="0">
+                <a:solidFill>
+                  <a:schemeClr val="tx1">
+                    <a:lumMod val="75000"/>
+                    <a:lumOff val="25000"/>
+                  </a:schemeClr>
+                </a:solidFill>
+                <a:latin typeface="나눔스퀘어 Bold"/>
+                <a:ea typeface="나눔스퀘어" panose="020B0600000101010101"/>
+              </a:rPr>
+              <a:t>-&gt; </a:t>
+            </a:r>
+            <a:r>
+              <a:rPr lang="ko-KR" altLang="en-US" sz="1600" dirty="0">
+                <a:solidFill>
+                  <a:schemeClr val="tx1">
+                    <a:lumMod val="75000"/>
+                    <a:lumOff val="25000"/>
+                  </a:schemeClr>
+                </a:solidFill>
+                <a:latin typeface="나눔스퀘어 Bold"/>
+                <a:ea typeface="나눔스퀘어" panose="020B0600000101010101"/>
+              </a:rPr>
+              <a:t>이후 개발 일정에 따라 게임요소를 개발</a:t>
+            </a:r>
+            <a:r>
+              <a:rPr lang="en-US" altLang="ko-KR" sz="1600" dirty="0">
+                <a:solidFill>
+                  <a:schemeClr val="tx1">
+                    <a:lumMod val="75000"/>
+                    <a:lumOff val="25000"/>
+                  </a:schemeClr>
+                </a:solidFill>
+                <a:latin typeface="나눔스퀘어 Bold"/>
+                <a:ea typeface="나눔스퀘어" panose="020B0600000101010101"/>
+              </a:rPr>
+              <a:t>, </a:t>
+            </a:r>
+            <a:r>
+              <a:rPr lang="ko-KR" altLang="en-US" sz="1600" dirty="0">
+                <a:solidFill>
+                  <a:schemeClr val="tx1">
+                    <a:lumMod val="75000"/>
+                    <a:lumOff val="25000"/>
+                  </a:schemeClr>
+                </a:solidFill>
+                <a:latin typeface="나눔스퀘어 Bold"/>
+                <a:ea typeface="나눔스퀘어" panose="020B0600000101010101"/>
+              </a:rPr>
+              <a:t>강화</a:t>
+            </a:r>
+            <a:endParaRPr lang="en-US" altLang="ko-KR" sz="1600" dirty="0">
+              <a:solidFill>
+                <a:schemeClr val="tx1">
+                  <a:lumMod val="75000"/>
+                  <a:lumOff val="25000"/>
+                </a:schemeClr>
+              </a:solidFill>
+              <a:latin typeface="나눔스퀘어 Bold"/>
+              <a:ea typeface="나눔스퀘어" panose="020B0600000101010101"/>
+            </a:endParaRPr>
+          </a:p>
+          <a:p>
+            <a:pPr marL="285750" indent="-285750">
+              <a:buFontTx/>
+              <a:buChar char="-"/>
+            </a:pPr>
+            <a:endParaRPr lang="ko-KR" altLang="en-US" sz="1600" dirty="0">
+              <a:solidFill>
+                <a:schemeClr val="tx1">
+                  <a:lumMod val="75000"/>
+                  <a:lumOff val="25000"/>
+                </a:schemeClr>
+              </a:solidFill>
+              <a:latin typeface="나눔스퀘어 Bold"/>
+              <a:ea typeface="나눔스퀘어" panose="020B0600000101010101"/>
+            </a:endParaRPr>
+          </a:p>
+        </p:txBody>
+      </p:sp>
+      <p:sp>
+        <p:nvSpPr>
+          <p:cNvPr id="6" name="TextBox 5">
+            <a:extLst>
+              <a:ext uri="{FF2B5EF4-FFF2-40B4-BE49-F238E27FC236}">
+                <a16:creationId xmlns:a16="http://schemas.microsoft.com/office/drawing/2014/main" id="{AEEEDD52-6AD7-3BAA-D08B-FF2B9D9960A9}"/>
+              </a:ext>
+            </a:extLst>
+          </p:cNvPr>
+          <p:cNvSpPr txBox="1"/>
+          <p:nvPr/>
+        </p:nvSpPr>
+        <p:spPr>
+          <a:xfrm>
+            <a:off x="516032" y="3429000"/>
+            <a:ext cx="4884072" cy="461665"/>
+          </a:xfrm>
+          <a:prstGeom prst="rect">
+            <a:avLst/>
+          </a:prstGeom>
+          <a:noFill/>
+        </p:spPr>
+        <p:txBody>
+          <a:bodyPr wrap="square" rtlCol="0">
+            <a:spAutoFit/>
+          </a:bodyPr>
+          <a:lstStyle/>
+          <a:p>
+            <a:r>
+              <a:rPr lang="en-US" altLang="ko-KR" sz="2400" dirty="0">
+                <a:solidFill>
+                  <a:schemeClr val="tx1">
+                    <a:lumMod val="75000"/>
+                    <a:lumOff val="25000"/>
+                  </a:schemeClr>
+                </a:solidFill>
+                <a:latin typeface="나눔스퀘어 Bold"/>
+                <a:ea typeface="나눔스퀘어" panose="020B0600000101010101"/>
+              </a:rPr>
+              <a:t>&lt;</a:t>
+            </a:r>
+            <a:r>
+              <a:rPr lang="ko-KR" altLang="en-US" sz="2400" dirty="0">
+                <a:solidFill>
+                  <a:schemeClr val="tx1">
+                    <a:lumMod val="75000"/>
+                    <a:lumOff val="25000"/>
+                  </a:schemeClr>
+                </a:solidFill>
+                <a:latin typeface="나눔스퀘어 Bold"/>
+                <a:ea typeface="나눔스퀘어" panose="020B0600000101010101"/>
+              </a:rPr>
+              <a:t>서버</a:t>
+            </a:r>
+            <a:r>
+              <a:rPr lang="en-US" altLang="ko-KR" sz="2400" dirty="0">
+                <a:solidFill>
+                  <a:schemeClr val="tx1">
+                    <a:lumMod val="75000"/>
+                    <a:lumOff val="25000"/>
+                  </a:schemeClr>
+                </a:solidFill>
+                <a:latin typeface="나눔스퀘어 Bold"/>
+                <a:ea typeface="나눔스퀘어" panose="020B0600000101010101"/>
+              </a:rPr>
+              <a:t>&gt;</a:t>
+            </a:r>
+            <a:endParaRPr lang="ko-KR" altLang="en-US" sz="2400" dirty="0">
+              <a:solidFill>
+                <a:schemeClr val="tx1">
+                  <a:lumMod val="75000"/>
+                  <a:lumOff val="25000"/>
+                </a:schemeClr>
+              </a:solidFill>
+              <a:latin typeface="나눔스퀘어 Bold"/>
+              <a:ea typeface="나눔스퀘어" panose="020B0600000101010101"/>
+            </a:endParaRPr>
+          </a:p>
+        </p:txBody>
+      </p:sp>
+      <p:sp>
+        <p:nvSpPr>
+          <p:cNvPr id="7" name="TextBox 6">
+            <a:extLst>
+              <a:ext uri="{FF2B5EF4-FFF2-40B4-BE49-F238E27FC236}">
+                <a16:creationId xmlns:a16="http://schemas.microsoft.com/office/drawing/2014/main" id="{0D8F03CC-2989-BD0B-DEB7-DD395B5A1FCF}"/>
+              </a:ext>
+            </a:extLst>
+          </p:cNvPr>
+          <p:cNvSpPr txBox="1"/>
+          <p:nvPr/>
+        </p:nvSpPr>
+        <p:spPr>
+          <a:xfrm>
+            <a:off x="516031" y="3955726"/>
+            <a:ext cx="11122813" cy="830997"/>
+          </a:xfrm>
+          <a:prstGeom prst="rect">
+            <a:avLst/>
+          </a:prstGeom>
+          <a:noFill/>
+        </p:spPr>
+        <p:txBody>
+          <a:bodyPr wrap="square" rtlCol="0">
+            <a:spAutoFit/>
+          </a:bodyPr>
+          <a:lstStyle/>
+          <a:p>
+            <a:pPr marL="285750" indent="-285750">
+              <a:buFontTx/>
+              <a:buChar char="-"/>
+            </a:pPr>
+            <a:r>
+              <a:rPr lang="ko-KR" altLang="en-US" sz="1600" dirty="0">
+                <a:solidFill>
+                  <a:schemeClr val="tx1">
+                    <a:lumMod val="75000"/>
+                    <a:lumOff val="25000"/>
+                  </a:schemeClr>
+                </a:solidFill>
+                <a:latin typeface="나눔스퀘어 Bold"/>
+                <a:ea typeface="나눔스퀘어" panose="020B0600000101010101"/>
+              </a:rPr>
+              <a:t>중요 데이터를 </a:t>
+            </a:r>
+            <a:r>
+              <a:rPr lang="en-US" altLang="ko-KR" sz="1600" dirty="0">
+                <a:solidFill>
+                  <a:schemeClr val="tx1">
+                    <a:lumMod val="75000"/>
+                    <a:lumOff val="25000"/>
+                  </a:schemeClr>
+                </a:solidFill>
+                <a:latin typeface="나눔스퀘어 Bold"/>
+                <a:ea typeface="나눔스퀘어" panose="020B0600000101010101"/>
+              </a:rPr>
+              <a:t>DB</a:t>
+            </a:r>
+            <a:r>
+              <a:rPr lang="ko-KR" altLang="en-US" sz="1600" dirty="0">
+                <a:solidFill>
+                  <a:schemeClr val="tx1">
+                    <a:lumMod val="75000"/>
+                    <a:lumOff val="25000"/>
+                  </a:schemeClr>
+                </a:solidFill>
+                <a:latin typeface="나눔스퀘어 Bold"/>
+                <a:ea typeface="나눔스퀘어" panose="020B0600000101010101"/>
+              </a:rPr>
+              <a:t>에 저장하는 타이밍이 없음 </a:t>
+            </a:r>
+            <a:r>
+              <a:rPr lang="en-US" altLang="ko-KR" sz="1600" dirty="0">
+                <a:solidFill>
+                  <a:schemeClr val="tx1">
+                    <a:lumMod val="75000"/>
+                    <a:lumOff val="25000"/>
+                  </a:schemeClr>
+                </a:solidFill>
+                <a:latin typeface="나눔스퀘어 Bold"/>
+                <a:ea typeface="나눔스퀘어" panose="020B0600000101010101"/>
+              </a:rPr>
+              <a:t>-&gt; </a:t>
+            </a:r>
+            <a:r>
+              <a:rPr lang="ko-KR" altLang="en-US" sz="1600" dirty="0">
+                <a:solidFill>
+                  <a:schemeClr val="tx1">
+                    <a:lumMod val="75000"/>
+                    <a:lumOff val="25000"/>
+                  </a:schemeClr>
+                </a:solidFill>
+                <a:latin typeface="나눔스퀘어 Bold"/>
+                <a:ea typeface="나눔스퀘어" panose="020B0600000101010101"/>
+              </a:rPr>
+              <a:t>일정 시간별로 </a:t>
+            </a:r>
+            <a:r>
+              <a:rPr lang="en-US" altLang="ko-KR" sz="1600" dirty="0">
+                <a:solidFill>
+                  <a:schemeClr val="tx1">
+                    <a:lumMod val="75000"/>
+                    <a:lumOff val="25000"/>
+                  </a:schemeClr>
+                </a:solidFill>
+                <a:latin typeface="나눔스퀘어 Bold"/>
+                <a:ea typeface="나눔스퀘어" panose="020B0600000101010101"/>
+              </a:rPr>
+              <a:t>DB</a:t>
+            </a:r>
+            <a:r>
+              <a:rPr lang="ko-KR" altLang="en-US" sz="1600" dirty="0">
+                <a:solidFill>
+                  <a:schemeClr val="tx1">
+                    <a:lumMod val="75000"/>
+                    <a:lumOff val="25000"/>
+                  </a:schemeClr>
+                </a:solidFill>
+                <a:latin typeface="나눔스퀘어 Bold"/>
+                <a:ea typeface="나눔스퀘어" panose="020B0600000101010101"/>
+              </a:rPr>
+              <a:t>에 중요 데이터를 저장할 수 있게 수정</a:t>
+            </a:r>
+            <a:endParaRPr lang="en-US" altLang="ko-KR" sz="1600" dirty="0">
+              <a:solidFill>
+                <a:schemeClr val="tx1">
+                  <a:lumMod val="75000"/>
+                  <a:lumOff val="25000"/>
+                </a:schemeClr>
+              </a:solidFill>
+              <a:latin typeface="나눔스퀘어 Bold"/>
+              <a:ea typeface="나눔스퀘어" panose="020B0600000101010101"/>
+            </a:endParaRPr>
+          </a:p>
+          <a:p>
+            <a:pPr marL="285750" indent="-285750">
+              <a:buFontTx/>
+              <a:buChar char="-"/>
+            </a:pPr>
+            <a:endParaRPr lang="en-US" altLang="ko-KR" sz="1600" dirty="0">
+              <a:solidFill>
+                <a:schemeClr val="tx1">
+                  <a:lumMod val="75000"/>
+                  <a:lumOff val="25000"/>
+                </a:schemeClr>
+              </a:solidFill>
+              <a:latin typeface="나눔스퀘어 Bold"/>
+              <a:ea typeface="나눔스퀘어" panose="020B0600000101010101"/>
+            </a:endParaRPr>
+          </a:p>
+          <a:p>
+            <a:pPr marL="285750" indent="-285750">
+              <a:buFontTx/>
+              <a:buChar char="-"/>
+            </a:pPr>
+            <a:r>
+              <a:rPr lang="ko-KR" altLang="en-US" sz="1600" dirty="0">
+                <a:solidFill>
+                  <a:schemeClr val="tx1">
+                    <a:lumMod val="75000"/>
+                    <a:lumOff val="25000"/>
+                  </a:schemeClr>
+                </a:solidFill>
+                <a:latin typeface="나눔스퀘어 Bold"/>
+                <a:ea typeface="나눔스퀘어" panose="020B0600000101010101"/>
+              </a:rPr>
+              <a:t>최적화가 필요한 다중 접속 </a:t>
+            </a:r>
+            <a:r>
+              <a:rPr lang="en-US" altLang="ko-KR" sz="1600" dirty="0">
+                <a:solidFill>
+                  <a:schemeClr val="tx1">
+                    <a:lumMod val="75000"/>
+                    <a:lumOff val="25000"/>
+                  </a:schemeClr>
+                </a:solidFill>
+                <a:latin typeface="나눔스퀘어 Bold"/>
+                <a:ea typeface="나눔스퀘어" panose="020B0600000101010101"/>
+              </a:rPr>
+              <a:t>-&gt; Dummy Client</a:t>
+            </a:r>
+            <a:r>
+              <a:rPr lang="ko-KR" altLang="en-US" sz="1600" dirty="0">
+                <a:solidFill>
+                  <a:schemeClr val="tx1">
+                    <a:lumMod val="75000"/>
+                    <a:lumOff val="25000"/>
+                  </a:schemeClr>
+                </a:solidFill>
+                <a:latin typeface="나눔스퀘어 Bold"/>
+                <a:ea typeface="나눔스퀘어" panose="020B0600000101010101"/>
+              </a:rPr>
+              <a:t>를 통해 테스트 진행</a:t>
+            </a:r>
+            <a:r>
+              <a:rPr lang="en-US" altLang="ko-KR" sz="1600" dirty="0">
+                <a:solidFill>
+                  <a:schemeClr val="tx1">
+                    <a:lumMod val="75000"/>
+                    <a:lumOff val="25000"/>
+                  </a:schemeClr>
+                </a:solidFill>
+                <a:latin typeface="나눔스퀘어 Bold"/>
+                <a:ea typeface="나눔스퀘어" panose="020B0600000101010101"/>
+              </a:rPr>
+              <a:t>, </a:t>
+            </a:r>
+            <a:r>
+              <a:rPr lang="ko-KR" altLang="en-US" sz="1600" dirty="0">
+                <a:solidFill>
+                  <a:schemeClr val="tx1">
+                    <a:lumMod val="75000"/>
+                    <a:lumOff val="25000"/>
+                  </a:schemeClr>
+                </a:solidFill>
+                <a:latin typeface="나눔스퀘어 Bold"/>
+                <a:ea typeface="나눔스퀘어" panose="020B0600000101010101"/>
+              </a:rPr>
+              <a:t>불필요한 패킷 제거</a:t>
+            </a:r>
+            <a:endParaRPr lang="en-US" altLang="ko-KR" sz="1600" dirty="0">
+              <a:solidFill>
+                <a:schemeClr val="tx1">
+                  <a:lumMod val="75000"/>
+                  <a:lumOff val="25000"/>
+                </a:schemeClr>
+              </a:solidFill>
+              <a:latin typeface="나눔스퀘어 Bold"/>
+              <a:ea typeface="나눔스퀘어" panose="020B0600000101010101"/>
+            </a:endParaRPr>
+          </a:p>
+        </p:txBody>
+      </p:sp>
     </p:spTree>
     <p:extLst>
       <p:ext uri="{BB962C8B-B14F-4D97-AF65-F5344CB8AC3E}">
@@ -8826,7 +9620,7 @@
             <a:pPr algn="ctr"/>
             <a:r>
               <a:rPr lang="en-US" altLang="ko-KR" dirty="0"/>
-              <a:t>0%</a:t>
+              <a:t>40%</a:t>
             </a:r>
             <a:endParaRPr lang="ko-KR" altLang="en-US" dirty="0"/>
           </a:p>
@@ -9063,7 +9857,7 @@
           <p:nvPr>
             <p:extLst>
               <p:ext uri="{D42A27DB-BD31-4B8C-83A1-F6EECF244321}">
-                <p14:modId xmlns:p14="http://schemas.microsoft.com/office/powerpoint/2010/main" val="1903623002"/>
+                <p14:modId xmlns:p14="http://schemas.microsoft.com/office/powerpoint/2010/main" val="3119490204"/>
               </p:ext>
             </p:extLst>
           </p:nvPr>
@@ -9229,9 +10023,12 @@
                       </a:r>
                       <a:r>
                         <a:rPr lang="en-US" altLang="ko-KR" sz="1200" dirty="0"/>
-                        <a:t>)</a:t>
+                        <a:t>) / </a:t>
                       </a:r>
-                      <a:endParaRPr lang="ko-KR" altLang="en-US" sz="1200" dirty="0"/>
+                      <a:r>
+                        <a:rPr lang="ko-KR" altLang="en-US" sz="1200" dirty="0"/>
+                        <a:t>더미 클라 제작</a:t>
+                      </a:r>
                     </a:p>
                   </a:txBody>
                   <a:tcPr anchor="ctr"/>
@@ -9303,8 +10100,25 @@
                       <a:pPr latinLnBrk="1"/>
                       <a:r>
                         <a:rPr lang="ko-KR" altLang="en-US" sz="1200" dirty="0"/>
-                        <a:t>애니메이션</a:t>
+                        <a:t>애니메이션 </a:t>
                       </a:r>
+                      <a:r>
+                        <a:rPr lang="en-US" altLang="ko-KR" sz="1200" dirty="0"/>
+                        <a:t>(</a:t>
+                      </a:r>
+                      <a:r>
+                        <a:rPr lang="ko-KR" altLang="en-US" sz="1200" dirty="0"/>
+                        <a:t>애니메이션 </a:t>
+                      </a:r>
+                      <a:r>
+                        <a:rPr lang="ko-KR" altLang="en-US" sz="1200" dirty="0" err="1"/>
+                        <a:t>블렌딩</a:t>
+                      </a:r>
+                      <a:r>
+                        <a:rPr lang="en-US" altLang="ko-KR" sz="1200" dirty="0"/>
+                        <a:t>)</a:t>
+                      </a:r>
+                      <a:endParaRPr lang="ko-KR" altLang="en-US" sz="1200" dirty="0"/>
                     </a:p>
                   </a:txBody>
                   <a:tcPr anchor="ctr"/>
@@ -9382,7 +10196,15 @@
                       </a:r>
                       <a:r>
                         <a:rPr lang="ko-KR" altLang="en-US" sz="1200" dirty="0"/>
-                        <a:t>이펙트 적용</a:t>
+                        <a:t>이펙트 적용 </a:t>
+                      </a:r>
+                      <a:r>
+                        <a:rPr lang="en-US" altLang="ko-KR" sz="1200" dirty="0"/>
+                        <a:t>/ </a:t>
+                      </a:r>
+                      <a:r>
+                        <a:rPr lang="ko-KR" altLang="en-US" sz="1200" dirty="0"/>
+                        <a:t>사운드 추가</a:t>
                       </a:r>
                     </a:p>
                   </a:txBody>
@@ -9472,8 +10294,16 @@
                         <a:t>(</a:t>
                       </a:r>
                       <a:r>
+                        <a:rPr lang="ko-KR" altLang="en-US" sz="1200" dirty="0"/>
+                        <a:t>미니게임</a:t>
+                      </a:r>
+                      <a:r>
+                        <a:rPr lang="en-US" altLang="ko-KR" sz="1200" dirty="0"/>
+                        <a:t>, </a:t>
+                      </a:r>
+                      <a:r>
                         <a:rPr lang="ko-KR" altLang="en-US" sz="1200" dirty="0" err="1"/>
-                        <a:t>인게임</a:t>
+                        <a:t>게임로직</a:t>
                       </a:r>
                       <a:r>
                         <a:rPr lang="en-US" altLang="ko-KR" sz="1200" dirty="0"/>
@@ -9559,8 +10389,21 @@
                       </a:r>
                       <a:r>
                         <a:rPr lang="ko-KR" altLang="en-US" sz="1200" dirty="0"/>
-                        <a:t> 오브젝트 구현</a:t>
+                        <a:t> 오브젝트 구현 </a:t>
                       </a:r>
+                      <a:r>
+                        <a:rPr lang="en-US" altLang="ko-KR" sz="1200" dirty="0"/>
+                        <a:t>(</a:t>
+                      </a:r>
+                      <a:r>
+                        <a:rPr lang="ko-KR" altLang="en-US" sz="1200" dirty="0"/>
+                        <a:t>미니게임</a:t>
+                      </a:r>
+                      <a:r>
+                        <a:rPr lang="en-US" altLang="ko-KR" sz="1200" dirty="0"/>
+                        <a:t>)</a:t>
+                      </a:r>
+                      <a:endParaRPr lang="ko-KR" altLang="en-US" sz="1200" dirty="0"/>
                     </a:p>
                   </a:txBody>
                   <a:tcPr anchor="ctr"/>
@@ -17205,7 +18048,7 @@
           <p:nvPr>
             <p:extLst>
               <p:ext uri="{D42A27DB-BD31-4B8C-83A1-F6EECF244321}">
-                <p14:modId xmlns:p14="http://schemas.microsoft.com/office/powerpoint/2010/main" val="3613461577"/>
+                <p14:modId xmlns:p14="http://schemas.microsoft.com/office/powerpoint/2010/main" val="1574646947"/>
               </p:ext>
             </p:extLst>
           </p:nvPr>
@@ -17312,6 +18155,78 @@
                           <a:cs typeface="+mn-cs"/>
                         </a:rPr>
                         <a:t>클라이언트 프레임워크</a:t>
+                      </a:r>
+                      <a:endParaRPr lang="en-US" altLang="ko-KR" sz="1800" b="1" i="0" kern="1200" dirty="0">
+                        <a:solidFill>
+                          <a:schemeClr val="dk1"/>
+                        </a:solidFill>
+                        <a:effectLst/>
+                        <a:latin typeface="+mn-lt"/>
+                        <a:ea typeface="+mn-ea"/>
+                        <a:cs typeface="+mn-cs"/>
+                      </a:endParaRPr>
+                    </a:p>
+                    <a:p>
+                      <a:pPr algn="ctr" latinLnBrk="1"/>
+                      <a:r>
+                        <a:rPr lang="ko-KR" altLang="en-US" sz="1800" b="1" i="0" kern="1200" dirty="0">
+                          <a:solidFill>
+                            <a:schemeClr val="dk1"/>
+                          </a:solidFill>
+                          <a:effectLst/>
+                          <a:latin typeface="+mn-lt"/>
+                          <a:ea typeface="+mn-ea"/>
+                          <a:cs typeface="+mn-cs"/>
+                        </a:rPr>
+                        <a:t>암튼 렌더링</a:t>
+                      </a:r>
+                      <a:endParaRPr lang="en-US" altLang="ko-KR" sz="1800" b="1" i="0" kern="1200" dirty="0">
+                        <a:solidFill>
+                          <a:schemeClr val="dk1"/>
+                        </a:solidFill>
+                        <a:effectLst/>
+                        <a:latin typeface="+mn-lt"/>
+                        <a:ea typeface="+mn-ea"/>
+                        <a:cs typeface="+mn-cs"/>
+                      </a:endParaRPr>
+                    </a:p>
+                    <a:p>
+                      <a:pPr algn="ctr" latinLnBrk="1"/>
+                      <a:r>
+                        <a:rPr lang="ko-KR" altLang="en-US" sz="1800" b="1" i="0" kern="1200" dirty="0">
+                          <a:solidFill>
+                            <a:schemeClr val="dk1"/>
+                          </a:solidFill>
+                          <a:effectLst/>
+                          <a:latin typeface="+mn-lt"/>
+                          <a:ea typeface="+mn-ea"/>
+                          <a:cs typeface="+mn-cs"/>
+                        </a:rPr>
+                        <a:t>아 </a:t>
+                      </a:r>
+                      <a:r>
+                        <a:rPr lang="ko-KR" altLang="en-US" sz="1800" b="1" i="0" kern="1200" dirty="0" err="1">
+                          <a:solidFill>
+                            <a:schemeClr val="dk1"/>
+                          </a:solidFill>
+                          <a:effectLst/>
+                          <a:latin typeface="+mn-lt"/>
+                          <a:ea typeface="+mn-ea"/>
+                          <a:cs typeface="+mn-cs"/>
+                        </a:rPr>
+                        <a:t>통과시켜달라고</a:t>
+                      </a:r>
+                      <a:r>
+                        <a:rPr lang="en-US" altLang="ko-KR" sz="1800" b="1" i="0" kern="1200">
+                          <a:solidFill>
+                            <a:schemeClr val="dk1"/>
+                          </a:solidFill>
+                          <a:effectLst/>
+                          <a:latin typeface="+mn-lt"/>
+                          <a:ea typeface="+mn-ea"/>
+                          <a:cs typeface="+mn-cs"/>
+                        </a:rPr>
+                        <a:t>~</a:t>
                       </a:r>
                       <a:endParaRPr lang="en-US" altLang="ko-KR" sz="1800" b="1" i="0" kern="1200" dirty="0">
                         <a:solidFill>
@@ -17493,6 +18408,30 @@
                     </a:p>
                     <a:p>
                       <a:pPr algn="ctr" latinLnBrk="1"/>
+                      <a:r>
+                        <a:rPr lang="ko-KR" altLang="en-US" sz="1800" b="1" i="0" kern="1200" dirty="0">
+                          <a:solidFill>
+                            <a:schemeClr val="dk1"/>
+                          </a:solidFill>
+                          <a:effectLst/>
+                          <a:latin typeface="+mn-lt"/>
+                          <a:ea typeface="+mn-ea"/>
+                          <a:cs typeface="+mn-cs"/>
+                        </a:rPr>
+                        <a:t>이동</a:t>
+                      </a:r>
+                      <a:r>
+                        <a:rPr lang="en-US" altLang="ko-KR" sz="1800" b="1" i="0" kern="1200" dirty="0">
+                          <a:solidFill>
+                            <a:schemeClr val="dk1"/>
+                          </a:solidFill>
+                          <a:effectLst/>
+                          <a:latin typeface="+mn-lt"/>
+                          <a:ea typeface="+mn-ea"/>
+                          <a:cs typeface="+mn-cs"/>
+                        </a:rPr>
+                        <a:t>, </a:t>
+                      </a:r>
                       <a:r>
                         <a:rPr lang="ko-KR" altLang="en-US" sz="1800" b="1" i="0" kern="1200" dirty="0">
                           <a:solidFill>
@@ -17811,7 +18750,7 @@
           <a:lstStyle/>
           <a:p>
             <a:r>
-              <a:rPr lang="ko-KR" altLang="en-US" sz="2400">
+              <a:rPr lang="ko-KR" altLang="en-US" sz="2400" dirty="0">
                 <a:solidFill>
                   <a:schemeClr val="tx1">
                     <a:lumMod val="75000"/>

--- a/Graduation_Document/중간발표.pptx
+++ b/Graduation_Document/중간발표.pptx
@@ -5,7 +5,7 @@
     <p:sldMasterId id="2147483648" r:id="rId1"/>
   </p:sldMasterIdLst>
   <p:notesMasterIdLst>
-    <p:notesMasterId r:id="rId17"/>
+    <p:notesMasterId r:id="rId16"/>
   </p:notesMasterIdLst>
   <p:sldIdLst>
     <p:sldId id="296" r:id="rId2"/>
@@ -22,7 +22,6 @@
     <p:sldId id="336" r:id="rId13"/>
     <p:sldId id="343" r:id="rId14"/>
     <p:sldId id="337" r:id="rId15"/>
-    <p:sldId id="270" r:id="rId16"/>
   </p:sldIdLst>
   <p:sldSz cx="12192000" cy="6858000"/>
   <p:notesSz cx="6858000" cy="9144000"/>
@@ -5252,6 +5251,17 @@
 <file path=ppt/slides/slide1.xml><?xml version="1.0" encoding="utf-8"?>
 <p:sld xmlns:a="http://schemas.openxmlformats.org/drawingml/2006/main" xmlns:r="http://schemas.openxmlformats.org/officeDocument/2006/relationships" xmlns:p="http://schemas.openxmlformats.org/presentationml/2006/main">
   <p:cSld>
+    <p:bg>
+      <p:bgPr>
+        <a:solidFill>
+          <a:schemeClr val="accent1">
+            <a:lumMod val="20000"/>
+            <a:lumOff val="80000"/>
+          </a:schemeClr>
+        </a:solidFill>
+        <a:effectLst/>
+      </p:bgPr>
+    </p:bg>
     <p:spTree>
       <p:nvGrpSpPr>
         <p:cNvPr id="1" name=""/>
@@ -5268,21 +5278,150 @@
       </p:grpSpPr>
       <p:sp>
         <p:nvSpPr>
-          <p:cNvPr id="5" name="직사각형 4"/>
-          <p:cNvSpPr/>
+          <p:cNvPr id="15" name="TextBox 14"/>
+          <p:cNvSpPr txBox="1"/>
           <p:nvPr/>
         </p:nvSpPr>
         <p:spPr>
           <a:xfrm>
-            <a:off x="0" y="0"/>
-            <a:ext cx="12192001" cy="6858000"/>
+            <a:off x="956645" y="4619430"/>
+            <a:ext cx="3546271" cy="1015663"/>
           </a:xfrm>
           <a:prstGeom prst="rect">
             <a:avLst/>
           </a:prstGeom>
-          <a:solidFill>
-            <a:srgbClr val="8895B5"/>
-          </a:solidFill>
+          <a:noFill/>
+        </p:spPr>
+        <p:txBody>
+          <a:bodyPr wrap="square" rtlCol="0">
+            <a:spAutoFit/>
+          </a:bodyPr>
+          <a:lstStyle/>
+          <a:p>
+            <a:pPr algn="ctr"/>
+            <a:r>
+              <a:rPr lang="en-US" altLang="ko-KR" sz="2000" b="1" dirty="0">
+                <a:solidFill>
+                  <a:schemeClr val="accent1">
+                    <a:lumMod val="75000"/>
+                  </a:schemeClr>
+                </a:solidFill>
+                <a:latin typeface="나눔스퀘어 Bold"/>
+                <a:cs typeface="Aharoni" panose="02010803020104030203" pitchFamily="2" charset="-79"/>
+              </a:rPr>
+              <a:t>2017182007</a:t>
+            </a:r>
+            <a:r>
+              <a:rPr lang="ko-KR" altLang="en-US" sz="2000" b="1" dirty="0">
+                <a:solidFill>
+                  <a:schemeClr val="accent1">
+                    <a:lumMod val="75000"/>
+                  </a:schemeClr>
+                </a:solidFill>
+                <a:latin typeface="나눔스퀘어 Bold"/>
+                <a:cs typeface="Aharoni" panose="02010803020104030203" pitchFamily="2" charset="-79"/>
+              </a:rPr>
+              <a:t> 김우빈</a:t>
+            </a:r>
+            <a:endParaRPr lang="en-US" altLang="ko-KR" sz="2000" b="1" dirty="0">
+              <a:solidFill>
+                <a:schemeClr val="accent1">
+                  <a:lumMod val="75000"/>
+                </a:schemeClr>
+              </a:solidFill>
+              <a:latin typeface="나눔스퀘어 Bold"/>
+              <a:cs typeface="Aharoni" panose="02010803020104030203" pitchFamily="2" charset="-79"/>
+            </a:endParaRPr>
+          </a:p>
+          <a:p>
+            <a:pPr algn="ctr"/>
+            <a:r>
+              <a:rPr lang="en-US" altLang="ko-KR" sz="2000" b="1" dirty="0">
+                <a:solidFill>
+                  <a:schemeClr val="accent1">
+                    <a:lumMod val="75000"/>
+                  </a:schemeClr>
+                </a:solidFill>
+                <a:latin typeface="나눔스퀘어 Bold"/>
+                <a:cs typeface="Aharoni" panose="02010803020104030203" pitchFamily="2" charset="-79"/>
+              </a:rPr>
+              <a:t>2018182013 </a:t>
+            </a:r>
+            <a:r>
+              <a:rPr lang="ko-KR" altLang="en-US" sz="2000" b="1" dirty="0">
+                <a:solidFill>
+                  <a:schemeClr val="accent1">
+                    <a:lumMod val="75000"/>
+                  </a:schemeClr>
+                </a:solidFill>
+                <a:latin typeface="나눔스퀘어 Bold"/>
+                <a:cs typeface="Aharoni" panose="02010803020104030203" pitchFamily="2" charset="-79"/>
+              </a:rPr>
+              <a:t>박동규</a:t>
+            </a:r>
+            <a:endParaRPr lang="en-US" altLang="ko-KR" sz="2000" b="1" dirty="0">
+              <a:solidFill>
+                <a:schemeClr val="accent1">
+                  <a:lumMod val="75000"/>
+                </a:schemeClr>
+              </a:solidFill>
+              <a:latin typeface="나눔스퀘어 Bold"/>
+              <a:cs typeface="Aharoni" panose="02010803020104030203" pitchFamily="2" charset="-79"/>
+            </a:endParaRPr>
+          </a:p>
+          <a:p>
+            <a:pPr algn="ctr"/>
+            <a:r>
+              <a:rPr lang="en-US" altLang="ko-KR" sz="2000" b="1" dirty="0">
+                <a:solidFill>
+                  <a:schemeClr val="accent1">
+                    <a:lumMod val="75000"/>
+                  </a:schemeClr>
+                </a:solidFill>
+                <a:latin typeface="나눔스퀘어 Bold"/>
+                <a:cs typeface="Aharoni" panose="02010803020104030203" pitchFamily="2" charset="-79"/>
+              </a:rPr>
+              <a:t>2020182044 </a:t>
+            </a:r>
+            <a:r>
+              <a:rPr lang="ko-KR" altLang="en-US" sz="2000" b="1" dirty="0" err="1">
+                <a:solidFill>
+                  <a:schemeClr val="accent1">
+                    <a:lumMod val="75000"/>
+                  </a:schemeClr>
+                </a:solidFill>
+                <a:latin typeface="나눔스퀘어 Bold"/>
+                <a:cs typeface="Aharoni" panose="02010803020104030203" pitchFamily="2" charset="-79"/>
+              </a:rPr>
+              <a:t>황석주</a:t>
+            </a:r>
+            <a:endParaRPr lang="en-US" altLang="ko-KR" sz="2000" b="1" dirty="0">
+              <a:solidFill>
+                <a:schemeClr val="accent1">
+                  <a:lumMod val="75000"/>
+                </a:schemeClr>
+              </a:solidFill>
+              <a:latin typeface="나눔스퀘어 Bold"/>
+              <a:cs typeface="Aharoni" panose="02010803020104030203" pitchFamily="2" charset="-79"/>
+            </a:endParaRPr>
+          </a:p>
+        </p:txBody>
+      </p:sp>
+      <p:sp>
+        <p:nvSpPr>
+          <p:cNvPr id="6" name="직사각형 5"/>
+          <p:cNvSpPr/>
+          <p:nvPr/>
+        </p:nvSpPr>
+        <p:spPr>
+          <a:xfrm>
+            <a:off x="-738037" y="1288225"/>
+            <a:ext cx="6935637" cy="2042980"/>
+          </a:xfrm>
+          <a:prstGeom prst="rect">
+            <a:avLst/>
+          </a:prstGeom>
+          <a:noFill/>
           <a:ln>
             <a:noFill/>
           </a:ln>
@@ -5308,262 +5447,22 @@
           <a:lstStyle/>
           <a:p>
             <a:pPr algn="ctr"/>
-            <a:endParaRPr lang="ko-KR" altLang="en-US">
-              <a:solidFill>
-                <a:prstClr val="white"/>
-              </a:solidFill>
-            </a:endParaRPr>
-          </a:p>
-        </p:txBody>
-      </p:sp>
-      <p:sp>
-        <p:nvSpPr>
-          <p:cNvPr id="15" name="TextBox 14"/>
-          <p:cNvSpPr txBox="1"/>
-          <p:nvPr/>
-        </p:nvSpPr>
-        <p:spPr>
-          <a:xfrm>
-            <a:off x="4322864" y="3961385"/>
-            <a:ext cx="3546271" cy="1631216"/>
-          </a:xfrm>
-          <a:prstGeom prst="rect">
-            <a:avLst/>
-          </a:prstGeom>
-          <a:noFill/>
-        </p:spPr>
-        <p:txBody>
-          <a:bodyPr wrap="square" rtlCol="0">
-            <a:spAutoFit/>
-          </a:bodyPr>
-          <a:lstStyle/>
-          <a:p>
-            <a:pPr algn="ctr"/>
-            <a:endParaRPr lang="en-US" altLang="ko-KR" sz="2000" dirty="0">
-              <a:solidFill>
-                <a:prstClr val="white">
-                  <a:lumMod val="85000"/>
-                </a:prstClr>
-              </a:solidFill>
-              <a:cs typeface="Aharoni" panose="02010803020104030203" pitchFamily="2" charset="-79"/>
-            </a:endParaRPr>
-          </a:p>
-          <a:p>
-            <a:pPr algn="ctr"/>
-            <a:r>
-              <a:rPr lang="en-US" altLang="ko-KR" sz="2000" dirty="0">
+            <a:r>
+              <a:rPr lang="en-US" altLang="ko-KR" sz="7200" b="1" i="1" dirty="0">
                 <a:solidFill>
-                  <a:prstClr val="white">
-                    <a:lumMod val="85000"/>
-                  </a:prstClr>
-                </a:solidFill>
-                <a:cs typeface="Aharoni" panose="02010803020104030203" pitchFamily="2" charset="-79"/>
-              </a:rPr>
-              <a:t>2017182007</a:t>
-            </a:r>
-            <a:r>
-              <a:rPr lang="ko-KR" altLang="en-US" sz="2000" dirty="0">
-                <a:solidFill>
-                  <a:prstClr val="white">
-                    <a:lumMod val="85000"/>
-                  </a:prstClr>
-                </a:solidFill>
-                <a:cs typeface="Aharoni" panose="02010803020104030203" pitchFamily="2" charset="-79"/>
-              </a:rPr>
-              <a:t> 김우빈</a:t>
-            </a:r>
-            <a:endParaRPr lang="en-US" altLang="ko-KR" sz="2000" dirty="0">
-              <a:solidFill>
-                <a:prstClr val="white">
-                  <a:lumMod val="85000"/>
-                </a:prstClr>
-              </a:solidFill>
-              <a:cs typeface="Aharoni" panose="02010803020104030203" pitchFamily="2" charset="-79"/>
-            </a:endParaRPr>
-          </a:p>
-          <a:p>
-            <a:pPr algn="ctr"/>
-            <a:r>
-              <a:rPr lang="en-US" altLang="ko-KR" sz="2000" dirty="0">
-                <a:solidFill>
-                  <a:prstClr val="white">
-                    <a:lumMod val="85000"/>
-                  </a:prstClr>
-                </a:solidFill>
-                <a:cs typeface="Aharoni" panose="02010803020104030203" pitchFamily="2" charset="-79"/>
-              </a:rPr>
-              <a:t>2018182013 </a:t>
-            </a:r>
-            <a:r>
-              <a:rPr lang="ko-KR" altLang="en-US" sz="2000" dirty="0">
-                <a:solidFill>
-                  <a:prstClr val="white">
-                    <a:lumMod val="85000"/>
-                  </a:prstClr>
-                </a:solidFill>
-                <a:cs typeface="Aharoni" panose="02010803020104030203" pitchFamily="2" charset="-79"/>
-              </a:rPr>
-              <a:t>박동규</a:t>
-            </a:r>
-            <a:endParaRPr lang="en-US" altLang="ko-KR" sz="2000" dirty="0">
-              <a:solidFill>
-                <a:prstClr val="white">
-                  <a:lumMod val="85000"/>
-                </a:prstClr>
-              </a:solidFill>
-              <a:cs typeface="Aharoni" panose="02010803020104030203" pitchFamily="2" charset="-79"/>
-            </a:endParaRPr>
-          </a:p>
-          <a:p>
-            <a:pPr algn="ctr"/>
-            <a:r>
-              <a:rPr lang="en-US" altLang="ko-KR" sz="2000" dirty="0">
-                <a:solidFill>
-                  <a:prstClr val="white">
-                    <a:lumMod val="85000"/>
-                  </a:prstClr>
-                </a:solidFill>
-                <a:cs typeface="Aharoni" panose="02010803020104030203" pitchFamily="2" charset="-79"/>
-              </a:rPr>
-              <a:t>2020182044 </a:t>
-            </a:r>
-            <a:r>
-              <a:rPr lang="ko-KR" altLang="en-US" sz="2000" dirty="0" err="1">
-                <a:solidFill>
-                  <a:prstClr val="white">
-                    <a:lumMod val="85000"/>
-                  </a:prstClr>
-                </a:solidFill>
-                <a:cs typeface="Aharoni" panose="02010803020104030203" pitchFamily="2" charset="-79"/>
-              </a:rPr>
-              <a:t>황석주</a:t>
-            </a:r>
-            <a:endParaRPr lang="en-US" altLang="ko-KR" sz="2000" dirty="0">
-              <a:solidFill>
-                <a:prstClr val="white">
-                  <a:lumMod val="85000"/>
-                </a:prstClr>
-              </a:solidFill>
-              <a:cs typeface="Aharoni" panose="02010803020104030203" pitchFamily="2" charset="-79"/>
-            </a:endParaRPr>
-          </a:p>
-          <a:p>
-            <a:pPr algn="ctr"/>
-            <a:endParaRPr lang="en-US" altLang="ko-KR" sz="2000" dirty="0">
-              <a:solidFill>
-                <a:prstClr val="white">
-                  <a:lumMod val="85000"/>
-                </a:prstClr>
-              </a:solidFill>
-              <a:cs typeface="Aharoni" panose="02010803020104030203" pitchFamily="2" charset="-79"/>
-            </a:endParaRPr>
-          </a:p>
-        </p:txBody>
-      </p:sp>
-      <p:sp>
-        <p:nvSpPr>
-          <p:cNvPr id="23" name="직사각형 22"/>
-          <p:cNvSpPr/>
-          <p:nvPr/>
-        </p:nvSpPr>
-        <p:spPr>
-          <a:xfrm>
-            <a:off x="0" y="3440636"/>
-            <a:ext cx="12192000" cy="72000"/>
-          </a:xfrm>
-          <a:prstGeom prst="rect">
-            <a:avLst/>
-          </a:prstGeom>
-          <a:solidFill>
-            <a:schemeClr val="bg1"/>
-          </a:solidFill>
-          <a:ln>
-            <a:noFill/>
-          </a:ln>
-        </p:spPr>
-        <p:style>
-          <a:lnRef idx="2">
-            <a:schemeClr val="accent1">
-              <a:shade val="50000"/>
-            </a:schemeClr>
-          </a:lnRef>
-          <a:fillRef idx="1">
-            <a:schemeClr val="accent1"/>
-          </a:fillRef>
-          <a:effectRef idx="0">
-            <a:schemeClr val="accent1"/>
-          </a:effectRef>
-          <a:fontRef idx="minor">
-            <a:schemeClr val="lt1"/>
-          </a:fontRef>
-        </p:style>
-        <p:txBody>
-          <a:bodyPr rtlCol="0" anchor="ctr"/>
-          <a:lstStyle/>
-          <a:p>
-            <a:pPr algn="ctr"/>
-            <a:endParaRPr lang="ko-KR" altLang="en-US" dirty="0">
-              <a:solidFill>
-                <a:prstClr val="white"/>
-              </a:solidFill>
-            </a:endParaRPr>
-          </a:p>
-        </p:txBody>
-      </p:sp>
-      <p:sp>
-        <p:nvSpPr>
-          <p:cNvPr id="6" name="직사각형 5"/>
-          <p:cNvSpPr/>
-          <p:nvPr/>
-        </p:nvSpPr>
-        <p:spPr>
-          <a:xfrm>
-            <a:off x="0" y="1"/>
-            <a:ext cx="12192000" cy="3429000"/>
-          </a:xfrm>
-          <a:prstGeom prst="rect">
-            <a:avLst/>
-          </a:prstGeom>
-          <a:solidFill>
-            <a:srgbClr val="616A87"/>
-          </a:solidFill>
-          <a:ln>
-            <a:noFill/>
-          </a:ln>
-        </p:spPr>
-        <p:style>
-          <a:lnRef idx="2">
-            <a:schemeClr val="accent1">
-              <a:shade val="50000"/>
-            </a:schemeClr>
-          </a:lnRef>
-          <a:fillRef idx="1">
-            <a:schemeClr val="accent1"/>
-          </a:fillRef>
-          <a:effectRef idx="0">
-            <a:schemeClr val="accent1"/>
-          </a:effectRef>
-          <a:fontRef idx="minor">
-            <a:schemeClr val="lt1"/>
-          </a:fontRef>
-        </p:style>
-        <p:txBody>
-          <a:bodyPr rtlCol="0" anchor="ctr"/>
-          <a:lstStyle/>
-          <a:p>
-            <a:pPr algn="ctr"/>
-            <a:r>
-              <a:rPr lang="en-US" altLang="ko-KR" sz="7200" i="1" dirty="0">
-                <a:solidFill>
-                  <a:prstClr val="white"/>
+                  <a:schemeClr val="accent1">
+                    <a:lumMod val="75000"/>
+                  </a:schemeClr>
                 </a:solidFill>
                 <a:cs typeface="Aharoni" panose="02010803020104030203" pitchFamily="2" charset="-79"/>
               </a:rPr>
               <a:t>Who’s The Tagger?</a:t>
             </a:r>
-            <a:endParaRPr lang="ko-KR" altLang="en-US" sz="7200" dirty="0">
+            <a:endParaRPr lang="ko-KR" altLang="en-US" sz="7200" b="1" dirty="0">
               <a:solidFill>
-                <a:prstClr val="white"/>
+                <a:schemeClr val="accent1">
+                  <a:lumMod val="75000"/>
+                </a:schemeClr>
               </a:solidFill>
             </a:endParaRPr>
           </a:p>
@@ -5606,6 +5505,163 @@
           </a:p>
         </p:txBody>
       </p:sp>
+      <p:pic>
+        <p:nvPicPr>
+          <p:cNvPr id="3" name="Picture 2">
+            <a:extLst>
+              <a:ext uri="{FF2B5EF4-FFF2-40B4-BE49-F238E27FC236}">
+                <a16:creationId xmlns:a16="http://schemas.microsoft.com/office/drawing/2014/main" id="{160DD2F6-95F4-34EB-73E1-10A19E733741}"/>
+              </a:ext>
+            </a:extLst>
+          </p:cNvPr>
+          <p:cNvPicPr>
+            <a:picLocks noChangeAspect="1" noChangeArrowheads="1"/>
+          </p:cNvPicPr>
+          <p:nvPr/>
+        </p:nvPicPr>
+        <p:blipFill rotWithShape="1">
+          <a:blip r:embed="rId3" cstate="print">
+            <a:extLst>
+              <a:ext uri="{28A0092B-C50C-407E-A947-70E740481C1C}">
+                <a14:useLocalDpi xmlns:a14="http://schemas.microsoft.com/office/drawing/2010/main" val="0"/>
+              </a:ext>
+            </a:extLst>
+          </a:blip>
+          <a:srcRect l="17153" r="15894" b="-1"/>
+          <a:stretch/>
+        </p:blipFill>
+        <p:spPr bwMode="auto">
+          <a:xfrm>
+            <a:off x="5313225" y="0"/>
+            <a:ext cx="6878775" cy="6857990"/>
+          </a:xfrm>
+          <a:custGeom>
+            <a:avLst/>
+            <a:gdLst/>
+            <a:ahLst/>
+            <a:cxnLst/>
+            <a:rect l="l" t="t" r="r" b="b"/>
+            <a:pathLst>
+              <a:path w="6878775" h="6858000">
+                <a:moveTo>
+                  <a:pt x="1102973" y="0"/>
+                </a:moveTo>
+                <a:lnTo>
+                  <a:pt x="1160688" y="0"/>
+                </a:lnTo>
+                <a:lnTo>
+                  <a:pt x="983189" y="331786"/>
+                </a:lnTo>
+                <a:cubicBezTo>
+                  <a:pt x="914866" y="469145"/>
+                  <a:pt x="850355" y="608712"/>
+                  <a:pt x="789261" y="750263"/>
+                </a:cubicBezTo>
+                <a:cubicBezTo>
+                  <a:pt x="774307" y="784928"/>
+                  <a:pt x="759992" y="819849"/>
+                  <a:pt x="745295" y="854514"/>
+                </a:cubicBezTo>
+                <a:cubicBezTo>
+                  <a:pt x="756682" y="845393"/>
+                  <a:pt x="765489" y="833492"/>
+                  <a:pt x="770857" y="819975"/>
+                </a:cubicBezTo>
+                <a:cubicBezTo>
+                  <a:pt x="879943" y="589569"/>
+                  <a:pt x="999605" y="365513"/>
+                  <a:pt x="1131329" y="148742"/>
+                </a:cubicBezTo>
+                <a:lnTo>
+                  <a:pt x="1227589" y="0"/>
+                </a:lnTo>
+                <a:lnTo>
+                  <a:pt x="6878775" y="0"/>
+                </a:lnTo>
+                <a:lnTo>
+                  <a:pt x="6878775" y="6858000"/>
+                </a:lnTo>
+                <a:lnTo>
+                  <a:pt x="713521" y="6858000"/>
+                </a:lnTo>
+                <a:lnTo>
+                  <a:pt x="625642" y="6670527"/>
+                </a:lnTo>
+                <a:cubicBezTo>
+                  <a:pt x="507232" y="6398531"/>
+                  <a:pt x="403083" y="6118381"/>
+                  <a:pt x="312785" y="5830359"/>
+                </a:cubicBezTo>
+                <a:cubicBezTo>
+                  <a:pt x="278149" y="5719759"/>
+                  <a:pt x="248879" y="5607635"/>
+                  <a:pt x="212198" y="5480401"/>
+                </a:cubicBezTo>
+                <a:cubicBezTo>
+                  <a:pt x="212208" y="5491601"/>
+                  <a:pt x="212803" y="5502788"/>
+                  <a:pt x="213988" y="5513923"/>
+                </a:cubicBezTo>
+                <a:cubicBezTo>
+                  <a:pt x="264089" y="5723695"/>
+                  <a:pt x="307290" y="5935370"/>
+                  <a:pt x="365826" y="6142729"/>
+                </a:cubicBezTo>
+                <a:cubicBezTo>
+                  <a:pt x="433152" y="6380817"/>
+                  <a:pt x="510068" y="6614016"/>
+                  <a:pt x="597975" y="6841549"/>
+                </a:cubicBezTo>
+                <a:lnTo>
+                  <a:pt x="604824" y="6858000"/>
+                </a:lnTo>
+                <a:lnTo>
+                  <a:pt x="552056" y="6858000"/>
+                </a:lnTo>
+                <a:lnTo>
+                  <a:pt x="539576" y="6828295"/>
+                </a:lnTo>
+                <a:cubicBezTo>
+                  <a:pt x="380597" y="6414594"/>
+                  <a:pt x="260223" y="5988893"/>
+                  <a:pt x="171555" y="5552906"/>
+                </a:cubicBezTo>
+                <a:cubicBezTo>
+                  <a:pt x="91163" y="5157998"/>
+                  <a:pt x="43746" y="4758899"/>
+                  <a:pt x="12305" y="4357388"/>
+                </a:cubicBezTo>
+                <a:cubicBezTo>
+                  <a:pt x="-14281" y="4013908"/>
+                  <a:pt x="4507" y="3672965"/>
+                  <a:pt x="46684" y="3331516"/>
+                </a:cubicBezTo>
+                <a:cubicBezTo>
+                  <a:pt x="127203" y="2664286"/>
+                  <a:pt x="277819" y="2007265"/>
+                  <a:pt x="496065" y="1371196"/>
+                </a:cubicBezTo>
+                <a:cubicBezTo>
+                  <a:pt x="636273" y="966066"/>
+                  <a:pt x="800445" y="573253"/>
+                  <a:pt x="995723" y="196614"/>
+                </a:cubicBezTo>
+                <a:close/>
+              </a:path>
+            </a:pathLst>
+          </a:custGeom>
+          <a:noFill/>
+          <a:extLst>
+            <a:ext uri="{909E8E84-426E-40DD-AFC4-6F175D3DCCD1}">
+              <a14:hiddenFill xmlns:a14="http://schemas.microsoft.com/office/drawing/2010/main">
+                <a:solidFill>
+                  <a:srgbClr val="FFFFFF"/>
+                </a:solidFill>
+              </a14:hiddenFill>
+            </a:ext>
+          </a:extLst>
+        </p:spPr>
+      </p:pic>
     </p:spTree>
     <p:extLst>
       <p:ext uri="{BB962C8B-B14F-4D97-AF65-F5344CB8AC3E}">
@@ -5655,6 +5711,158 @@
           <a:chExt cx="0" cy="0"/>
         </a:xfrm>
       </p:grpSpPr>
+      <p:pic>
+        <p:nvPicPr>
+          <p:cNvPr id="2" name="Picture 2">
+            <a:extLst>
+              <a:ext uri="{FF2B5EF4-FFF2-40B4-BE49-F238E27FC236}">
+                <a16:creationId xmlns:a16="http://schemas.microsoft.com/office/drawing/2014/main" id="{2314EB3A-66BC-A192-FCFA-C5E59CEA3DD6}"/>
+              </a:ext>
+            </a:extLst>
+          </p:cNvPr>
+          <p:cNvPicPr>
+            <a:picLocks noChangeAspect="1" noChangeArrowheads="1"/>
+          </p:cNvPicPr>
+          <p:nvPr/>
+        </p:nvPicPr>
+        <p:blipFill rotWithShape="1">
+          <a:blip r:embed="rId3" cstate="print">
+            <a:alphaModFix amt="15000"/>
+            <a:extLst>
+              <a:ext uri="{28A0092B-C50C-407E-A947-70E740481C1C}">
+                <a14:useLocalDpi xmlns:a14="http://schemas.microsoft.com/office/drawing/2010/main" val="0"/>
+              </a:ext>
+            </a:extLst>
+          </a:blip>
+          <a:srcRect l="17153" r="15894" b="-1"/>
+          <a:stretch/>
+        </p:blipFill>
+        <p:spPr bwMode="auto">
+          <a:xfrm>
+            <a:off x="6671733" y="0"/>
+            <a:ext cx="5520267" cy="6857990"/>
+          </a:xfrm>
+          <a:custGeom>
+            <a:avLst/>
+            <a:gdLst/>
+            <a:ahLst/>
+            <a:cxnLst/>
+            <a:rect l="l" t="t" r="r" b="b"/>
+            <a:pathLst>
+              <a:path w="6878775" h="6858000">
+                <a:moveTo>
+                  <a:pt x="1102973" y="0"/>
+                </a:moveTo>
+                <a:lnTo>
+                  <a:pt x="1160688" y="0"/>
+                </a:lnTo>
+                <a:lnTo>
+                  <a:pt x="983189" y="331786"/>
+                </a:lnTo>
+                <a:cubicBezTo>
+                  <a:pt x="914866" y="469145"/>
+                  <a:pt x="850355" y="608712"/>
+                  <a:pt x="789261" y="750263"/>
+                </a:cubicBezTo>
+                <a:cubicBezTo>
+                  <a:pt x="774307" y="784928"/>
+                  <a:pt x="759992" y="819849"/>
+                  <a:pt x="745295" y="854514"/>
+                </a:cubicBezTo>
+                <a:cubicBezTo>
+                  <a:pt x="756682" y="845393"/>
+                  <a:pt x="765489" y="833492"/>
+                  <a:pt x="770857" y="819975"/>
+                </a:cubicBezTo>
+                <a:cubicBezTo>
+                  <a:pt x="879943" y="589569"/>
+                  <a:pt x="999605" y="365513"/>
+                  <a:pt x="1131329" y="148742"/>
+                </a:cubicBezTo>
+                <a:lnTo>
+                  <a:pt x="1227589" y="0"/>
+                </a:lnTo>
+                <a:lnTo>
+                  <a:pt x="6878775" y="0"/>
+                </a:lnTo>
+                <a:lnTo>
+                  <a:pt x="6878775" y="6858000"/>
+                </a:lnTo>
+                <a:lnTo>
+                  <a:pt x="713521" y="6858000"/>
+                </a:lnTo>
+                <a:lnTo>
+                  <a:pt x="625642" y="6670527"/>
+                </a:lnTo>
+                <a:cubicBezTo>
+                  <a:pt x="507232" y="6398531"/>
+                  <a:pt x="403083" y="6118381"/>
+                  <a:pt x="312785" y="5830359"/>
+                </a:cubicBezTo>
+                <a:cubicBezTo>
+                  <a:pt x="278149" y="5719759"/>
+                  <a:pt x="248879" y="5607635"/>
+                  <a:pt x="212198" y="5480401"/>
+                </a:cubicBezTo>
+                <a:cubicBezTo>
+                  <a:pt x="212208" y="5491601"/>
+                  <a:pt x="212803" y="5502788"/>
+                  <a:pt x="213988" y="5513923"/>
+                </a:cubicBezTo>
+                <a:cubicBezTo>
+                  <a:pt x="264089" y="5723695"/>
+                  <a:pt x="307290" y="5935370"/>
+                  <a:pt x="365826" y="6142729"/>
+                </a:cubicBezTo>
+                <a:cubicBezTo>
+                  <a:pt x="433152" y="6380817"/>
+                  <a:pt x="510068" y="6614016"/>
+                  <a:pt x="597975" y="6841549"/>
+                </a:cubicBezTo>
+                <a:lnTo>
+                  <a:pt x="604824" y="6858000"/>
+                </a:lnTo>
+                <a:lnTo>
+                  <a:pt x="552056" y="6858000"/>
+                </a:lnTo>
+                <a:lnTo>
+                  <a:pt x="539576" y="6828295"/>
+                </a:lnTo>
+                <a:cubicBezTo>
+                  <a:pt x="380597" y="6414594"/>
+                  <a:pt x="260223" y="5988893"/>
+                  <a:pt x="171555" y="5552906"/>
+                </a:cubicBezTo>
+                <a:cubicBezTo>
+                  <a:pt x="91163" y="5157998"/>
+                  <a:pt x="43746" y="4758899"/>
+                  <a:pt x="12305" y="4357388"/>
+                </a:cubicBezTo>
+                <a:cubicBezTo>
+                  <a:pt x="-14281" y="4013908"/>
+                  <a:pt x="4507" y="3672965"/>
+                  <a:pt x="46684" y="3331516"/>
+                </a:cubicBezTo>
+                <a:cubicBezTo>
+                  <a:pt x="127203" y="2664286"/>
+                  <a:pt x="277819" y="2007265"/>
+                  <a:pt x="496065" y="1371196"/>
+                </a:cubicBezTo>
+                <a:cubicBezTo>
+                  <a:pt x="636273" y="966066"/>
+                  <a:pt x="800445" y="573253"/>
+                  <a:pt x="995723" y="196614"/>
+                </a:cubicBezTo>
+                <a:close/>
+              </a:path>
+            </a:pathLst>
+          </a:custGeom>
+          <a:noFill/>
+          <a:effectLst>
+            <a:softEdge rad="0"/>
+          </a:effectLst>
+        </p:spPr>
+      </p:pic>
       <p:sp>
         <p:nvSpPr>
           <p:cNvPr id="29" name="TextBox 28">
@@ -5857,7 +6065,9 @@
           <p:nvPr/>
         </p:nvPicPr>
         <p:blipFill>
-          <a:blip r:embed="rId3"/>
+          <a:blip r:embed="rId4">
+            <a:alphaModFix amt="90000"/>
+          </a:blip>
           <a:stretch>
             <a:fillRect/>
           </a:stretch>
@@ -5870,6 +6080,13 @@
           <a:prstGeom prst="rect">
             <a:avLst/>
           </a:prstGeom>
+          <a:effectLst>
+            <a:outerShdw blurRad="50800" dist="50800" dir="5400000" algn="ctr" rotWithShape="0">
+              <a:srgbClr val="000000">
+                <a:alpha val="0"/>
+              </a:srgbClr>
+            </a:outerShdw>
+          </a:effectLst>
         </p:spPr>
       </p:pic>
     </p:spTree>
@@ -5925,6 +6142,158 @@
           <a:chExt cx="0" cy="0"/>
         </a:xfrm>
       </p:grpSpPr>
+      <p:pic>
+        <p:nvPicPr>
+          <p:cNvPr id="8" name="Picture 2">
+            <a:extLst>
+              <a:ext uri="{FF2B5EF4-FFF2-40B4-BE49-F238E27FC236}">
+                <a16:creationId xmlns:a16="http://schemas.microsoft.com/office/drawing/2014/main" id="{2188456E-EC0C-5494-DBC7-0410CEA4C9E6}"/>
+              </a:ext>
+            </a:extLst>
+          </p:cNvPr>
+          <p:cNvPicPr>
+            <a:picLocks noChangeAspect="1" noChangeArrowheads="1"/>
+          </p:cNvPicPr>
+          <p:nvPr/>
+        </p:nvPicPr>
+        <p:blipFill rotWithShape="1">
+          <a:blip r:embed="rId3" cstate="print">
+            <a:alphaModFix amt="15000"/>
+            <a:extLst>
+              <a:ext uri="{28A0092B-C50C-407E-A947-70E740481C1C}">
+                <a14:useLocalDpi xmlns:a14="http://schemas.microsoft.com/office/drawing/2010/main" val="0"/>
+              </a:ext>
+            </a:extLst>
+          </a:blip>
+          <a:srcRect l="17153" r="15894" b="-1"/>
+          <a:stretch/>
+        </p:blipFill>
+        <p:spPr bwMode="auto">
+          <a:xfrm>
+            <a:off x="6671733" y="0"/>
+            <a:ext cx="5520267" cy="6857990"/>
+          </a:xfrm>
+          <a:custGeom>
+            <a:avLst/>
+            <a:gdLst/>
+            <a:ahLst/>
+            <a:cxnLst/>
+            <a:rect l="l" t="t" r="r" b="b"/>
+            <a:pathLst>
+              <a:path w="6878775" h="6858000">
+                <a:moveTo>
+                  <a:pt x="1102973" y="0"/>
+                </a:moveTo>
+                <a:lnTo>
+                  <a:pt x="1160688" y="0"/>
+                </a:lnTo>
+                <a:lnTo>
+                  <a:pt x="983189" y="331786"/>
+                </a:lnTo>
+                <a:cubicBezTo>
+                  <a:pt x="914866" y="469145"/>
+                  <a:pt x="850355" y="608712"/>
+                  <a:pt x="789261" y="750263"/>
+                </a:cubicBezTo>
+                <a:cubicBezTo>
+                  <a:pt x="774307" y="784928"/>
+                  <a:pt x="759992" y="819849"/>
+                  <a:pt x="745295" y="854514"/>
+                </a:cubicBezTo>
+                <a:cubicBezTo>
+                  <a:pt x="756682" y="845393"/>
+                  <a:pt x="765489" y="833492"/>
+                  <a:pt x="770857" y="819975"/>
+                </a:cubicBezTo>
+                <a:cubicBezTo>
+                  <a:pt x="879943" y="589569"/>
+                  <a:pt x="999605" y="365513"/>
+                  <a:pt x="1131329" y="148742"/>
+                </a:cubicBezTo>
+                <a:lnTo>
+                  <a:pt x="1227589" y="0"/>
+                </a:lnTo>
+                <a:lnTo>
+                  <a:pt x="6878775" y="0"/>
+                </a:lnTo>
+                <a:lnTo>
+                  <a:pt x="6878775" y="6858000"/>
+                </a:lnTo>
+                <a:lnTo>
+                  <a:pt x="713521" y="6858000"/>
+                </a:lnTo>
+                <a:lnTo>
+                  <a:pt x="625642" y="6670527"/>
+                </a:lnTo>
+                <a:cubicBezTo>
+                  <a:pt x="507232" y="6398531"/>
+                  <a:pt x="403083" y="6118381"/>
+                  <a:pt x="312785" y="5830359"/>
+                </a:cubicBezTo>
+                <a:cubicBezTo>
+                  <a:pt x="278149" y="5719759"/>
+                  <a:pt x="248879" y="5607635"/>
+                  <a:pt x="212198" y="5480401"/>
+                </a:cubicBezTo>
+                <a:cubicBezTo>
+                  <a:pt x="212208" y="5491601"/>
+                  <a:pt x="212803" y="5502788"/>
+                  <a:pt x="213988" y="5513923"/>
+                </a:cubicBezTo>
+                <a:cubicBezTo>
+                  <a:pt x="264089" y="5723695"/>
+                  <a:pt x="307290" y="5935370"/>
+                  <a:pt x="365826" y="6142729"/>
+                </a:cubicBezTo>
+                <a:cubicBezTo>
+                  <a:pt x="433152" y="6380817"/>
+                  <a:pt x="510068" y="6614016"/>
+                  <a:pt x="597975" y="6841549"/>
+                </a:cubicBezTo>
+                <a:lnTo>
+                  <a:pt x="604824" y="6858000"/>
+                </a:lnTo>
+                <a:lnTo>
+                  <a:pt x="552056" y="6858000"/>
+                </a:lnTo>
+                <a:lnTo>
+                  <a:pt x="539576" y="6828295"/>
+                </a:lnTo>
+                <a:cubicBezTo>
+                  <a:pt x="380597" y="6414594"/>
+                  <a:pt x="260223" y="5988893"/>
+                  <a:pt x="171555" y="5552906"/>
+                </a:cubicBezTo>
+                <a:cubicBezTo>
+                  <a:pt x="91163" y="5157998"/>
+                  <a:pt x="43746" y="4758899"/>
+                  <a:pt x="12305" y="4357388"/>
+                </a:cubicBezTo>
+                <a:cubicBezTo>
+                  <a:pt x="-14281" y="4013908"/>
+                  <a:pt x="4507" y="3672965"/>
+                  <a:pt x="46684" y="3331516"/>
+                </a:cubicBezTo>
+                <a:cubicBezTo>
+                  <a:pt x="127203" y="2664286"/>
+                  <a:pt x="277819" y="2007265"/>
+                  <a:pt x="496065" y="1371196"/>
+                </a:cubicBezTo>
+                <a:cubicBezTo>
+                  <a:pt x="636273" y="966066"/>
+                  <a:pt x="800445" y="573253"/>
+                  <a:pt x="995723" y="196614"/>
+                </a:cubicBezTo>
+                <a:close/>
+              </a:path>
+            </a:pathLst>
+          </a:custGeom>
+          <a:noFill/>
+          <a:effectLst>
+            <a:softEdge rad="0"/>
+          </a:effectLst>
+        </p:spPr>
+      </p:pic>
       <p:sp>
         <p:nvSpPr>
           <p:cNvPr id="29" name="TextBox 28">
@@ -6918,6 +7287,158 @@
           <a:chExt cx="0" cy="0"/>
         </a:xfrm>
       </p:grpSpPr>
+      <p:pic>
+        <p:nvPicPr>
+          <p:cNvPr id="12" name="Picture 2">
+            <a:extLst>
+              <a:ext uri="{FF2B5EF4-FFF2-40B4-BE49-F238E27FC236}">
+                <a16:creationId xmlns:a16="http://schemas.microsoft.com/office/drawing/2014/main" id="{646B5664-A65B-1968-8536-0F7B746A5DD1}"/>
+              </a:ext>
+            </a:extLst>
+          </p:cNvPr>
+          <p:cNvPicPr>
+            <a:picLocks noChangeAspect="1" noChangeArrowheads="1"/>
+          </p:cNvPicPr>
+          <p:nvPr/>
+        </p:nvPicPr>
+        <p:blipFill rotWithShape="1">
+          <a:blip r:embed="rId3" cstate="print">
+            <a:alphaModFix amt="15000"/>
+            <a:extLst>
+              <a:ext uri="{28A0092B-C50C-407E-A947-70E740481C1C}">
+                <a14:useLocalDpi xmlns:a14="http://schemas.microsoft.com/office/drawing/2010/main" val="0"/>
+              </a:ext>
+            </a:extLst>
+          </a:blip>
+          <a:srcRect l="17153" r="15894" b="-1"/>
+          <a:stretch/>
+        </p:blipFill>
+        <p:spPr bwMode="auto">
+          <a:xfrm>
+            <a:off x="6671733" y="0"/>
+            <a:ext cx="5520267" cy="6857990"/>
+          </a:xfrm>
+          <a:custGeom>
+            <a:avLst/>
+            <a:gdLst/>
+            <a:ahLst/>
+            <a:cxnLst/>
+            <a:rect l="l" t="t" r="r" b="b"/>
+            <a:pathLst>
+              <a:path w="6878775" h="6858000">
+                <a:moveTo>
+                  <a:pt x="1102973" y="0"/>
+                </a:moveTo>
+                <a:lnTo>
+                  <a:pt x="1160688" y="0"/>
+                </a:lnTo>
+                <a:lnTo>
+                  <a:pt x="983189" y="331786"/>
+                </a:lnTo>
+                <a:cubicBezTo>
+                  <a:pt x="914866" y="469145"/>
+                  <a:pt x="850355" y="608712"/>
+                  <a:pt x="789261" y="750263"/>
+                </a:cubicBezTo>
+                <a:cubicBezTo>
+                  <a:pt x="774307" y="784928"/>
+                  <a:pt x="759992" y="819849"/>
+                  <a:pt x="745295" y="854514"/>
+                </a:cubicBezTo>
+                <a:cubicBezTo>
+                  <a:pt x="756682" y="845393"/>
+                  <a:pt x="765489" y="833492"/>
+                  <a:pt x="770857" y="819975"/>
+                </a:cubicBezTo>
+                <a:cubicBezTo>
+                  <a:pt x="879943" y="589569"/>
+                  <a:pt x="999605" y="365513"/>
+                  <a:pt x="1131329" y="148742"/>
+                </a:cubicBezTo>
+                <a:lnTo>
+                  <a:pt x="1227589" y="0"/>
+                </a:lnTo>
+                <a:lnTo>
+                  <a:pt x="6878775" y="0"/>
+                </a:lnTo>
+                <a:lnTo>
+                  <a:pt x="6878775" y="6858000"/>
+                </a:lnTo>
+                <a:lnTo>
+                  <a:pt x="713521" y="6858000"/>
+                </a:lnTo>
+                <a:lnTo>
+                  <a:pt x="625642" y="6670527"/>
+                </a:lnTo>
+                <a:cubicBezTo>
+                  <a:pt x="507232" y="6398531"/>
+                  <a:pt x="403083" y="6118381"/>
+                  <a:pt x="312785" y="5830359"/>
+                </a:cubicBezTo>
+                <a:cubicBezTo>
+                  <a:pt x="278149" y="5719759"/>
+                  <a:pt x="248879" y="5607635"/>
+                  <a:pt x="212198" y="5480401"/>
+                </a:cubicBezTo>
+                <a:cubicBezTo>
+                  <a:pt x="212208" y="5491601"/>
+                  <a:pt x="212803" y="5502788"/>
+                  <a:pt x="213988" y="5513923"/>
+                </a:cubicBezTo>
+                <a:cubicBezTo>
+                  <a:pt x="264089" y="5723695"/>
+                  <a:pt x="307290" y="5935370"/>
+                  <a:pt x="365826" y="6142729"/>
+                </a:cubicBezTo>
+                <a:cubicBezTo>
+                  <a:pt x="433152" y="6380817"/>
+                  <a:pt x="510068" y="6614016"/>
+                  <a:pt x="597975" y="6841549"/>
+                </a:cubicBezTo>
+                <a:lnTo>
+                  <a:pt x="604824" y="6858000"/>
+                </a:lnTo>
+                <a:lnTo>
+                  <a:pt x="552056" y="6858000"/>
+                </a:lnTo>
+                <a:lnTo>
+                  <a:pt x="539576" y="6828295"/>
+                </a:lnTo>
+                <a:cubicBezTo>
+                  <a:pt x="380597" y="6414594"/>
+                  <a:pt x="260223" y="5988893"/>
+                  <a:pt x="171555" y="5552906"/>
+                </a:cubicBezTo>
+                <a:cubicBezTo>
+                  <a:pt x="91163" y="5157998"/>
+                  <a:pt x="43746" y="4758899"/>
+                  <a:pt x="12305" y="4357388"/>
+                </a:cubicBezTo>
+                <a:cubicBezTo>
+                  <a:pt x="-14281" y="4013908"/>
+                  <a:pt x="4507" y="3672965"/>
+                  <a:pt x="46684" y="3331516"/>
+                </a:cubicBezTo>
+                <a:cubicBezTo>
+                  <a:pt x="127203" y="2664286"/>
+                  <a:pt x="277819" y="2007265"/>
+                  <a:pt x="496065" y="1371196"/>
+                </a:cubicBezTo>
+                <a:cubicBezTo>
+                  <a:pt x="636273" y="966066"/>
+                  <a:pt x="800445" y="573253"/>
+                  <a:pt x="995723" y="196614"/>
+                </a:cubicBezTo>
+                <a:close/>
+              </a:path>
+            </a:pathLst>
+          </a:custGeom>
+          <a:noFill/>
+          <a:effectLst>
+            <a:softEdge rad="0"/>
+          </a:effectLst>
+        </p:spPr>
+      </p:pic>
       <p:sp>
         <p:nvSpPr>
           <p:cNvPr id="29" name="TextBox 28">
@@ -9733,6 +10254,158 @@
           <a:chExt cx="0" cy="0"/>
         </a:xfrm>
       </p:grpSpPr>
+      <p:pic>
+        <p:nvPicPr>
+          <p:cNvPr id="6" name="Picture 2">
+            <a:extLst>
+              <a:ext uri="{FF2B5EF4-FFF2-40B4-BE49-F238E27FC236}">
+                <a16:creationId xmlns:a16="http://schemas.microsoft.com/office/drawing/2014/main" id="{F9411B10-88FD-E0CF-6D85-0B52BA27259E}"/>
+              </a:ext>
+            </a:extLst>
+          </p:cNvPr>
+          <p:cNvPicPr>
+            <a:picLocks noChangeAspect="1" noChangeArrowheads="1"/>
+          </p:cNvPicPr>
+          <p:nvPr/>
+        </p:nvPicPr>
+        <p:blipFill rotWithShape="1">
+          <a:blip r:embed="rId3" cstate="print">
+            <a:alphaModFix amt="15000"/>
+            <a:extLst>
+              <a:ext uri="{28A0092B-C50C-407E-A947-70E740481C1C}">
+                <a14:useLocalDpi xmlns:a14="http://schemas.microsoft.com/office/drawing/2010/main" val="0"/>
+              </a:ext>
+            </a:extLst>
+          </a:blip>
+          <a:srcRect l="17153" r="15894" b="-1"/>
+          <a:stretch/>
+        </p:blipFill>
+        <p:spPr bwMode="auto">
+          <a:xfrm>
+            <a:off x="6671733" y="0"/>
+            <a:ext cx="5520267" cy="6857990"/>
+          </a:xfrm>
+          <a:custGeom>
+            <a:avLst/>
+            <a:gdLst/>
+            <a:ahLst/>
+            <a:cxnLst/>
+            <a:rect l="l" t="t" r="r" b="b"/>
+            <a:pathLst>
+              <a:path w="6878775" h="6858000">
+                <a:moveTo>
+                  <a:pt x="1102973" y="0"/>
+                </a:moveTo>
+                <a:lnTo>
+                  <a:pt x="1160688" y="0"/>
+                </a:lnTo>
+                <a:lnTo>
+                  <a:pt x="983189" y="331786"/>
+                </a:lnTo>
+                <a:cubicBezTo>
+                  <a:pt x="914866" y="469145"/>
+                  <a:pt x="850355" y="608712"/>
+                  <a:pt x="789261" y="750263"/>
+                </a:cubicBezTo>
+                <a:cubicBezTo>
+                  <a:pt x="774307" y="784928"/>
+                  <a:pt x="759992" y="819849"/>
+                  <a:pt x="745295" y="854514"/>
+                </a:cubicBezTo>
+                <a:cubicBezTo>
+                  <a:pt x="756682" y="845393"/>
+                  <a:pt x="765489" y="833492"/>
+                  <a:pt x="770857" y="819975"/>
+                </a:cubicBezTo>
+                <a:cubicBezTo>
+                  <a:pt x="879943" y="589569"/>
+                  <a:pt x="999605" y="365513"/>
+                  <a:pt x="1131329" y="148742"/>
+                </a:cubicBezTo>
+                <a:lnTo>
+                  <a:pt x="1227589" y="0"/>
+                </a:lnTo>
+                <a:lnTo>
+                  <a:pt x="6878775" y="0"/>
+                </a:lnTo>
+                <a:lnTo>
+                  <a:pt x="6878775" y="6858000"/>
+                </a:lnTo>
+                <a:lnTo>
+                  <a:pt x="713521" y="6858000"/>
+                </a:lnTo>
+                <a:lnTo>
+                  <a:pt x="625642" y="6670527"/>
+                </a:lnTo>
+                <a:cubicBezTo>
+                  <a:pt x="507232" y="6398531"/>
+                  <a:pt x="403083" y="6118381"/>
+                  <a:pt x="312785" y="5830359"/>
+                </a:cubicBezTo>
+                <a:cubicBezTo>
+                  <a:pt x="278149" y="5719759"/>
+                  <a:pt x="248879" y="5607635"/>
+                  <a:pt x="212198" y="5480401"/>
+                </a:cubicBezTo>
+                <a:cubicBezTo>
+                  <a:pt x="212208" y="5491601"/>
+                  <a:pt x="212803" y="5502788"/>
+                  <a:pt x="213988" y="5513923"/>
+                </a:cubicBezTo>
+                <a:cubicBezTo>
+                  <a:pt x="264089" y="5723695"/>
+                  <a:pt x="307290" y="5935370"/>
+                  <a:pt x="365826" y="6142729"/>
+                </a:cubicBezTo>
+                <a:cubicBezTo>
+                  <a:pt x="433152" y="6380817"/>
+                  <a:pt x="510068" y="6614016"/>
+                  <a:pt x="597975" y="6841549"/>
+                </a:cubicBezTo>
+                <a:lnTo>
+                  <a:pt x="604824" y="6858000"/>
+                </a:lnTo>
+                <a:lnTo>
+                  <a:pt x="552056" y="6858000"/>
+                </a:lnTo>
+                <a:lnTo>
+                  <a:pt x="539576" y="6828295"/>
+                </a:lnTo>
+                <a:cubicBezTo>
+                  <a:pt x="380597" y="6414594"/>
+                  <a:pt x="260223" y="5988893"/>
+                  <a:pt x="171555" y="5552906"/>
+                </a:cubicBezTo>
+                <a:cubicBezTo>
+                  <a:pt x="91163" y="5157998"/>
+                  <a:pt x="43746" y="4758899"/>
+                  <a:pt x="12305" y="4357388"/>
+                </a:cubicBezTo>
+                <a:cubicBezTo>
+                  <a:pt x="-14281" y="4013908"/>
+                  <a:pt x="4507" y="3672965"/>
+                  <a:pt x="46684" y="3331516"/>
+                </a:cubicBezTo>
+                <a:cubicBezTo>
+                  <a:pt x="127203" y="2664286"/>
+                  <a:pt x="277819" y="2007265"/>
+                  <a:pt x="496065" y="1371196"/>
+                </a:cubicBezTo>
+                <a:cubicBezTo>
+                  <a:pt x="636273" y="966066"/>
+                  <a:pt x="800445" y="573253"/>
+                  <a:pt x="995723" y="196614"/>
+                </a:cubicBezTo>
+                <a:close/>
+              </a:path>
+            </a:pathLst>
+          </a:custGeom>
+          <a:noFill/>
+          <a:effectLst>
+            <a:softEdge rad="0"/>
+          </a:effectLst>
+        </p:spPr>
+      </p:pic>
       <p:sp>
         <p:nvSpPr>
           <p:cNvPr id="29" name="TextBox 28">
@@ -11189,6 +11862,158 @@
           <a:chExt cx="0" cy="0"/>
         </a:xfrm>
       </p:grpSpPr>
+      <p:pic>
+        <p:nvPicPr>
+          <p:cNvPr id="5" name="Picture 2">
+            <a:extLst>
+              <a:ext uri="{FF2B5EF4-FFF2-40B4-BE49-F238E27FC236}">
+                <a16:creationId xmlns:a16="http://schemas.microsoft.com/office/drawing/2014/main" id="{13A92DBC-AAD7-64FA-B489-2583D22E71AC}"/>
+              </a:ext>
+            </a:extLst>
+          </p:cNvPr>
+          <p:cNvPicPr>
+            <a:picLocks noChangeAspect="1" noChangeArrowheads="1"/>
+          </p:cNvPicPr>
+          <p:nvPr/>
+        </p:nvPicPr>
+        <p:blipFill rotWithShape="1">
+          <a:blip r:embed="rId3" cstate="print">
+            <a:alphaModFix amt="15000"/>
+            <a:extLst>
+              <a:ext uri="{28A0092B-C50C-407E-A947-70E740481C1C}">
+                <a14:useLocalDpi xmlns:a14="http://schemas.microsoft.com/office/drawing/2010/main" val="0"/>
+              </a:ext>
+            </a:extLst>
+          </a:blip>
+          <a:srcRect l="17153" r="15894" b="-1"/>
+          <a:stretch/>
+        </p:blipFill>
+        <p:spPr bwMode="auto">
+          <a:xfrm>
+            <a:off x="6671733" y="0"/>
+            <a:ext cx="5520267" cy="6857990"/>
+          </a:xfrm>
+          <a:custGeom>
+            <a:avLst/>
+            <a:gdLst/>
+            <a:ahLst/>
+            <a:cxnLst/>
+            <a:rect l="l" t="t" r="r" b="b"/>
+            <a:pathLst>
+              <a:path w="6878775" h="6858000">
+                <a:moveTo>
+                  <a:pt x="1102973" y="0"/>
+                </a:moveTo>
+                <a:lnTo>
+                  <a:pt x="1160688" y="0"/>
+                </a:lnTo>
+                <a:lnTo>
+                  <a:pt x="983189" y="331786"/>
+                </a:lnTo>
+                <a:cubicBezTo>
+                  <a:pt x="914866" y="469145"/>
+                  <a:pt x="850355" y="608712"/>
+                  <a:pt x="789261" y="750263"/>
+                </a:cubicBezTo>
+                <a:cubicBezTo>
+                  <a:pt x="774307" y="784928"/>
+                  <a:pt x="759992" y="819849"/>
+                  <a:pt x="745295" y="854514"/>
+                </a:cubicBezTo>
+                <a:cubicBezTo>
+                  <a:pt x="756682" y="845393"/>
+                  <a:pt x="765489" y="833492"/>
+                  <a:pt x="770857" y="819975"/>
+                </a:cubicBezTo>
+                <a:cubicBezTo>
+                  <a:pt x="879943" y="589569"/>
+                  <a:pt x="999605" y="365513"/>
+                  <a:pt x="1131329" y="148742"/>
+                </a:cubicBezTo>
+                <a:lnTo>
+                  <a:pt x="1227589" y="0"/>
+                </a:lnTo>
+                <a:lnTo>
+                  <a:pt x="6878775" y="0"/>
+                </a:lnTo>
+                <a:lnTo>
+                  <a:pt x="6878775" y="6858000"/>
+                </a:lnTo>
+                <a:lnTo>
+                  <a:pt x="713521" y="6858000"/>
+                </a:lnTo>
+                <a:lnTo>
+                  <a:pt x="625642" y="6670527"/>
+                </a:lnTo>
+                <a:cubicBezTo>
+                  <a:pt x="507232" y="6398531"/>
+                  <a:pt x="403083" y="6118381"/>
+                  <a:pt x="312785" y="5830359"/>
+                </a:cubicBezTo>
+                <a:cubicBezTo>
+                  <a:pt x="278149" y="5719759"/>
+                  <a:pt x="248879" y="5607635"/>
+                  <a:pt x="212198" y="5480401"/>
+                </a:cubicBezTo>
+                <a:cubicBezTo>
+                  <a:pt x="212208" y="5491601"/>
+                  <a:pt x="212803" y="5502788"/>
+                  <a:pt x="213988" y="5513923"/>
+                </a:cubicBezTo>
+                <a:cubicBezTo>
+                  <a:pt x="264089" y="5723695"/>
+                  <a:pt x="307290" y="5935370"/>
+                  <a:pt x="365826" y="6142729"/>
+                </a:cubicBezTo>
+                <a:cubicBezTo>
+                  <a:pt x="433152" y="6380817"/>
+                  <a:pt x="510068" y="6614016"/>
+                  <a:pt x="597975" y="6841549"/>
+                </a:cubicBezTo>
+                <a:lnTo>
+                  <a:pt x="604824" y="6858000"/>
+                </a:lnTo>
+                <a:lnTo>
+                  <a:pt x="552056" y="6858000"/>
+                </a:lnTo>
+                <a:lnTo>
+                  <a:pt x="539576" y="6828295"/>
+                </a:lnTo>
+                <a:cubicBezTo>
+                  <a:pt x="380597" y="6414594"/>
+                  <a:pt x="260223" y="5988893"/>
+                  <a:pt x="171555" y="5552906"/>
+                </a:cubicBezTo>
+                <a:cubicBezTo>
+                  <a:pt x="91163" y="5157998"/>
+                  <a:pt x="43746" y="4758899"/>
+                  <a:pt x="12305" y="4357388"/>
+                </a:cubicBezTo>
+                <a:cubicBezTo>
+                  <a:pt x="-14281" y="4013908"/>
+                  <a:pt x="4507" y="3672965"/>
+                  <a:pt x="46684" y="3331516"/>
+                </a:cubicBezTo>
+                <a:cubicBezTo>
+                  <a:pt x="127203" y="2664286"/>
+                  <a:pt x="277819" y="2007265"/>
+                  <a:pt x="496065" y="1371196"/>
+                </a:cubicBezTo>
+                <a:cubicBezTo>
+                  <a:pt x="636273" y="966066"/>
+                  <a:pt x="800445" y="573253"/>
+                  <a:pt x="995723" y="196614"/>
+                </a:cubicBezTo>
+                <a:close/>
+              </a:path>
+            </a:pathLst>
+          </a:custGeom>
+          <a:noFill/>
+          <a:effectLst>
+            <a:softEdge rad="0"/>
+          </a:effectLst>
+        </p:spPr>
+      </p:pic>
       <p:sp>
         <p:nvSpPr>
           <p:cNvPr id="29" name="TextBox 28">
@@ -11402,139 +12227,6 @@
       <p:transition spd="med">
         <p:fade/>
       </p:transition>
-    </mc:Fallback>
-  </mc:AlternateContent>
-</p:sld>
-</file>
-
-<file path=ppt/slides/slide15.xml><?xml version="1.0" encoding="utf-8"?>
-<p:sld xmlns:a="http://schemas.openxmlformats.org/drawingml/2006/main" xmlns:r="http://schemas.openxmlformats.org/officeDocument/2006/relationships" xmlns:p="http://schemas.openxmlformats.org/presentationml/2006/main">
-  <p:cSld>
-    <p:bg>
-      <p:bgPr>
-        <a:solidFill>
-          <a:schemeClr val="accent1">
-            <a:lumMod val="20000"/>
-            <a:lumOff val="80000"/>
-          </a:schemeClr>
-        </a:solidFill>
-        <a:effectLst/>
-      </p:bgPr>
-    </p:bg>
-    <p:spTree>
-      <p:nvGrpSpPr>
-        <p:cNvPr id="1" name=""/>
-        <p:cNvGrpSpPr/>
-        <p:nvPr/>
-      </p:nvGrpSpPr>
-      <p:grpSpPr>
-        <a:xfrm>
-          <a:off x="0" y="0"/>
-          <a:ext cx="0" cy="0"/>
-          <a:chOff x="0" y="0"/>
-          <a:chExt cx="0" cy="0"/>
-        </a:xfrm>
-      </p:grpSpPr>
-      <p:sp>
-        <p:nvSpPr>
-          <p:cNvPr id="8" name="TextBox 7">
-            <a:extLst>
-              <a:ext uri="{FF2B5EF4-FFF2-40B4-BE49-F238E27FC236}">
-                <a16:creationId xmlns:a16="http://schemas.microsoft.com/office/drawing/2014/main" id="{F0D46A9E-AF5B-4504-97A9-3E7E60AD466F}"/>
-              </a:ext>
-            </a:extLst>
-          </p:cNvPr>
-          <p:cNvSpPr txBox="1"/>
-          <p:nvPr/>
-        </p:nvSpPr>
-        <p:spPr>
-          <a:xfrm>
-            <a:off x="668295" y="2828835"/>
-            <a:ext cx="10855410" cy="1200329"/>
-          </a:xfrm>
-          <a:prstGeom prst="rect">
-            <a:avLst/>
-          </a:prstGeom>
-          <a:noFill/>
-        </p:spPr>
-        <p:txBody>
-          <a:bodyPr wrap="square" rtlCol="0">
-            <a:spAutoFit/>
-          </a:bodyPr>
-          <a:lstStyle/>
-          <a:p>
-            <a:pPr algn="ctr"/>
-            <a:r>
-              <a:rPr lang="ko-KR" altLang="en-US" sz="7200" b="1" dirty="0">
-                <a:latin typeface="+mn-ea"/>
-              </a:rPr>
-              <a:t>감사합니다</a:t>
-            </a:r>
-            <a:r>
-              <a:rPr lang="en-US" altLang="ko-KR" sz="7200" b="1" dirty="0">
-                <a:latin typeface="+mn-ea"/>
-              </a:rPr>
-              <a:t>.</a:t>
-            </a:r>
-            <a:endParaRPr lang="en-US" altLang="ko-KR" sz="5400" b="1" dirty="0">
-              <a:latin typeface="+mn-ea"/>
-            </a:endParaRPr>
-          </a:p>
-        </p:txBody>
-      </p:sp>
-      <p:sp>
-        <p:nvSpPr>
-          <p:cNvPr id="2" name="슬라이드 번호 개체 틀 1">
-            <a:extLst>
-              <a:ext uri="{FF2B5EF4-FFF2-40B4-BE49-F238E27FC236}">
-                <a16:creationId xmlns:a16="http://schemas.microsoft.com/office/drawing/2014/main" id="{AF4356CD-DF66-2AB2-DE29-7766D93D6CDD}"/>
-              </a:ext>
-            </a:extLst>
-          </p:cNvPr>
-          <p:cNvSpPr>
-            <a:spLocks noGrp="1"/>
-          </p:cNvSpPr>
-          <p:nvPr>
-            <p:ph type="sldNum" sz="quarter" idx="12"/>
-          </p:nvPr>
-        </p:nvSpPr>
-        <p:spPr/>
-        <p:txBody>
-          <a:bodyPr/>
-          <a:lstStyle/>
-          <a:p>
-            <a:fld id="{78F36F23-2DE0-4C93-9E4D-3BD093BFA6C9}" type="slidenum">
-              <a:rPr lang="ko-KR" altLang="en-US" smtClean="0">
-                <a:solidFill>
-                  <a:schemeClr val="tx1"/>
-                </a:solidFill>
-              </a:rPr>
-              <a:t>15</a:t>
-            </a:fld>
-            <a:endParaRPr lang="ko-KR" altLang="en-US">
-              <a:solidFill>
-                <a:schemeClr val="tx1"/>
-              </a:solidFill>
-            </a:endParaRPr>
-          </a:p>
-        </p:txBody>
-      </p:sp>
-    </p:spTree>
-    <p:extLst>
-      <p:ext uri="{BB962C8B-B14F-4D97-AF65-F5344CB8AC3E}">
-        <p14:creationId xmlns:p14="http://schemas.microsoft.com/office/powerpoint/2010/main" val="173179046"/>
-      </p:ext>
-    </p:extLst>
-  </p:cSld>
-  <p:clrMapOvr>
-    <a:masterClrMapping/>
-  </p:clrMapOvr>
-  <mc:AlternateContent xmlns:mc="http://schemas.openxmlformats.org/markup-compatibility/2006" xmlns:p14="http://schemas.microsoft.com/office/powerpoint/2010/main">
-    <mc:Choice Requires="p14">
-      <p:transition spd="slow" p14:dur="2000" advTm="1890"/>
-    </mc:Choice>
-    <mc:Fallback xmlns="">
-      <p:transition spd="slow" advTm="1890"/>
     </mc:Fallback>
   </mc:AlternateContent>
 </p:sld>
@@ -11568,6 +12260,158 @@
           <a:chExt cx="0" cy="0"/>
         </a:xfrm>
       </p:grpSpPr>
+      <p:pic>
+        <p:nvPicPr>
+          <p:cNvPr id="6" name="Picture 2">
+            <a:extLst>
+              <a:ext uri="{FF2B5EF4-FFF2-40B4-BE49-F238E27FC236}">
+                <a16:creationId xmlns:a16="http://schemas.microsoft.com/office/drawing/2014/main" id="{63F15C3C-635B-FF02-999D-28F37BE827D1}"/>
+              </a:ext>
+            </a:extLst>
+          </p:cNvPr>
+          <p:cNvPicPr>
+            <a:picLocks noChangeAspect="1" noChangeArrowheads="1"/>
+          </p:cNvPicPr>
+          <p:nvPr/>
+        </p:nvPicPr>
+        <p:blipFill rotWithShape="1">
+          <a:blip r:embed="rId3" cstate="print">
+            <a:alphaModFix amt="15000"/>
+            <a:extLst>
+              <a:ext uri="{28A0092B-C50C-407E-A947-70E740481C1C}">
+                <a14:useLocalDpi xmlns:a14="http://schemas.microsoft.com/office/drawing/2010/main" val="0"/>
+              </a:ext>
+            </a:extLst>
+          </a:blip>
+          <a:srcRect l="17153" r="15894" b="-1"/>
+          <a:stretch/>
+        </p:blipFill>
+        <p:spPr bwMode="auto">
+          <a:xfrm>
+            <a:off x="6671733" y="0"/>
+            <a:ext cx="5520267" cy="6857990"/>
+          </a:xfrm>
+          <a:custGeom>
+            <a:avLst/>
+            <a:gdLst/>
+            <a:ahLst/>
+            <a:cxnLst/>
+            <a:rect l="l" t="t" r="r" b="b"/>
+            <a:pathLst>
+              <a:path w="6878775" h="6858000">
+                <a:moveTo>
+                  <a:pt x="1102973" y="0"/>
+                </a:moveTo>
+                <a:lnTo>
+                  <a:pt x="1160688" y="0"/>
+                </a:lnTo>
+                <a:lnTo>
+                  <a:pt x="983189" y="331786"/>
+                </a:lnTo>
+                <a:cubicBezTo>
+                  <a:pt x="914866" y="469145"/>
+                  <a:pt x="850355" y="608712"/>
+                  <a:pt x="789261" y="750263"/>
+                </a:cubicBezTo>
+                <a:cubicBezTo>
+                  <a:pt x="774307" y="784928"/>
+                  <a:pt x="759992" y="819849"/>
+                  <a:pt x="745295" y="854514"/>
+                </a:cubicBezTo>
+                <a:cubicBezTo>
+                  <a:pt x="756682" y="845393"/>
+                  <a:pt x="765489" y="833492"/>
+                  <a:pt x="770857" y="819975"/>
+                </a:cubicBezTo>
+                <a:cubicBezTo>
+                  <a:pt x="879943" y="589569"/>
+                  <a:pt x="999605" y="365513"/>
+                  <a:pt x="1131329" y="148742"/>
+                </a:cubicBezTo>
+                <a:lnTo>
+                  <a:pt x="1227589" y="0"/>
+                </a:lnTo>
+                <a:lnTo>
+                  <a:pt x="6878775" y="0"/>
+                </a:lnTo>
+                <a:lnTo>
+                  <a:pt x="6878775" y="6858000"/>
+                </a:lnTo>
+                <a:lnTo>
+                  <a:pt x="713521" y="6858000"/>
+                </a:lnTo>
+                <a:lnTo>
+                  <a:pt x="625642" y="6670527"/>
+                </a:lnTo>
+                <a:cubicBezTo>
+                  <a:pt x="507232" y="6398531"/>
+                  <a:pt x="403083" y="6118381"/>
+                  <a:pt x="312785" y="5830359"/>
+                </a:cubicBezTo>
+                <a:cubicBezTo>
+                  <a:pt x="278149" y="5719759"/>
+                  <a:pt x="248879" y="5607635"/>
+                  <a:pt x="212198" y="5480401"/>
+                </a:cubicBezTo>
+                <a:cubicBezTo>
+                  <a:pt x="212208" y="5491601"/>
+                  <a:pt x="212803" y="5502788"/>
+                  <a:pt x="213988" y="5513923"/>
+                </a:cubicBezTo>
+                <a:cubicBezTo>
+                  <a:pt x="264089" y="5723695"/>
+                  <a:pt x="307290" y="5935370"/>
+                  <a:pt x="365826" y="6142729"/>
+                </a:cubicBezTo>
+                <a:cubicBezTo>
+                  <a:pt x="433152" y="6380817"/>
+                  <a:pt x="510068" y="6614016"/>
+                  <a:pt x="597975" y="6841549"/>
+                </a:cubicBezTo>
+                <a:lnTo>
+                  <a:pt x="604824" y="6858000"/>
+                </a:lnTo>
+                <a:lnTo>
+                  <a:pt x="552056" y="6858000"/>
+                </a:lnTo>
+                <a:lnTo>
+                  <a:pt x="539576" y="6828295"/>
+                </a:lnTo>
+                <a:cubicBezTo>
+                  <a:pt x="380597" y="6414594"/>
+                  <a:pt x="260223" y="5988893"/>
+                  <a:pt x="171555" y="5552906"/>
+                </a:cubicBezTo>
+                <a:cubicBezTo>
+                  <a:pt x="91163" y="5157998"/>
+                  <a:pt x="43746" y="4758899"/>
+                  <a:pt x="12305" y="4357388"/>
+                </a:cubicBezTo>
+                <a:cubicBezTo>
+                  <a:pt x="-14281" y="4013908"/>
+                  <a:pt x="4507" y="3672965"/>
+                  <a:pt x="46684" y="3331516"/>
+                </a:cubicBezTo>
+                <a:cubicBezTo>
+                  <a:pt x="127203" y="2664286"/>
+                  <a:pt x="277819" y="2007265"/>
+                  <a:pt x="496065" y="1371196"/>
+                </a:cubicBezTo>
+                <a:cubicBezTo>
+                  <a:pt x="636273" y="966066"/>
+                  <a:pt x="800445" y="573253"/>
+                  <a:pt x="995723" y="196614"/>
+                </a:cubicBezTo>
+                <a:close/>
+              </a:path>
+            </a:pathLst>
+          </a:custGeom>
+          <a:noFill/>
+          <a:effectLst>
+            <a:softEdge rad="0"/>
+          </a:effectLst>
+        </p:spPr>
+      </p:pic>
       <p:sp>
         <p:nvSpPr>
           <p:cNvPr id="2" name="직사각형 1">
@@ -12753,6 +13597,158 @@
           <a:chExt cx="0" cy="0"/>
         </a:xfrm>
       </p:grpSpPr>
+      <p:pic>
+        <p:nvPicPr>
+          <p:cNvPr id="9" name="Picture 2">
+            <a:extLst>
+              <a:ext uri="{FF2B5EF4-FFF2-40B4-BE49-F238E27FC236}">
+                <a16:creationId xmlns:a16="http://schemas.microsoft.com/office/drawing/2014/main" id="{1E912E63-78D6-0C09-0C2A-108FF4B76A70}"/>
+              </a:ext>
+            </a:extLst>
+          </p:cNvPr>
+          <p:cNvPicPr>
+            <a:picLocks noChangeAspect="1" noChangeArrowheads="1"/>
+          </p:cNvPicPr>
+          <p:nvPr/>
+        </p:nvPicPr>
+        <p:blipFill rotWithShape="1">
+          <a:blip r:embed="rId3" cstate="print">
+            <a:alphaModFix amt="15000"/>
+            <a:extLst>
+              <a:ext uri="{28A0092B-C50C-407E-A947-70E740481C1C}">
+                <a14:useLocalDpi xmlns:a14="http://schemas.microsoft.com/office/drawing/2010/main" val="0"/>
+              </a:ext>
+            </a:extLst>
+          </a:blip>
+          <a:srcRect l="17153" r="15894" b="-1"/>
+          <a:stretch/>
+        </p:blipFill>
+        <p:spPr bwMode="auto">
+          <a:xfrm>
+            <a:off x="6671733" y="0"/>
+            <a:ext cx="5520267" cy="6857990"/>
+          </a:xfrm>
+          <a:custGeom>
+            <a:avLst/>
+            <a:gdLst/>
+            <a:ahLst/>
+            <a:cxnLst/>
+            <a:rect l="l" t="t" r="r" b="b"/>
+            <a:pathLst>
+              <a:path w="6878775" h="6858000">
+                <a:moveTo>
+                  <a:pt x="1102973" y="0"/>
+                </a:moveTo>
+                <a:lnTo>
+                  <a:pt x="1160688" y="0"/>
+                </a:lnTo>
+                <a:lnTo>
+                  <a:pt x="983189" y="331786"/>
+                </a:lnTo>
+                <a:cubicBezTo>
+                  <a:pt x="914866" y="469145"/>
+                  <a:pt x="850355" y="608712"/>
+                  <a:pt x="789261" y="750263"/>
+                </a:cubicBezTo>
+                <a:cubicBezTo>
+                  <a:pt x="774307" y="784928"/>
+                  <a:pt x="759992" y="819849"/>
+                  <a:pt x="745295" y="854514"/>
+                </a:cubicBezTo>
+                <a:cubicBezTo>
+                  <a:pt x="756682" y="845393"/>
+                  <a:pt x="765489" y="833492"/>
+                  <a:pt x="770857" y="819975"/>
+                </a:cubicBezTo>
+                <a:cubicBezTo>
+                  <a:pt x="879943" y="589569"/>
+                  <a:pt x="999605" y="365513"/>
+                  <a:pt x="1131329" y="148742"/>
+                </a:cubicBezTo>
+                <a:lnTo>
+                  <a:pt x="1227589" y="0"/>
+                </a:lnTo>
+                <a:lnTo>
+                  <a:pt x="6878775" y="0"/>
+                </a:lnTo>
+                <a:lnTo>
+                  <a:pt x="6878775" y="6858000"/>
+                </a:lnTo>
+                <a:lnTo>
+                  <a:pt x="713521" y="6858000"/>
+                </a:lnTo>
+                <a:lnTo>
+                  <a:pt x="625642" y="6670527"/>
+                </a:lnTo>
+                <a:cubicBezTo>
+                  <a:pt x="507232" y="6398531"/>
+                  <a:pt x="403083" y="6118381"/>
+                  <a:pt x="312785" y="5830359"/>
+                </a:cubicBezTo>
+                <a:cubicBezTo>
+                  <a:pt x="278149" y="5719759"/>
+                  <a:pt x="248879" y="5607635"/>
+                  <a:pt x="212198" y="5480401"/>
+                </a:cubicBezTo>
+                <a:cubicBezTo>
+                  <a:pt x="212208" y="5491601"/>
+                  <a:pt x="212803" y="5502788"/>
+                  <a:pt x="213988" y="5513923"/>
+                </a:cubicBezTo>
+                <a:cubicBezTo>
+                  <a:pt x="264089" y="5723695"/>
+                  <a:pt x="307290" y="5935370"/>
+                  <a:pt x="365826" y="6142729"/>
+                </a:cubicBezTo>
+                <a:cubicBezTo>
+                  <a:pt x="433152" y="6380817"/>
+                  <a:pt x="510068" y="6614016"/>
+                  <a:pt x="597975" y="6841549"/>
+                </a:cubicBezTo>
+                <a:lnTo>
+                  <a:pt x="604824" y="6858000"/>
+                </a:lnTo>
+                <a:lnTo>
+                  <a:pt x="552056" y="6858000"/>
+                </a:lnTo>
+                <a:lnTo>
+                  <a:pt x="539576" y="6828295"/>
+                </a:lnTo>
+                <a:cubicBezTo>
+                  <a:pt x="380597" y="6414594"/>
+                  <a:pt x="260223" y="5988893"/>
+                  <a:pt x="171555" y="5552906"/>
+                </a:cubicBezTo>
+                <a:cubicBezTo>
+                  <a:pt x="91163" y="5157998"/>
+                  <a:pt x="43746" y="4758899"/>
+                  <a:pt x="12305" y="4357388"/>
+                </a:cubicBezTo>
+                <a:cubicBezTo>
+                  <a:pt x="-14281" y="4013908"/>
+                  <a:pt x="4507" y="3672965"/>
+                  <a:pt x="46684" y="3331516"/>
+                </a:cubicBezTo>
+                <a:cubicBezTo>
+                  <a:pt x="127203" y="2664286"/>
+                  <a:pt x="277819" y="2007265"/>
+                  <a:pt x="496065" y="1371196"/>
+                </a:cubicBezTo>
+                <a:cubicBezTo>
+                  <a:pt x="636273" y="966066"/>
+                  <a:pt x="800445" y="573253"/>
+                  <a:pt x="995723" y="196614"/>
+                </a:cubicBezTo>
+                <a:close/>
+              </a:path>
+            </a:pathLst>
+          </a:custGeom>
+          <a:noFill/>
+          <a:effectLst>
+            <a:softEdge rad="0"/>
+          </a:effectLst>
+        </p:spPr>
+      </p:pic>
       <p:sp>
         <p:nvSpPr>
           <p:cNvPr id="29" name="TextBox 28">
@@ -13465,6 +14461,158 @@
           <a:chExt cx="0" cy="0"/>
         </a:xfrm>
       </p:grpSpPr>
+      <p:pic>
+        <p:nvPicPr>
+          <p:cNvPr id="8" name="Picture 2">
+            <a:extLst>
+              <a:ext uri="{FF2B5EF4-FFF2-40B4-BE49-F238E27FC236}">
+                <a16:creationId xmlns:a16="http://schemas.microsoft.com/office/drawing/2014/main" id="{9BC0ECE2-7699-763E-A90A-7D9335EEF367}"/>
+              </a:ext>
+            </a:extLst>
+          </p:cNvPr>
+          <p:cNvPicPr>
+            <a:picLocks noChangeAspect="1" noChangeArrowheads="1"/>
+          </p:cNvPicPr>
+          <p:nvPr/>
+        </p:nvPicPr>
+        <p:blipFill rotWithShape="1">
+          <a:blip r:embed="rId3" cstate="print">
+            <a:alphaModFix amt="15000"/>
+            <a:extLst>
+              <a:ext uri="{28A0092B-C50C-407E-A947-70E740481C1C}">
+                <a14:useLocalDpi xmlns:a14="http://schemas.microsoft.com/office/drawing/2010/main" val="0"/>
+              </a:ext>
+            </a:extLst>
+          </a:blip>
+          <a:srcRect l="17153" r="15894" b="-1"/>
+          <a:stretch/>
+        </p:blipFill>
+        <p:spPr bwMode="auto">
+          <a:xfrm>
+            <a:off x="6671733" y="0"/>
+            <a:ext cx="5520267" cy="6857990"/>
+          </a:xfrm>
+          <a:custGeom>
+            <a:avLst/>
+            <a:gdLst/>
+            <a:ahLst/>
+            <a:cxnLst/>
+            <a:rect l="l" t="t" r="r" b="b"/>
+            <a:pathLst>
+              <a:path w="6878775" h="6858000">
+                <a:moveTo>
+                  <a:pt x="1102973" y="0"/>
+                </a:moveTo>
+                <a:lnTo>
+                  <a:pt x="1160688" y="0"/>
+                </a:lnTo>
+                <a:lnTo>
+                  <a:pt x="983189" y="331786"/>
+                </a:lnTo>
+                <a:cubicBezTo>
+                  <a:pt x="914866" y="469145"/>
+                  <a:pt x="850355" y="608712"/>
+                  <a:pt x="789261" y="750263"/>
+                </a:cubicBezTo>
+                <a:cubicBezTo>
+                  <a:pt x="774307" y="784928"/>
+                  <a:pt x="759992" y="819849"/>
+                  <a:pt x="745295" y="854514"/>
+                </a:cubicBezTo>
+                <a:cubicBezTo>
+                  <a:pt x="756682" y="845393"/>
+                  <a:pt x="765489" y="833492"/>
+                  <a:pt x="770857" y="819975"/>
+                </a:cubicBezTo>
+                <a:cubicBezTo>
+                  <a:pt x="879943" y="589569"/>
+                  <a:pt x="999605" y="365513"/>
+                  <a:pt x="1131329" y="148742"/>
+                </a:cubicBezTo>
+                <a:lnTo>
+                  <a:pt x="1227589" y="0"/>
+                </a:lnTo>
+                <a:lnTo>
+                  <a:pt x="6878775" y="0"/>
+                </a:lnTo>
+                <a:lnTo>
+                  <a:pt x="6878775" y="6858000"/>
+                </a:lnTo>
+                <a:lnTo>
+                  <a:pt x="713521" y="6858000"/>
+                </a:lnTo>
+                <a:lnTo>
+                  <a:pt x="625642" y="6670527"/>
+                </a:lnTo>
+                <a:cubicBezTo>
+                  <a:pt x="507232" y="6398531"/>
+                  <a:pt x="403083" y="6118381"/>
+                  <a:pt x="312785" y="5830359"/>
+                </a:cubicBezTo>
+                <a:cubicBezTo>
+                  <a:pt x="278149" y="5719759"/>
+                  <a:pt x="248879" y="5607635"/>
+                  <a:pt x="212198" y="5480401"/>
+                </a:cubicBezTo>
+                <a:cubicBezTo>
+                  <a:pt x="212208" y="5491601"/>
+                  <a:pt x="212803" y="5502788"/>
+                  <a:pt x="213988" y="5513923"/>
+                </a:cubicBezTo>
+                <a:cubicBezTo>
+                  <a:pt x="264089" y="5723695"/>
+                  <a:pt x="307290" y="5935370"/>
+                  <a:pt x="365826" y="6142729"/>
+                </a:cubicBezTo>
+                <a:cubicBezTo>
+                  <a:pt x="433152" y="6380817"/>
+                  <a:pt x="510068" y="6614016"/>
+                  <a:pt x="597975" y="6841549"/>
+                </a:cubicBezTo>
+                <a:lnTo>
+                  <a:pt x="604824" y="6858000"/>
+                </a:lnTo>
+                <a:lnTo>
+                  <a:pt x="552056" y="6858000"/>
+                </a:lnTo>
+                <a:lnTo>
+                  <a:pt x="539576" y="6828295"/>
+                </a:lnTo>
+                <a:cubicBezTo>
+                  <a:pt x="380597" y="6414594"/>
+                  <a:pt x="260223" y="5988893"/>
+                  <a:pt x="171555" y="5552906"/>
+                </a:cubicBezTo>
+                <a:cubicBezTo>
+                  <a:pt x="91163" y="5157998"/>
+                  <a:pt x="43746" y="4758899"/>
+                  <a:pt x="12305" y="4357388"/>
+                </a:cubicBezTo>
+                <a:cubicBezTo>
+                  <a:pt x="-14281" y="4013908"/>
+                  <a:pt x="4507" y="3672965"/>
+                  <a:pt x="46684" y="3331516"/>
+                </a:cubicBezTo>
+                <a:cubicBezTo>
+                  <a:pt x="127203" y="2664286"/>
+                  <a:pt x="277819" y="2007265"/>
+                  <a:pt x="496065" y="1371196"/>
+                </a:cubicBezTo>
+                <a:cubicBezTo>
+                  <a:pt x="636273" y="966066"/>
+                  <a:pt x="800445" y="573253"/>
+                  <a:pt x="995723" y="196614"/>
+                </a:cubicBezTo>
+                <a:close/>
+              </a:path>
+            </a:pathLst>
+          </a:custGeom>
+          <a:noFill/>
+          <a:effectLst>
+            <a:softEdge rad="0"/>
+          </a:effectLst>
+        </p:spPr>
+      </p:pic>
       <p:sp>
         <p:nvSpPr>
           <p:cNvPr id="29" name="TextBox 28">
@@ -14174,6 +15322,158 @@
           <a:chExt cx="0" cy="0"/>
         </a:xfrm>
       </p:grpSpPr>
+      <p:pic>
+        <p:nvPicPr>
+          <p:cNvPr id="6" name="Picture 2">
+            <a:extLst>
+              <a:ext uri="{FF2B5EF4-FFF2-40B4-BE49-F238E27FC236}">
+                <a16:creationId xmlns:a16="http://schemas.microsoft.com/office/drawing/2014/main" id="{F43F0964-A867-C9F0-9A92-86E350CE8AFC}"/>
+              </a:ext>
+            </a:extLst>
+          </p:cNvPr>
+          <p:cNvPicPr>
+            <a:picLocks noChangeAspect="1" noChangeArrowheads="1"/>
+          </p:cNvPicPr>
+          <p:nvPr/>
+        </p:nvPicPr>
+        <p:blipFill rotWithShape="1">
+          <a:blip r:embed="rId3" cstate="print">
+            <a:alphaModFix amt="15000"/>
+            <a:extLst>
+              <a:ext uri="{28A0092B-C50C-407E-A947-70E740481C1C}">
+                <a14:useLocalDpi xmlns:a14="http://schemas.microsoft.com/office/drawing/2010/main" val="0"/>
+              </a:ext>
+            </a:extLst>
+          </a:blip>
+          <a:srcRect l="17153" r="15894" b="-1"/>
+          <a:stretch/>
+        </p:blipFill>
+        <p:spPr bwMode="auto">
+          <a:xfrm>
+            <a:off x="6671733" y="0"/>
+            <a:ext cx="5520267" cy="6857990"/>
+          </a:xfrm>
+          <a:custGeom>
+            <a:avLst/>
+            <a:gdLst/>
+            <a:ahLst/>
+            <a:cxnLst/>
+            <a:rect l="l" t="t" r="r" b="b"/>
+            <a:pathLst>
+              <a:path w="6878775" h="6858000">
+                <a:moveTo>
+                  <a:pt x="1102973" y="0"/>
+                </a:moveTo>
+                <a:lnTo>
+                  <a:pt x="1160688" y="0"/>
+                </a:lnTo>
+                <a:lnTo>
+                  <a:pt x="983189" y="331786"/>
+                </a:lnTo>
+                <a:cubicBezTo>
+                  <a:pt x="914866" y="469145"/>
+                  <a:pt x="850355" y="608712"/>
+                  <a:pt x="789261" y="750263"/>
+                </a:cubicBezTo>
+                <a:cubicBezTo>
+                  <a:pt x="774307" y="784928"/>
+                  <a:pt x="759992" y="819849"/>
+                  <a:pt x="745295" y="854514"/>
+                </a:cubicBezTo>
+                <a:cubicBezTo>
+                  <a:pt x="756682" y="845393"/>
+                  <a:pt x="765489" y="833492"/>
+                  <a:pt x="770857" y="819975"/>
+                </a:cubicBezTo>
+                <a:cubicBezTo>
+                  <a:pt x="879943" y="589569"/>
+                  <a:pt x="999605" y="365513"/>
+                  <a:pt x="1131329" y="148742"/>
+                </a:cubicBezTo>
+                <a:lnTo>
+                  <a:pt x="1227589" y="0"/>
+                </a:lnTo>
+                <a:lnTo>
+                  <a:pt x="6878775" y="0"/>
+                </a:lnTo>
+                <a:lnTo>
+                  <a:pt x="6878775" y="6858000"/>
+                </a:lnTo>
+                <a:lnTo>
+                  <a:pt x="713521" y="6858000"/>
+                </a:lnTo>
+                <a:lnTo>
+                  <a:pt x="625642" y="6670527"/>
+                </a:lnTo>
+                <a:cubicBezTo>
+                  <a:pt x="507232" y="6398531"/>
+                  <a:pt x="403083" y="6118381"/>
+                  <a:pt x="312785" y="5830359"/>
+                </a:cubicBezTo>
+                <a:cubicBezTo>
+                  <a:pt x="278149" y="5719759"/>
+                  <a:pt x="248879" y="5607635"/>
+                  <a:pt x="212198" y="5480401"/>
+                </a:cubicBezTo>
+                <a:cubicBezTo>
+                  <a:pt x="212208" y="5491601"/>
+                  <a:pt x="212803" y="5502788"/>
+                  <a:pt x="213988" y="5513923"/>
+                </a:cubicBezTo>
+                <a:cubicBezTo>
+                  <a:pt x="264089" y="5723695"/>
+                  <a:pt x="307290" y="5935370"/>
+                  <a:pt x="365826" y="6142729"/>
+                </a:cubicBezTo>
+                <a:cubicBezTo>
+                  <a:pt x="433152" y="6380817"/>
+                  <a:pt x="510068" y="6614016"/>
+                  <a:pt x="597975" y="6841549"/>
+                </a:cubicBezTo>
+                <a:lnTo>
+                  <a:pt x="604824" y="6858000"/>
+                </a:lnTo>
+                <a:lnTo>
+                  <a:pt x="552056" y="6858000"/>
+                </a:lnTo>
+                <a:lnTo>
+                  <a:pt x="539576" y="6828295"/>
+                </a:lnTo>
+                <a:cubicBezTo>
+                  <a:pt x="380597" y="6414594"/>
+                  <a:pt x="260223" y="5988893"/>
+                  <a:pt x="171555" y="5552906"/>
+                </a:cubicBezTo>
+                <a:cubicBezTo>
+                  <a:pt x="91163" y="5157998"/>
+                  <a:pt x="43746" y="4758899"/>
+                  <a:pt x="12305" y="4357388"/>
+                </a:cubicBezTo>
+                <a:cubicBezTo>
+                  <a:pt x="-14281" y="4013908"/>
+                  <a:pt x="4507" y="3672965"/>
+                  <a:pt x="46684" y="3331516"/>
+                </a:cubicBezTo>
+                <a:cubicBezTo>
+                  <a:pt x="127203" y="2664286"/>
+                  <a:pt x="277819" y="2007265"/>
+                  <a:pt x="496065" y="1371196"/>
+                </a:cubicBezTo>
+                <a:cubicBezTo>
+                  <a:pt x="636273" y="966066"/>
+                  <a:pt x="800445" y="573253"/>
+                  <a:pt x="995723" y="196614"/>
+                </a:cubicBezTo>
+                <a:close/>
+              </a:path>
+            </a:pathLst>
+          </a:custGeom>
+          <a:noFill/>
+          <a:effectLst>
+            <a:softEdge rad="0"/>
+          </a:effectLst>
+        </p:spPr>
+      </p:pic>
       <p:sp>
         <p:nvSpPr>
           <p:cNvPr id="29" name="TextBox 28">
@@ -15785,6 +17085,158 @@
           <a:chExt cx="0" cy="0"/>
         </a:xfrm>
       </p:grpSpPr>
+      <p:pic>
+        <p:nvPicPr>
+          <p:cNvPr id="32" name="Picture 2">
+            <a:extLst>
+              <a:ext uri="{FF2B5EF4-FFF2-40B4-BE49-F238E27FC236}">
+                <a16:creationId xmlns:a16="http://schemas.microsoft.com/office/drawing/2014/main" id="{5010880E-9287-36E0-5F29-BF350F759B5A}"/>
+              </a:ext>
+            </a:extLst>
+          </p:cNvPr>
+          <p:cNvPicPr>
+            <a:picLocks noChangeAspect="1" noChangeArrowheads="1"/>
+          </p:cNvPicPr>
+          <p:nvPr/>
+        </p:nvPicPr>
+        <p:blipFill rotWithShape="1">
+          <a:blip r:embed="rId3" cstate="print">
+            <a:alphaModFix amt="15000"/>
+            <a:extLst>
+              <a:ext uri="{28A0092B-C50C-407E-A947-70E740481C1C}">
+                <a14:useLocalDpi xmlns:a14="http://schemas.microsoft.com/office/drawing/2010/main" val="0"/>
+              </a:ext>
+            </a:extLst>
+          </a:blip>
+          <a:srcRect l="17153" r="15894" b="-1"/>
+          <a:stretch/>
+        </p:blipFill>
+        <p:spPr bwMode="auto">
+          <a:xfrm>
+            <a:off x="6671733" y="0"/>
+            <a:ext cx="5520267" cy="6857990"/>
+          </a:xfrm>
+          <a:custGeom>
+            <a:avLst/>
+            <a:gdLst/>
+            <a:ahLst/>
+            <a:cxnLst/>
+            <a:rect l="l" t="t" r="r" b="b"/>
+            <a:pathLst>
+              <a:path w="6878775" h="6858000">
+                <a:moveTo>
+                  <a:pt x="1102973" y="0"/>
+                </a:moveTo>
+                <a:lnTo>
+                  <a:pt x="1160688" y="0"/>
+                </a:lnTo>
+                <a:lnTo>
+                  <a:pt x="983189" y="331786"/>
+                </a:lnTo>
+                <a:cubicBezTo>
+                  <a:pt x="914866" y="469145"/>
+                  <a:pt x="850355" y="608712"/>
+                  <a:pt x="789261" y="750263"/>
+                </a:cubicBezTo>
+                <a:cubicBezTo>
+                  <a:pt x="774307" y="784928"/>
+                  <a:pt x="759992" y="819849"/>
+                  <a:pt x="745295" y="854514"/>
+                </a:cubicBezTo>
+                <a:cubicBezTo>
+                  <a:pt x="756682" y="845393"/>
+                  <a:pt x="765489" y="833492"/>
+                  <a:pt x="770857" y="819975"/>
+                </a:cubicBezTo>
+                <a:cubicBezTo>
+                  <a:pt x="879943" y="589569"/>
+                  <a:pt x="999605" y="365513"/>
+                  <a:pt x="1131329" y="148742"/>
+                </a:cubicBezTo>
+                <a:lnTo>
+                  <a:pt x="1227589" y="0"/>
+                </a:lnTo>
+                <a:lnTo>
+                  <a:pt x="6878775" y="0"/>
+                </a:lnTo>
+                <a:lnTo>
+                  <a:pt x="6878775" y="6858000"/>
+                </a:lnTo>
+                <a:lnTo>
+                  <a:pt x="713521" y="6858000"/>
+                </a:lnTo>
+                <a:lnTo>
+                  <a:pt x="625642" y="6670527"/>
+                </a:lnTo>
+                <a:cubicBezTo>
+                  <a:pt x="507232" y="6398531"/>
+                  <a:pt x="403083" y="6118381"/>
+                  <a:pt x="312785" y="5830359"/>
+                </a:cubicBezTo>
+                <a:cubicBezTo>
+                  <a:pt x="278149" y="5719759"/>
+                  <a:pt x="248879" y="5607635"/>
+                  <a:pt x="212198" y="5480401"/>
+                </a:cubicBezTo>
+                <a:cubicBezTo>
+                  <a:pt x="212208" y="5491601"/>
+                  <a:pt x="212803" y="5502788"/>
+                  <a:pt x="213988" y="5513923"/>
+                </a:cubicBezTo>
+                <a:cubicBezTo>
+                  <a:pt x="264089" y="5723695"/>
+                  <a:pt x="307290" y="5935370"/>
+                  <a:pt x="365826" y="6142729"/>
+                </a:cubicBezTo>
+                <a:cubicBezTo>
+                  <a:pt x="433152" y="6380817"/>
+                  <a:pt x="510068" y="6614016"/>
+                  <a:pt x="597975" y="6841549"/>
+                </a:cubicBezTo>
+                <a:lnTo>
+                  <a:pt x="604824" y="6858000"/>
+                </a:lnTo>
+                <a:lnTo>
+                  <a:pt x="552056" y="6858000"/>
+                </a:lnTo>
+                <a:lnTo>
+                  <a:pt x="539576" y="6828295"/>
+                </a:lnTo>
+                <a:cubicBezTo>
+                  <a:pt x="380597" y="6414594"/>
+                  <a:pt x="260223" y="5988893"/>
+                  <a:pt x="171555" y="5552906"/>
+                </a:cubicBezTo>
+                <a:cubicBezTo>
+                  <a:pt x="91163" y="5157998"/>
+                  <a:pt x="43746" y="4758899"/>
+                  <a:pt x="12305" y="4357388"/>
+                </a:cubicBezTo>
+                <a:cubicBezTo>
+                  <a:pt x="-14281" y="4013908"/>
+                  <a:pt x="4507" y="3672965"/>
+                  <a:pt x="46684" y="3331516"/>
+                </a:cubicBezTo>
+                <a:cubicBezTo>
+                  <a:pt x="127203" y="2664286"/>
+                  <a:pt x="277819" y="2007265"/>
+                  <a:pt x="496065" y="1371196"/>
+                </a:cubicBezTo>
+                <a:cubicBezTo>
+                  <a:pt x="636273" y="966066"/>
+                  <a:pt x="800445" y="573253"/>
+                  <a:pt x="995723" y="196614"/>
+                </a:cubicBezTo>
+                <a:close/>
+              </a:path>
+            </a:pathLst>
+          </a:custGeom>
+          <a:noFill/>
+          <a:effectLst>
+            <a:softEdge rad="0"/>
+          </a:effectLst>
+        </p:spPr>
+      </p:pic>
       <p:sp>
         <p:nvSpPr>
           <p:cNvPr id="4" name="직사각형 3">
@@ -15963,7 +17415,7 @@
           <p:nvPr/>
         </p:nvPicPr>
         <p:blipFill>
-          <a:blip r:embed="rId3">
+          <a:blip r:embed="rId4">
             <a:extLst>
               <a:ext uri="{28A0092B-C50C-407E-A947-70E740481C1C}">
                 <a14:useLocalDpi xmlns:a14="http://schemas.microsoft.com/office/drawing/2010/main" val="0"/>
@@ -17284,6 +18736,158 @@
           <a:chExt cx="0" cy="0"/>
         </a:xfrm>
       </p:grpSpPr>
+      <p:pic>
+        <p:nvPicPr>
+          <p:cNvPr id="5" name="Picture 2">
+            <a:extLst>
+              <a:ext uri="{FF2B5EF4-FFF2-40B4-BE49-F238E27FC236}">
+                <a16:creationId xmlns:a16="http://schemas.microsoft.com/office/drawing/2014/main" id="{6AFBCE4C-C18D-1063-83AB-DE984AAC7569}"/>
+              </a:ext>
+            </a:extLst>
+          </p:cNvPr>
+          <p:cNvPicPr>
+            <a:picLocks noChangeAspect="1" noChangeArrowheads="1"/>
+          </p:cNvPicPr>
+          <p:nvPr/>
+        </p:nvPicPr>
+        <p:blipFill rotWithShape="1">
+          <a:blip r:embed="rId3" cstate="print">
+            <a:alphaModFix amt="15000"/>
+            <a:extLst>
+              <a:ext uri="{28A0092B-C50C-407E-A947-70E740481C1C}">
+                <a14:useLocalDpi xmlns:a14="http://schemas.microsoft.com/office/drawing/2010/main" val="0"/>
+              </a:ext>
+            </a:extLst>
+          </a:blip>
+          <a:srcRect l="17153" r="15894" b="-1"/>
+          <a:stretch/>
+        </p:blipFill>
+        <p:spPr bwMode="auto">
+          <a:xfrm>
+            <a:off x="6671733" y="0"/>
+            <a:ext cx="5520267" cy="6857990"/>
+          </a:xfrm>
+          <a:custGeom>
+            <a:avLst/>
+            <a:gdLst/>
+            <a:ahLst/>
+            <a:cxnLst/>
+            <a:rect l="l" t="t" r="r" b="b"/>
+            <a:pathLst>
+              <a:path w="6878775" h="6858000">
+                <a:moveTo>
+                  <a:pt x="1102973" y="0"/>
+                </a:moveTo>
+                <a:lnTo>
+                  <a:pt x="1160688" y="0"/>
+                </a:lnTo>
+                <a:lnTo>
+                  <a:pt x="983189" y="331786"/>
+                </a:lnTo>
+                <a:cubicBezTo>
+                  <a:pt x="914866" y="469145"/>
+                  <a:pt x="850355" y="608712"/>
+                  <a:pt x="789261" y="750263"/>
+                </a:cubicBezTo>
+                <a:cubicBezTo>
+                  <a:pt x="774307" y="784928"/>
+                  <a:pt x="759992" y="819849"/>
+                  <a:pt x="745295" y="854514"/>
+                </a:cubicBezTo>
+                <a:cubicBezTo>
+                  <a:pt x="756682" y="845393"/>
+                  <a:pt x="765489" y="833492"/>
+                  <a:pt x="770857" y="819975"/>
+                </a:cubicBezTo>
+                <a:cubicBezTo>
+                  <a:pt x="879943" y="589569"/>
+                  <a:pt x="999605" y="365513"/>
+                  <a:pt x="1131329" y="148742"/>
+                </a:cubicBezTo>
+                <a:lnTo>
+                  <a:pt x="1227589" y="0"/>
+                </a:lnTo>
+                <a:lnTo>
+                  <a:pt x="6878775" y="0"/>
+                </a:lnTo>
+                <a:lnTo>
+                  <a:pt x="6878775" y="6858000"/>
+                </a:lnTo>
+                <a:lnTo>
+                  <a:pt x="713521" y="6858000"/>
+                </a:lnTo>
+                <a:lnTo>
+                  <a:pt x="625642" y="6670527"/>
+                </a:lnTo>
+                <a:cubicBezTo>
+                  <a:pt x="507232" y="6398531"/>
+                  <a:pt x="403083" y="6118381"/>
+                  <a:pt x="312785" y="5830359"/>
+                </a:cubicBezTo>
+                <a:cubicBezTo>
+                  <a:pt x="278149" y="5719759"/>
+                  <a:pt x="248879" y="5607635"/>
+                  <a:pt x="212198" y="5480401"/>
+                </a:cubicBezTo>
+                <a:cubicBezTo>
+                  <a:pt x="212208" y="5491601"/>
+                  <a:pt x="212803" y="5502788"/>
+                  <a:pt x="213988" y="5513923"/>
+                </a:cubicBezTo>
+                <a:cubicBezTo>
+                  <a:pt x="264089" y="5723695"/>
+                  <a:pt x="307290" y="5935370"/>
+                  <a:pt x="365826" y="6142729"/>
+                </a:cubicBezTo>
+                <a:cubicBezTo>
+                  <a:pt x="433152" y="6380817"/>
+                  <a:pt x="510068" y="6614016"/>
+                  <a:pt x="597975" y="6841549"/>
+                </a:cubicBezTo>
+                <a:lnTo>
+                  <a:pt x="604824" y="6858000"/>
+                </a:lnTo>
+                <a:lnTo>
+                  <a:pt x="552056" y="6858000"/>
+                </a:lnTo>
+                <a:lnTo>
+                  <a:pt x="539576" y="6828295"/>
+                </a:lnTo>
+                <a:cubicBezTo>
+                  <a:pt x="380597" y="6414594"/>
+                  <a:pt x="260223" y="5988893"/>
+                  <a:pt x="171555" y="5552906"/>
+                </a:cubicBezTo>
+                <a:cubicBezTo>
+                  <a:pt x="91163" y="5157998"/>
+                  <a:pt x="43746" y="4758899"/>
+                  <a:pt x="12305" y="4357388"/>
+                </a:cubicBezTo>
+                <a:cubicBezTo>
+                  <a:pt x="-14281" y="4013908"/>
+                  <a:pt x="4507" y="3672965"/>
+                  <a:pt x="46684" y="3331516"/>
+                </a:cubicBezTo>
+                <a:cubicBezTo>
+                  <a:pt x="127203" y="2664286"/>
+                  <a:pt x="277819" y="2007265"/>
+                  <a:pt x="496065" y="1371196"/>
+                </a:cubicBezTo>
+                <a:cubicBezTo>
+                  <a:pt x="636273" y="966066"/>
+                  <a:pt x="800445" y="573253"/>
+                  <a:pt x="995723" y="196614"/>
+                </a:cubicBezTo>
+                <a:close/>
+              </a:path>
+            </a:pathLst>
+          </a:custGeom>
+          <a:noFill/>
+          <a:effectLst>
+            <a:softEdge rad="0"/>
+          </a:effectLst>
+        </p:spPr>
+      </p:pic>
       <p:sp>
         <p:nvSpPr>
           <p:cNvPr id="29" name="TextBox 28">
@@ -17408,14 +19012,14 @@
           <p:nvPr>
             <p:extLst>
               <p:ext uri="{D42A27DB-BD31-4B8C-83A1-F6EECF244321}">
-                <p14:modId xmlns:p14="http://schemas.microsoft.com/office/powerpoint/2010/main" val="935620760"/>
+                <p14:modId xmlns:p14="http://schemas.microsoft.com/office/powerpoint/2010/main" val="1402501020"/>
               </p:ext>
             </p:extLst>
           </p:nvPr>
         </p:nvGraphicFramePr>
         <p:xfrm>
-          <a:off x="314040" y="1113727"/>
-          <a:ext cx="11563920" cy="4630546"/>
+          <a:off x="284047" y="1261595"/>
+          <a:ext cx="11563920" cy="4334799"/>
         </p:xfrm>
         <a:graphic>
           <a:graphicData uri="http://schemas.openxmlformats.org/drawingml/2006/table">
@@ -17439,13 +19043,13 @@
                   </a:extLst>
                 </a:gridCol>
               </a:tblGrid>
-              <a:tr h="661507">
+              <a:tr h="333108">
                 <a:tc>
                   <a:txBody>
                     <a:bodyPr/>
                     <a:lstStyle/>
                     <a:p>
-                      <a:pPr latinLnBrk="1"/>
+                      <a:pPr algn="ctr" latinLnBrk="1"/>
                       <a:r>
                         <a:rPr lang="ko-KR" altLang="en-US" dirty="0"/>
                         <a:t>이름</a:t>
@@ -17459,7 +19063,7 @@
                     <a:bodyPr/>
                     <a:lstStyle/>
                     <a:p>
-                      <a:pPr latinLnBrk="1"/>
+                      <a:pPr algn="ctr" latinLnBrk="1"/>
                       <a:r>
                         <a:rPr lang="ko-KR" altLang="en-US" dirty="0"/>
                         <a:t>기술적 요소 </a:t>
@@ -17474,7 +19078,13 @@
                       </a:r>
                     </a:p>
                   </a:txBody>
-                  <a:tcPr/>
+                  <a:tcPr>
+                    <a:solidFill>
+                      <a:schemeClr val="accent5">
+                        <a:alpha val="50000"/>
+                      </a:schemeClr>
+                    </a:solidFill>
+                  </a:tcPr>
                 </a:tc>
                 <a:extLst>
                   <a:ext uri="{0D108BD9-81ED-4DB2-BD59-A6C34878D82A}">
@@ -17677,7 +19287,14 @@
                       </a:endParaRPr>
                     </a:p>
                   </a:txBody>
-                  <a:tcPr anchor="ctr"/>
+                  <a:tcPr anchor="ctr">
+                    <a:solidFill>
+                      <a:schemeClr val="accent5">
+                        <a:tint val="40000"/>
+                        <a:alpha val="50000"/>
+                      </a:schemeClr>
+                    </a:solidFill>
+                  </a:tcPr>
                 </a:tc>
                 <a:extLst>
                   <a:ext uri="{0D108BD9-81ED-4DB2-BD59-A6C34878D82A}">
@@ -17766,7 +19383,14 @@
                       </a:endParaRPr>
                     </a:p>
                   </a:txBody>
-                  <a:tcPr anchor="ctr"/>
+                  <a:tcPr anchor="ctr">
+                    <a:solidFill>
+                      <a:schemeClr val="accent5">
+                        <a:tint val="20000"/>
+                        <a:alpha val="50000"/>
+                      </a:schemeClr>
+                    </a:solidFill>
+                  </a:tcPr>
                 </a:tc>
                 <a:extLst>
                   <a:ext uri="{0D108BD9-81ED-4DB2-BD59-A6C34878D82A}">
@@ -17822,7 +19446,14 @@
                       <a:endParaRPr lang="en-US" altLang="ko-KR" dirty="0"/>
                     </a:p>
                   </a:txBody>
-                  <a:tcPr anchor="ctr"/>
+                  <a:tcPr anchor="ctr">
+                    <a:solidFill>
+                      <a:schemeClr val="accent5">
+                        <a:tint val="40000"/>
+                        <a:alpha val="50000"/>
+                      </a:schemeClr>
+                    </a:solidFill>
+                  </a:tcPr>
                 </a:tc>
                 <a:extLst>
                   <a:ext uri="{0D108BD9-81ED-4DB2-BD59-A6C34878D82A}">
@@ -17903,8 +19534,8 @@
       <p:bgPr>
         <a:solidFill>
           <a:schemeClr val="accent1">
-            <a:lumMod val="40000"/>
-            <a:lumOff val="60000"/>
+            <a:lumMod val="20000"/>
+            <a:lumOff val="80000"/>
           </a:schemeClr>
         </a:solidFill>
         <a:effectLst/>
@@ -17924,6 +19555,158 @@
           <a:chExt cx="0" cy="0"/>
         </a:xfrm>
       </p:grpSpPr>
+      <p:pic>
+        <p:nvPicPr>
+          <p:cNvPr id="5" name="Picture 2">
+            <a:extLst>
+              <a:ext uri="{FF2B5EF4-FFF2-40B4-BE49-F238E27FC236}">
+                <a16:creationId xmlns:a16="http://schemas.microsoft.com/office/drawing/2014/main" id="{BEB2722B-284F-B281-D234-BA1D44D897B2}"/>
+              </a:ext>
+            </a:extLst>
+          </p:cNvPr>
+          <p:cNvPicPr>
+            <a:picLocks noChangeAspect="1" noChangeArrowheads="1"/>
+          </p:cNvPicPr>
+          <p:nvPr/>
+        </p:nvPicPr>
+        <p:blipFill rotWithShape="1">
+          <a:blip r:embed="rId3" cstate="print">
+            <a:alphaModFix amt="15000"/>
+            <a:extLst>
+              <a:ext uri="{28A0092B-C50C-407E-A947-70E740481C1C}">
+                <a14:useLocalDpi xmlns:a14="http://schemas.microsoft.com/office/drawing/2010/main" val="0"/>
+              </a:ext>
+            </a:extLst>
+          </a:blip>
+          <a:srcRect l="17153" r="15894" b="-1"/>
+          <a:stretch/>
+        </p:blipFill>
+        <p:spPr bwMode="auto">
+          <a:xfrm>
+            <a:off x="6671733" y="0"/>
+            <a:ext cx="5520267" cy="6857990"/>
+          </a:xfrm>
+          <a:custGeom>
+            <a:avLst/>
+            <a:gdLst/>
+            <a:ahLst/>
+            <a:cxnLst/>
+            <a:rect l="l" t="t" r="r" b="b"/>
+            <a:pathLst>
+              <a:path w="6878775" h="6858000">
+                <a:moveTo>
+                  <a:pt x="1102973" y="0"/>
+                </a:moveTo>
+                <a:lnTo>
+                  <a:pt x="1160688" y="0"/>
+                </a:lnTo>
+                <a:lnTo>
+                  <a:pt x="983189" y="331786"/>
+                </a:lnTo>
+                <a:cubicBezTo>
+                  <a:pt x="914866" y="469145"/>
+                  <a:pt x="850355" y="608712"/>
+                  <a:pt x="789261" y="750263"/>
+                </a:cubicBezTo>
+                <a:cubicBezTo>
+                  <a:pt x="774307" y="784928"/>
+                  <a:pt x="759992" y="819849"/>
+                  <a:pt x="745295" y="854514"/>
+                </a:cubicBezTo>
+                <a:cubicBezTo>
+                  <a:pt x="756682" y="845393"/>
+                  <a:pt x="765489" y="833492"/>
+                  <a:pt x="770857" y="819975"/>
+                </a:cubicBezTo>
+                <a:cubicBezTo>
+                  <a:pt x="879943" y="589569"/>
+                  <a:pt x="999605" y="365513"/>
+                  <a:pt x="1131329" y="148742"/>
+                </a:cubicBezTo>
+                <a:lnTo>
+                  <a:pt x="1227589" y="0"/>
+                </a:lnTo>
+                <a:lnTo>
+                  <a:pt x="6878775" y="0"/>
+                </a:lnTo>
+                <a:lnTo>
+                  <a:pt x="6878775" y="6858000"/>
+                </a:lnTo>
+                <a:lnTo>
+                  <a:pt x="713521" y="6858000"/>
+                </a:lnTo>
+                <a:lnTo>
+                  <a:pt x="625642" y="6670527"/>
+                </a:lnTo>
+                <a:cubicBezTo>
+                  <a:pt x="507232" y="6398531"/>
+                  <a:pt x="403083" y="6118381"/>
+                  <a:pt x="312785" y="5830359"/>
+                </a:cubicBezTo>
+                <a:cubicBezTo>
+                  <a:pt x="278149" y="5719759"/>
+                  <a:pt x="248879" y="5607635"/>
+                  <a:pt x="212198" y="5480401"/>
+                </a:cubicBezTo>
+                <a:cubicBezTo>
+                  <a:pt x="212208" y="5491601"/>
+                  <a:pt x="212803" y="5502788"/>
+                  <a:pt x="213988" y="5513923"/>
+                </a:cubicBezTo>
+                <a:cubicBezTo>
+                  <a:pt x="264089" y="5723695"/>
+                  <a:pt x="307290" y="5935370"/>
+                  <a:pt x="365826" y="6142729"/>
+                </a:cubicBezTo>
+                <a:cubicBezTo>
+                  <a:pt x="433152" y="6380817"/>
+                  <a:pt x="510068" y="6614016"/>
+                  <a:pt x="597975" y="6841549"/>
+                </a:cubicBezTo>
+                <a:lnTo>
+                  <a:pt x="604824" y="6858000"/>
+                </a:lnTo>
+                <a:lnTo>
+                  <a:pt x="552056" y="6858000"/>
+                </a:lnTo>
+                <a:lnTo>
+                  <a:pt x="539576" y="6828295"/>
+                </a:lnTo>
+                <a:cubicBezTo>
+                  <a:pt x="380597" y="6414594"/>
+                  <a:pt x="260223" y="5988893"/>
+                  <a:pt x="171555" y="5552906"/>
+                </a:cubicBezTo>
+                <a:cubicBezTo>
+                  <a:pt x="91163" y="5157998"/>
+                  <a:pt x="43746" y="4758899"/>
+                  <a:pt x="12305" y="4357388"/>
+                </a:cubicBezTo>
+                <a:cubicBezTo>
+                  <a:pt x="-14281" y="4013908"/>
+                  <a:pt x="4507" y="3672965"/>
+                  <a:pt x="46684" y="3331516"/>
+                </a:cubicBezTo>
+                <a:cubicBezTo>
+                  <a:pt x="127203" y="2664286"/>
+                  <a:pt x="277819" y="2007265"/>
+                  <a:pt x="496065" y="1371196"/>
+                </a:cubicBezTo>
+                <a:cubicBezTo>
+                  <a:pt x="636273" y="966066"/>
+                  <a:pt x="800445" y="573253"/>
+                  <a:pt x="995723" y="196614"/>
+                </a:cubicBezTo>
+                <a:close/>
+              </a:path>
+            </a:pathLst>
+          </a:custGeom>
+          <a:noFill/>
+          <a:effectLst>
+            <a:softEdge rad="0"/>
+          </a:effectLst>
+        </p:spPr>
+      </p:pic>
       <p:sp>
         <p:nvSpPr>
           <p:cNvPr id="29" name="TextBox 28">
@@ -18048,19 +19831,26 @@
           <p:nvPr>
             <p:extLst>
               <p:ext uri="{D42A27DB-BD31-4B8C-83A1-F6EECF244321}">
-                <p14:modId xmlns:p14="http://schemas.microsoft.com/office/powerpoint/2010/main" val="1574646947"/>
+                <p14:modId xmlns:p14="http://schemas.microsoft.com/office/powerpoint/2010/main" val="1674406016"/>
               </p:ext>
             </p:extLst>
           </p:nvPr>
         </p:nvGraphicFramePr>
         <p:xfrm>
-          <a:off x="314040" y="1113727"/>
-          <a:ext cx="11563920" cy="4630546"/>
+          <a:off x="314040" y="1261595"/>
+          <a:ext cx="11563920" cy="4334799"/>
         </p:xfrm>
         <a:graphic>
           <a:graphicData uri="http://schemas.openxmlformats.org/drawingml/2006/table">
             <a:tbl>
               <a:tblPr firstRow="1" bandRow="1">
+                <a:effectLst>
+                  <a:outerShdw blurRad="50800" dist="50800" dir="5400000" sx="102000" sy="102000" algn="ctr" rotWithShape="0">
+                    <a:schemeClr val="bg2">
+                      <a:alpha val="44000"/>
+                    </a:schemeClr>
+                  </a:outerShdw>
+                </a:effectLst>
                 <a:tableStyleId>{7DF18680-E054-41AD-8BC1-D1AEF772440D}</a:tableStyleId>
               </a:tblPr>
               <a:tblGrid>
@@ -18079,13 +19869,13 @@
                   </a:extLst>
                 </a:gridCol>
               </a:tblGrid>
-              <a:tr h="661507">
+              <a:tr h="356258">
                 <a:tc>
                   <a:txBody>
                     <a:bodyPr/>
                     <a:lstStyle/>
                     <a:p>
-                      <a:pPr latinLnBrk="1"/>
+                      <a:pPr algn="ctr" latinLnBrk="1"/>
                       <a:r>
                         <a:rPr lang="ko-KR" altLang="en-US" dirty="0"/>
                         <a:t>이름</a:t>
@@ -18099,11 +19889,20 @@
                     <a:bodyPr/>
                     <a:lstStyle/>
                     <a:p>
-                      <a:pPr latinLnBrk="1"/>
-                      <a:endParaRPr lang="ko-KR" altLang="en-US" dirty="0"/>
+                      <a:pPr algn="ctr" latinLnBrk="1"/>
+                      <a:r>
+                        <a:rPr lang="ko-KR" altLang="en-US" dirty="0"/>
+                        <a:t>역할</a:t>
+                      </a:r>
                     </a:p>
                   </a:txBody>
-                  <a:tcPr/>
+                  <a:tcPr>
+                    <a:solidFill>
+                      <a:schemeClr val="accent5">
+                        <a:alpha val="50000"/>
+                      </a:schemeClr>
+                    </a:solidFill>
+                  </a:tcPr>
                 </a:tc>
                 <a:extLst>
                   <a:ext uri="{0D108BD9-81ED-4DB2-BD59-A6C34878D82A}">
@@ -18217,7 +20016,7 @@
                         <a:t>통과시켜달라고</a:t>
                       </a:r>
                       <a:r>
-                        <a:rPr lang="en-US" altLang="ko-KR" sz="1800" b="1" i="0" kern="1200">
+                        <a:rPr lang="en-US" altLang="ko-KR" sz="1800" b="1" i="0" kern="1200" dirty="0">
                           <a:solidFill>
                             <a:schemeClr val="dk1"/>
                           </a:solidFill>
@@ -18228,18 +20027,16 @@
                         </a:rPr>
                         <a:t>~</a:t>
                       </a:r>
-                      <a:endParaRPr lang="en-US" altLang="ko-KR" sz="1800" b="1" i="0" kern="1200" dirty="0">
-                        <a:solidFill>
-                          <a:schemeClr val="dk1"/>
-                        </a:solidFill>
-                        <a:effectLst/>
-                        <a:latin typeface="+mn-lt"/>
-                        <a:ea typeface="+mn-ea"/>
-                        <a:cs typeface="+mn-cs"/>
-                      </a:endParaRPr>
                     </a:p>
                   </a:txBody>
-                  <a:tcPr anchor="ctr"/>
+                  <a:tcPr anchor="ctr">
+                    <a:solidFill>
+                      <a:schemeClr val="accent5">
+                        <a:tint val="40000"/>
+                        <a:alpha val="50000"/>
+                      </a:schemeClr>
+                    </a:solidFill>
+                  </a:tcPr>
                 </a:tc>
                 <a:extLst>
                   <a:ext uri="{0D108BD9-81ED-4DB2-BD59-A6C34878D82A}">
@@ -18291,7 +20088,14 @@
                       </a:endParaRPr>
                     </a:p>
                   </a:txBody>
-                  <a:tcPr anchor="ctr"/>
+                  <a:tcPr anchor="ctr">
+                    <a:solidFill>
+                      <a:schemeClr val="accent5">
+                        <a:tint val="20000"/>
+                        <a:alpha val="50000"/>
+                      </a:schemeClr>
+                    </a:solidFill>
+                  </a:tcPr>
                 </a:tc>
                 <a:extLst>
                   <a:ext uri="{0D108BD9-81ED-4DB2-BD59-A6C34878D82A}">
@@ -18447,7 +20251,14 @@
                       <a:endParaRPr lang="en-US" altLang="ko-KR" dirty="0"/>
                     </a:p>
                   </a:txBody>
-                  <a:tcPr anchor="ctr"/>
+                  <a:tcPr anchor="ctr">
+                    <a:solidFill>
+                      <a:schemeClr val="accent5">
+                        <a:tint val="40000"/>
+                        <a:alpha val="50000"/>
+                      </a:schemeClr>
+                    </a:solidFill>
+                  </a:tcPr>
                 </a:tc>
                 <a:extLst>
                   <a:ext uri="{0D108BD9-81ED-4DB2-BD59-A6C34878D82A}">
@@ -18549,6 +20360,158 @@
           <a:chExt cx="0" cy="0"/>
         </a:xfrm>
       </p:grpSpPr>
+      <p:pic>
+        <p:nvPicPr>
+          <p:cNvPr id="10" name="Picture 2">
+            <a:extLst>
+              <a:ext uri="{FF2B5EF4-FFF2-40B4-BE49-F238E27FC236}">
+                <a16:creationId xmlns:a16="http://schemas.microsoft.com/office/drawing/2014/main" id="{8DBD2B00-696C-66E6-AA28-BC08F21D5CFB}"/>
+              </a:ext>
+            </a:extLst>
+          </p:cNvPr>
+          <p:cNvPicPr>
+            <a:picLocks noChangeAspect="1" noChangeArrowheads="1"/>
+          </p:cNvPicPr>
+          <p:nvPr/>
+        </p:nvPicPr>
+        <p:blipFill rotWithShape="1">
+          <a:blip r:embed="rId3" cstate="print">
+            <a:alphaModFix amt="15000"/>
+            <a:extLst>
+              <a:ext uri="{28A0092B-C50C-407E-A947-70E740481C1C}">
+                <a14:useLocalDpi xmlns:a14="http://schemas.microsoft.com/office/drawing/2010/main" val="0"/>
+              </a:ext>
+            </a:extLst>
+          </a:blip>
+          <a:srcRect l="17153" r="15894" b="-1"/>
+          <a:stretch/>
+        </p:blipFill>
+        <p:spPr bwMode="auto">
+          <a:xfrm>
+            <a:off x="6671733" y="0"/>
+            <a:ext cx="5520267" cy="6857990"/>
+          </a:xfrm>
+          <a:custGeom>
+            <a:avLst/>
+            <a:gdLst/>
+            <a:ahLst/>
+            <a:cxnLst/>
+            <a:rect l="l" t="t" r="r" b="b"/>
+            <a:pathLst>
+              <a:path w="6878775" h="6858000">
+                <a:moveTo>
+                  <a:pt x="1102973" y="0"/>
+                </a:moveTo>
+                <a:lnTo>
+                  <a:pt x="1160688" y="0"/>
+                </a:lnTo>
+                <a:lnTo>
+                  <a:pt x="983189" y="331786"/>
+                </a:lnTo>
+                <a:cubicBezTo>
+                  <a:pt x="914866" y="469145"/>
+                  <a:pt x="850355" y="608712"/>
+                  <a:pt x="789261" y="750263"/>
+                </a:cubicBezTo>
+                <a:cubicBezTo>
+                  <a:pt x="774307" y="784928"/>
+                  <a:pt x="759992" y="819849"/>
+                  <a:pt x="745295" y="854514"/>
+                </a:cubicBezTo>
+                <a:cubicBezTo>
+                  <a:pt x="756682" y="845393"/>
+                  <a:pt x="765489" y="833492"/>
+                  <a:pt x="770857" y="819975"/>
+                </a:cubicBezTo>
+                <a:cubicBezTo>
+                  <a:pt x="879943" y="589569"/>
+                  <a:pt x="999605" y="365513"/>
+                  <a:pt x="1131329" y="148742"/>
+                </a:cubicBezTo>
+                <a:lnTo>
+                  <a:pt x="1227589" y="0"/>
+                </a:lnTo>
+                <a:lnTo>
+                  <a:pt x="6878775" y="0"/>
+                </a:lnTo>
+                <a:lnTo>
+                  <a:pt x="6878775" y="6858000"/>
+                </a:lnTo>
+                <a:lnTo>
+                  <a:pt x="713521" y="6858000"/>
+                </a:lnTo>
+                <a:lnTo>
+                  <a:pt x="625642" y="6670527"/>
+                </a:lnTo>
+                <a:cubicBezTo>
+                  <a:pt x="507232" y="6398531"/>
+                  <a:pt x="403083" y="6118381"/>
+                  <a:pt x="312785" y="5830359"/>
+                </a:cubicBezTo>
+                <a:cubicBezTo>
+                  <a:pt x="278149" y="5719759"/>
+                  <a:pt x="248879" y="5607635"/>
+                  <a:pt x="212198" y="5480401"/>
+                </a:cubicBezTo>
+                <a:cubicBezTo>
+                  <a:pt x="212208" y="5491601"/>
+                  <a:pt x="212803" y="5502788"/>
+                  <a:pt x="213988" y="5513923"/>
+                </a:cubicBezTo>
+                <a:cubicBezTo>
+                  <a:pt x="264089" y="5723695"/>
+                  <a:pt x="307290" y="5935370"/>
+                  <a:pt x="365826" y="6142729"/>
+                </a:cubicBezTo>
+                <a:cubicBezTo>
+                  <a:pt x="433152" y="6380817"/>
+                  <a:pt x="510068" y="6614016"/>
+                  <a:pt x="597975" y="6841549"/>
+                </a:cubicBezTo>
+                <a:lnTo>
+                  <a:pt x="604824" y="6858000"/>
+                </a:lnTo>
+                <a:lnTo>
+                  <a:pt x="552056" y="6858000"/>
+                </a:lnTo>
+                <a:lnTo>
+                  <a:pt x="539576" y="6828295"/>
+                </a:lnTo>
+                <a:cubicBezTo>
+                  <a:pt x="380597" y="6414594"/>
+                  <a:pt x="260223" y="5988893"/>
+                  <a:pt x="171555" y="5552906"/>
+                </a:cubicBezTo>
+                <a:cubicBezTo>
+                  <a:pt x="91163" y="5157998"/>
+                  <a:pt x="43746" y="4758899"/>
+                  <a:pt x="12305" y="4357388"/>
+                </a:cubicBezTo>
+                <a:cubicBezTo>
+                  <a:pt x="-14281" y="4013908"/>
+                  <a:pt x="4507" y="3672965"/>
+                  <a:pt x="46684" y="3331516"/>
+                </a:cubicBezTo>
+                <a:cubicBezTo>
+                  <a:pt x="127203" y="2664286"/>
+                  <a:pt x="277819" y="2007265"/>
+                  <a:pt x="496065" y="1371196"/>
+                </a:cubicBezTo>
+                <a:cubicBezTo>
+                  <a:pt x="636273" y="966066"/>
+                  <a:pt x="800445" y="573253"/>
+                  <a:pt x="995723" y="196614"/>
+                </a:cubicBezTo>
+                <a:close/>
+              </a:path>
+            </a:pathLst>
+          </a:custGeom>
+          <a:noFill/>
+          <a:effectLst>
+            <a:softEdge rad="0"/>
+          </a:effectLst>
+        </p:spPr>
+      </p:pic>
       <p:sp>
         <p:nvSpPr>
           <p:cNvPr id="29" name="TextBox 28">
@@ -18721,73 +20684,72 @@
           </a:p>
         </p:txBody>
       </p:sp>
-      <p:sp>
-        <p:nvSpPr>
-          <p:cNvPr id="5" name="TextBox 4">
+      <p:pic>
+        <p:nvPicPr>
+          <p:cNvPr id="6" name="그림 5">
             <a:extLst>
               <a:ext uri="{FF2B5EF4-FFF2-40B4-BE49-F238E27FC236}">
-                <a16:creationId xmlns:a16="http://schemas.microsoft.com/office/drawing/2014/main" id="{6A61E994-005B-72C9-285D-5B150DC02A5F}"/>
+                <a16:creationId xmlns:a16="http://schemas.microsoft.com/office/drawing/2014/main" id="{B6666193-D7BF-050C-F9ED-F6F0FA9B5354}"/>
               </a:ext>
             </a:extLst>
           </p:cNvPr>
-          <p:cNvSpPr txBox="1"/>
+          <p:cNvPicPr>
+            <a:picLocks noChangeAspect="1"/>
+          </p:cNvPicPr>
           <p:nvPr/>
-        </p:nvSpPr>
+        </p:nvPicPr>
+        <p:blipFill>
+          <a:blip r:embed="rId4"/>
+          <a:stretch>
+            <a:fillRect/>
+          </a:stretch>
+        </p:blipFill>
         <p:spPr>
           <a:xfrm>
-            <a:off x="4399410" y="2967335"/>
-            <a:ext cx="4884072" cy="461665"/>
+            <a:off x="431366" y="965186"/>
+            <a:ext cx="4015302" cy="2624681"/>
           </a:xfrm>
           <a:prstGeom prst="rect">
             <a:avLst/>
           </a:prstGeom>
-          <a:noFill/>
+          <a:effectLst>
+            <a:softEdge rad="279400"/>
+          </a:effectLst>
         </p:spPr>
-        <p:txBody>
-          <a:bodyPr wrap="square" rtlCol="0">
-            <a:spAutoFit/>
-          </a:bodyPr>
-          <a:lstStyle/>
-          <a:p>
-            <a:r>
-              <a:rPr lang="ko-KR" altLang="en-US" sz="2400" dirty="0">
-                <a:solidFill>
-                  <a:schemeClr val="tx1">
-                    <a:lumMod val="75000"/>
-                    <a:lumOff val="25000"/>
-                  </a:schemeClr>
-                </a:solidFill>
-                <a:latin typeface="나눔스퀘어 Bold"/>
-                <a:ea typeface="나눔스퀘어" panose="020B0600000101010101"/>
-              </a:rPr>
-              <a:t>개발된 이미지 </a:t>
-            </a:r>
-            <a:r>
-              <a:rPr lang="ko-KR" altLang="en-US" sz="2400" dirty="0" err="1">
-                <a:solidFill>
-                  <a:schemeClr val="tx1">
-                    <a:lumMod val="75000"/>
-                    <a:lumOff val="25000"/>
-                  </a:schemeClr>
-                </a:solidFill>
-                <a:latin typeface="나눔스퀘어 Bold"/>
-                <a:ea typeface="나눔스퀘어" panose="020B0600000101010101"/>
-              </a:rPr>
-              <a:t>넣어야함</a:t>
-            </a:r>
-            <a:endParaRPr lang="ko-KR" altLang="en-US" sz="2400" dirty="0">
-              <a:solidFill>
-                <a:schemeClr val="tx1">
-                  <a:lumMod val="75000"/>
-                  <a:lumOff val="25000"/>
-                </a:schemeClr>
-              </a:solidFill>
-              <a:latin typeface="나눔스퀘어 Bold"/>
-              <a:ea typeface="나눔스퀘어" panose="020B0600000101010101"/>
-            </a:endParaRPr>
-          </a:p>
-        </p:txBody>
-      </p:sp>
+      </p:pic>
+      <p:pic>
+        <p:nvPicPr>
+          <p:cNvPr id="9" name="그림 8">
+            <a:extLst>
+              <a:ext uri="{FF2B5EF4-FFF2-40B4-BE49-F238E27FC236}">
+                <a16:creationId xmlns:a16="http://schemas.microsoft.com/office/drawing/2014/main" id="{88564FF0-4024-5869-F56F-A6D3DDACB980}"/>
+              </a:ext>
+            </a:extLst>
+          </p:cNvPr>
+          <p:cNvPicPr>
+            <a:picLocks noChangeAspect="1"/>
+          </p:cNvPicPr>
+          <p:nvPr/>
+        </p:nvPicPr>
+        <p:blipFill>
+          <a:blip r:embed="rId5"/>
+          <a:stretch>
+            <a:fillRect/>
+          </a:stretch>
+        </p:blipFill>
+        <p:spPr>
+          <a:xfrm>
+            <a:off x="4446668" y="965186"/>
+            <a:ext cx="3845230" cy="2463814"/>
+          </a:xfrm>
+          <a:prstGeom prst="rect">
+            <a:avLst/>
+          </a:prstGeom>
+          <a:effectLst>
+            <a:softEdge rad="241300"/>
+          </a:effectLst>
+        </p:spPr>
+      </p:pic>
     </p:spTree>
     <p:extLst>
       <p:ext uri="{BB962C8B-B14F-4D97-AF65-F5344CB8AC3E}">

--- a/Graduation_Document/중간발표.pptx
+++ b/Graduation_Document/중간발표.pptx
@@ -229,7 +229,7 @@
           <a:p>
             <a:fld id="{C405262D-9A33-490D-AFB5-364B278FF2C3}" type="datetimeFigureOut">
               <a:rPr lang="ko-KR" altLang="en-US" smtClean="0"/>
-              <a:t>2023-05-01</a:t>
+              <a:t>2023-05-02</a:t>
             </a:fld>
             <a:endParaRPr lang="ko-KR" altLang="en-US"/>
           </a:p>
@@ -2413,7 +2413,7 @@
           <a:p>
             <a:fld id="{99B5A1BB-01A0-4E13-AB60-2010C482C94A}" type="datetime1">
               <a:rPr lang="ko-KR" altLang="en-US" smtClean="0"/>
-              <a:t>2023-05-01</a:t>
+              <a:t>2023-05-02</a:t>
             </a:fld>
             <a:endParaRPr lang="ko-KR" altLang="en-US"/>
           </a:p>
@@ -2593,7 +2593,7 @@
           <a:p>
             <a:fld id="{3626A138-43F2-4459-87AF-C7DC2AFC11E6}" type="datetime1">
               <a:rPr lang="ko-KR" altLang="en-US" smtClean="0"/>
-              <a:t>2023-05-01</a:t>
+              <a:t>2023-05-02</a:t>
             </a:fld>
             <a:endParaRPr lang="ko-KR" altLang="en-US"/>
           </a:p>
@@ -2783,7 +2783,7 @@
           <a:p>
             <a:fld id="{020A87C7-16FD-4042-AA89-3405290F2952}" type="datetime1">
               <a:rPr lang="ko-KR" altLang="en-US" smtClean="0"/>
-              <a:t>2023-05-01</a:t>
+              <a:t>2023-05-02</a:t>
             </a:fld>
             <a:endParaRPr lang="ko-KR" altLang="en-US"/>
           </a:p>
@@ -2963,7 +2963,7 @@
           <a:p>
             <a:fld id="{22BDC9FE-EE5C-4EE2-A735-5991D188CC45}" type="datetime1">
               <a:rPr lang="ko-KR" altLang="en-US" smtClean="0"/>
-              <a:t>2023-05-01</a:t>
+              <a:t>2023-05-02</a:t>
             </a:fld>
             <a:endParaRPr lang="ko-KR" altLang="en-US"/>
           </a:p>
@@ -3220,7 +3220,7 @@
           <a:p>
             <a:fld id="{47020049-8D63-4421-A943-35CFDFC29001}" type="datetime1">
               <a:rPr lang="ko-KR" altLang="en-US" smtClean="0"/>
-              <a:t>2023-05-01</a:t>
+              <a:t>2023-05-02</a:t>
             </a:fld>
             <a:endParaRPr lang="ko-KR" altLang="en-US"/>
           </a:p>
@@ -3461,7 +3461,7 @@
           <a:p>
             <a:fld id="{B2F2C417-FA3B-47DB-8CB2-8AF2B1819A1F}" type="datetime1">
               <a:rPr lang="ko-KR" altLang="en-US" smtClean="0"/>
-              <a:t>2023-05-01</a:t>
+              <a:t>2023-05-02</a:t>
             </a:fld>
             <a:endParaRPr lang="ko-KR" altLang="en-US"/>
           </a:p>
@@ -3837,7 +3837,7 @@
           <a:p>
             <a:fld id="{89581AA9-EAC1-4AA1-A928-03B2B66DC095}" type="datetime1">
               <a:rPr lang="ko-KR" altLang="en-US" smtClean="0"/>
-              <a:t>2023-05-01</a:t>
+              <a:t>2023-05-02</a:t>
             </a:fld>
             <a:endParaRPr lang="ko-KR" altLang="en-US"/>
           </a:p>
@@ -3966,7 +3966,7 @@
           <a:p>
             <a:fld id="{B3DF8867-D19B-4012-B99D-21AE89F20BDE}" type="datetime1">
               <a:rPr lang="ko-KR" altLang="en-US" smtClean="0"/>
-              <a:t>2023-05-01</a:t>
+              <a:t>2023-05-02</a:t>
             </a:fld>
             <a:endParaRPr lang="ko-KR" altLang="en-US"/>
           </a:p>
@@ -4073,7 +4073,7 @@
           <a:p>
             <a:fld id="{429D6B8F-C401-418C-B4AF-5BA2889D52D8}" type="datetime1">
               <a:rPr lang="ko-KR" altLang="en-US" smtClean="0"/>
-              <a:t>2023-05-01</a:t>
+              <a:t>2023-05-02</a:t>
             </a:fld>
             <a:endParaRPr lang="ko-KR" altLang="en-US"/>
           </a:p>
@@ -4360,7 +4360,7 @@
           <a:p>
             <a:fld id="{917D37D1-B9DE-4AE8-A483-453A3E03C152}" type="datetime1">
               <a:rPr lang="ko-KR" altLang="en-US" smtClean="0"/>
-              <a:t>2023-05-01</a:t>
+              <a:t>2023-05-02</a:t>
             </a:fld>
             <a:endParaRPr lang="ko-KR" altLang="en-US"/>
           </a:p>
@@ -4624,7 +4624,7 @@
           <a:p>
             <a:fld id="{9F8E9D1C-8873-4006-A4C2-C33A2E30CA49}" type="datetime1">
               <a:rPr lang="ko-KR" altLang="en-US" smtClean="0"/>
-              <a:t>2023-05-01</a:t>
+              <a:t>2023-05-02</a:t>
             </a:fld>
             <a:endParaRPr lang="ko-KR" altLang="en-US"/>
           </a:p>
@@ -4847,7 +4847,7 @@
           <a:p>
             <a:fld id="{B8CDD5A3-E935-400C-8A47-51830BB4751B}" type="datetime1">
               <a:rPr lang="ko-KR" altLang="en-US" smtClean="0"/>
-              <a:t>2023-05-01</a:t>
+              <a:t>2023-05-02</a:t>
             </a:fld>
             <a:endParaRPr lang="ko-KR" altLang="en-US"/>
           </a:p>
@@ -12288,8 +12288,8 @@
         </p:blipFill>
         <p:spPr bwMode="auto">
           <a:xfrm>
-            <a:off x="6671733" y="0"/>
-            <a:ext cx="5520267" cy="6857990"/>
+            <a:off x="6671733" y="791882"/>
+            <a:ext cx="5520267" cy="6066108"/>
           </a:xfrm>
           <a:custGeom>
             <a:avLst/>
@@ -13908,7 +13908,7 @@
         </p:nvSpPr>
         <p:spPr>
           <a:xfrm>
-            <a:off x="6096000" y="2123026"/>
+            <a:off x="6671733" y="2285774"/>
             <a:ext cx="3029997" cy="369332"/>
           </a:xfrm>
           <a:prstGeom prst="rect">
@@ -13962,7 +13962,7 @@
         </p:nvSpPr>
         <p:spPr>
           <a:xfrm>
-            <a:off x="6128786" y="1757473"/>
+            <a:off x="6704519" y="1920221"/>
             <a:ext cx="665567" cy="426142"/>
           </a:xfrm>
           <a:prstGeom prst="rect">
@@ -14071,7 +14071,7 @@
         </p:nvSpPr>
         <p:spPr>
           <a:xfrm>
-            <a:off x="6161572" y="3059668"/>
+            <a:off x="6737305" y="3222416"/>
             <a:ext cx="1508746" cy="369332"/>
           </a:xfrm>
           <a:prstGeom prst="rect">
@@ -14131,7 +14131,7 @@
         </p:nvSpPr>
         <p:spPr>
           <a:xfrm>
-            <a:off x="6161572" y="2694115"/>
+            <a:off x="6737305" y="2856863"/>
             <a:ext cx="1332416" cy="414024"/>
           </a:xfrm>
           <a:prstGeom prst="rect">
@@ -14203,7 +14203,7 @@
         </p:nvSpPr>
         <p:spPr>
           <a:xfrm>
-            <a:off x="6194358" y="3996310"/>
+            <a:off x="6770091" y="4159058"/>
             <a:ext cx="3130986" cy="369332"/>
           </a:xfrm>
           <a:prstGeom prst="rect">
@@ -14302,7 +14302,7 @@
         </p:nvSpPr>
         <p:spPr>
           <a:xfrm>
-            <a:off x="6194358" y="3630757"/>
+            <a:off x="6770091" y="3793505"/>
             <a:ext cx="1404552" cy="414024"/>
           </a:xfrm>
           <a:prstGeom prst="rect">
@@ -14408,6 +14408,39 @@
           </a:p>
         </p:txBody>
       </p:sp>
+      <p:pic>
+        <p:nvPicPr>
+          <p:cNvPr id="3" name="그림 2">
+            <a:extLst>
+              <a:ext uri="{FF2B5EF4-FFF2-40B4-BE49-F238E27FC236}">
+                <a16:creationId xmlns:a16="http://schemas.microsoft.com/office/drawing/2014/main" id="{2ACF1A0E-B498-CD57-91A5-4FB21FB670B4}"/>
+              </a:ext>
+            </a:extLst>
+          </p:cNvPr>
+          <p:cNvPicPr>
+            <a:picLocks noChangeAspect="1"/>
+          </p:cNvPicPr>
+          <p:nvPr/>
+        </p:nvPicPr>
+        <p:blipFill>
+          <a:blip r:embed="rId4"/>
+          <a:stretch>
+            <a:fillRect/>
+          </a:stretch>
+        </p:blipFill>
+        <p:spPr>
+          <a:xfrm>
+            <a:off x="650729" y="1556295"/>
+            <a:ext cx="5405315" cy="3533290"/>
+          </a:xfrm>
+          <a:prstGeom prst="rect">
+            <a:avLst/>
+          </a:prstGeom>
+          <a:effectLst>
+            <a:softEdge rad="279400"/>
+          </a:effectLst>
+        </p:spPr>
+      </p:pic>
     </p:spTree>
     <p:extLst>
       <p:ext uri="{BB962C8B-B14F-4D97-AF65-F5344CB8AC3E}">
@@ -17416,6 +17449,7 @@
         </p:nvPicPr>
         <p:blipFill>
           <a:blip r:embed="rId4">
+            <a:alphaModFix amt="80000"/>
             <a:extLst>
               <a:ext uri="{28A0092B-C50C-407E-A947-70E740481C1C}">
                 <a14:useLocalDpi xmlns:a14="http://schemas.microsoft.com/office/drawing/2010/main" val="0"/>
@@ -19012,13 +19046,13 @@
           <p:nvPr>
             <p:extLst>
               <p:ext uri="{D42A27DB-BD31-4B8C-83A1-F6EECF244321}">
-                <p14:modId xmlns:p14="http://schemas.microsoft.com/office/powerpoint/2010/main" val="1402501020"/>
+                <p14:modId xmlns:p14="http://schemas.microsoft.com/office/powerpoint/2010/main" val="3310307882"/>
               </p:ext>
             </p:extLst>
           </p:nvPr>
         </p:nvGraphicFramePr>
         <p:xfrm>
-          <a:off x="284047" y="1261595"/>
+          <a:off x="295336" y="1261595"/>
           <a:ext cx="11563920" cy="4334799"/>
         </p:xfrm>
         <a:graphic>
@@ -19831,13 +19865,13 @@
           <p:nvPr>
             <p:extLst>
               <p:ext uri="{D42A27DB-BD31-4B8C-83A1-F6EECF244321}">
-                <p14:modId xmlns:p14="http://schemas.microsoft.com/office/powerpoint/2010/main" val="1674406016"/>
+                <p14:modId xmlns:p14="http://schemas.microsoft.com/office/powerpoint/2010/main" val="2237526939"/>
               </p:ext>
             </p:extLst>
           </p:nvPr>
         </p:nvGraphicFramePr>
         <p:xfrm>
-          <a:off x="314040" y="1261595"/>
+          <a:off x="291462" y="1261595"/>
           <a:ext cx="11563920" cy="4334799"/>
         </p:xfrm>
         <a:graphic>

--- a/Graduation_Document/중간발표.pptx
+++ b/Graduation_Document/중간발표.pptx
@@ -550,7 +550,7 @@
             </a:r>
             <a:r>
               <a:rPr lang="ko-KR" altLang="en-US" dirty="0"/>
-              <a:t>팀의 기획 발표를 시작하겠습니다</a:t>
+              <a:t>팀 중간발표 시작하겠습니다</a:t>
             </a:r>
             <a:r>
               <a:rPr lang="en-US" altLang="ko-KR" dirty="0"/>
@@ -571,15 +571,7 @@
             </a:r>
             <a:r>
               <a:rPr lang="ko-KR" altLang="en-US" dirty="0"/>
-              <a:t> </a:t>
-            </a:r>
-            <a:r>
-              <a:rPr lang="ko-KR" altLang="en-US" dirty="0" err="1"/>
-              <a:t>황석주</a:t>
-            </a:r>
-            <a:r>
-              <a:rPr lang="ko-KR" altLang="en-US" dirty="0"/>
-              <a:t> 입니다</a:t>
+              <a:t> 김우빈 입니다</a:t>
             </a:r>
             <a:r>
               <a:rPr lang="en-US" altLang="ko-KR" dirty="0"/>
@@ -668,10 +660,17 @@
           <a:bodyPr/>
           <a:lstStyle/>
           <a:p>
-            <a:pPr marL="228600" indent="-228600">
-              <a:buAutoNum type="alphaUcPeriod"/>
+            <a:pPr marL="0" indent="0">
+              <a:buNone/>
             </a:pPr>
-            <a:endParaRPr lang="en-US" altLang="ko-KR" dirty="0"/>
+            <a:r>
+              <a:rPr lang="ko-KR" altLang="en-US" dirty="0"/>
+              <a:t>다음은 중간발표까지의 서버 개발 내용입니다</a:t>
+            </a:r>
+            <a:r>
+              <a:rPr lang="en-US" altLang="ko-KR" dirty="0"/>
+              <a:t>.</a:t>
+            </a:r>
           </a:p>
         </p:txBody>
       </p:sp>
@@ -755,10 +754,92 @@
           <a:bodyPr/>
           <a:lstStyle/>
           <a:p>
-            <a:pPr marL="228600" indent="-228600">
-              <a:buAutoNum type="alphaUcPeriod"/>
+            <a:pPr marL="0" indent="0">
+              <a:buNone/>
+            </a:pPr>
+            <a:r>
+              <a:rPr lang="ko-KR" altLang="en-US" dirty="0"/>
+              <a:t>지금까지 개발하면서 발견한 문제점들입니다</a:t>
+            </a:r>
+            <a:r>
+              <a:rPr lang="en-US" altLang="ko-KR" dirty="0"/>
+              <a:t>.</a:t>
+            </a:r>
+          </a:p>
+          <a:p>
+            <a:pPr marL="0" indent="0">
+              <a:buNone/>
             </a:pPr>
             <a:endParaRPr lang="en-US" altLang="ko-KR" dirty="0"/>
+          </a:p>
+          <a:p>
+            <a:pPr marL="0" indent="0">
+              <a:buNone/>
+            </a:pPr>
+            <a:r>
+              <a:rPr lang="ko-KR" altLang="en-US" dirty="0"/>
+              <a:t>가장 중요하고 빠른 시일내에 고쳐야 한다고 보는 문제점은 클라이언트 부분의 </a:t>
+            </a:r>
+            <a:r>
+              <a:rPr lang="en-US" altLang="ko-KR" dirty="0"/>
+              <a:t>1</a:t>
+            </a:r>
+            <a:r>
+              <a:rPr lang="ko-KR" altLang="en-US" dirty="0"/>
+              <a:t>번 문제점입니다</a:t>
+            </a:r>
+            <a:r>
+              <a:rPr lang="en-US" altLang="ko-KR" dirty="0"/>
+              <a:t>.</a:t>
+            </a:r>
+          </a:p>
+          <a:p>
+            <a:pPr marL="0" indent="0">
+              <a:buNone/>
+            </a:pPr>
+            <a:r>
+              <a:rPr lang="ko-KR" altLang="en-US" dirty="0"/>
+              <a:t>해당 부분은 애니메이션 </a:t>
+            </a:r>
+            <a:r>
+              <a:rPr lang="ko-KR" altLang="en-US" dirty="0" err="1"/>
+              <a:t>블렌딩을</a:t>
+            </a:r>
+            <a:r>
+              <a:rPr lang="ko-KR" altLang="en-US" dirty="0"/>
+              <a:t> 통해 해결 하기로 하였으며 일정표상 </a:t>
+            </a:r>
+            <a:r>
+              <a:rPr lang="en-US" altLang="ko-KR" dirty="0"/>
+              <a:t>5</a:t>
+            </a:r>
+            <a:r>
+              <a:rPr lang="ko-KR" altLang="en-US" dirty="0"/>
+              <a:t>월중으로 해결하도록 하겠습니다</a:t>
+            </a:r>
+            <a:r>
+              <a:rPr lang="en-US" altLang="ko-KR" dirty="0"/>
+              <a:t>.</a:t>
+            </a:r>
+          </a:p>
+          <a:p>
+            <a:pPr marL="0" indent="0">
+              <a:buNone/>
+            </a:pPr>
+            <a:endParaRPr lang="en-US" altLang="ko-KR" dirty="0"/>
+          </a:p>
+          <a:p>
+            <a:pPr marL="0" indent="0">
+              <a:buNone/>
+            </a:pPr>
+            <a:r>
+              <a:rPr lang="ko-KR" altLang="en-US" dirty="0"/>
+              <a:t>등등</a:t>
+            </a:r>
+            <a:r>
+              <a:rPr lang="en-US" altLang="ko-KR" dirty="0"/>
+              <a:t>~~</a:t>
+            </a:r>
           </a:p>
         </p:txBody>
       </p:sp>
@@ -844,7 +925,7 @@
           <a:p>
             <a:r>
               <a:rPr lang="ko-KR" altLang="en-US" dirty="0"/>
-              <a:t>역할 분담 및 일정은 이렇게 됩니다</a:t>
+              <a:t>다음은 지금까지의 진행 현황입니다</a:t>
             </a:r>
             <a:r>
               <a:rPr lang="en-US" altLang="ko-KR" dirty="0"/>
@@ -857,36 +938,95 @@
           <a:p>
             <a:r>
               <a:rPr lang="ko-KR" altLang="en-US" dirty="0"/>
-              <a:t>중간 발표에는 서버와 데이터베이스 연동을 하고</a:t>
+              <a:t>지도교수님의 지도 하에 기획발표때 정한 개발 일정을 어느정도 진행 하였으나 일부 기술적 요소의 경우 진행도가 조금 느린 부분이 있습니다</a:t>
+            </a:r>
+            <a:r>
+              <a:rPr lang="en-US" altLang="ko-KR" dirty="0"/>
+              <a:t>.</a:t>
+            </a:r>
+          </a:p>
+          <a:p>
+            <a:endParaRPr lang="en-US" altLang="ko-KR" dirty="0"/>
+          </a:p>
+          <a:p>
+            <a:r>
+              <a:rPr lang="ko-KR" altLang="en-US" dirty="0"/>
+              <a:t>그 외 캐릭터</a:t>
             </a:r>
             <a:r>
               <a:rPr lang="en-US" altLang="ko-KR" dirty="0"/>
               <a:t>, </a:t>
             </a:r>
-          </a:p>
-          <a:p>
+            <a:r>
+              <a:rPr lang="ko-KR" altLang="en-US" dirty="0"/>
+              <a:t>지형</a:t>
+            </a:r>
             <a:r>
               <a:rPr lang="en-US" altLang="ko-KR" dirty="0"/>
-              <a:t> </a:t>
-            </a:r>
-          </a:p>
-          <a:p>
+              <a:t>, </a:t>
+            </a:r>
+            <a:r>
+              <a:rPr lang="ko-KR" altLang="en-US" dirty="0" err="1"/>
+              <a:t>맵은</a:t>
+            </a:r>
             <a:r>
               <a:rPr lang="ko-KR" altLang="en-US" dirty="0"/>
-              <a:t>맵 안에서 캐릭터들이 </a:t>
-            </a:r>
-            <a:r>
-              <a:rPr lang="ko-KR" altLang="en-US" dirty="0" err="1"/>
-              <a:t>애니메이션되어</a:t>
+              <a:t> 전부 구현 완료 되었으며</a:t>
+            </a:r>
+            <a:r>
+              <a:rPr lang="en-US" altLang="ko-KR" dirty="0"/>
+              <a:t>, </a:t>
             </a:r>
             <a:r>
               <a:rPr lang="ko-KR" altLang="en-US" dirty="0"/>
-              <a:t> 움직일 수 있게 할 예정입니다</a:t>
+              <a:t>서버의 경우 </a:t>
             </a:r>
             <a:r>
               <a:rPr lang="en-US" altLang="ko-KR" dirty="0"/>
-              <a:t>. </a:t>
-            </a:r>
+              <a:t>DB</a:t>
+            </a:r>
+            <a:r>
+              <a:rPr lang="ko-KR" altLang="en-US" dirty="0"/>
+              <a:t>를 통하여 </a:t>
+            </a:r>
+            <a:r>
+              <a:rPr lang="en-US" altLang="ko-KR" dirty="0"/>
+              <a:t>id</a:t>
+            </a:r>
+            <a:r>
+              <a:rPr lang="ko-KR" altLang="en-US" dirty="0"/>
+              <a:t>생성</a:t>
+            </a:r>
+            <a:r>
+              <a:rPr lang="en-US" altLang="ko-KR" dirty="0"/>
+              <a:t>, </a:t>
+            </a:r>
+            <a:r>
+              <a:rPr lang="ko-KR" altLang="en-US" dirty="0"/>
+              <a:t>로그인</a:t>
+            </a:r>
+            <a:r>
+              <a:rPr lang="en-US" altLang="ko-KR" dirty="0"/>
+              <a:t>, </a:t>
+            </a:r>
+            <a:r>
+              <a:rPr lang="ko-KR" altLang="en-US" dirty="0"/>
+              <a:t>커스터마이징 정보 저장</a:t>
+            </a:r>
+            <a:r>
+              <a:rPr lang="en-US" altLang="ko-KR" dirty="0"/>
+              <a:t>, </a:t>
+            </a:r>
+            <a:r>
+              <a:rPr lang="ko-KR" altLang="en-US" dirty="0"/>
+              <a:t>로드가 가능하게 구현하였습니다</a:t>
+            </a:r>
+            <a:r>
+              <a:rPr lang="en-US" altLang="ko-KR" dirty="0"/>
+              <a:t>.</a:t>
+            </a:r>
+          </a:p>
+          <a:p>
             <a:endParaRPr lang="ko-KR" altLang="en-US" dirty="0"/>
           </a:p>
         </p:txBody>
@@ -973,7 +1113,7 @@
           <a:p>
             <a:r>
               <a:rPr lang="ko-KR" altLang="en-US" dirty="0"/>
-              <a:t>역할 분담 및 일정은 이렇게 됩니다</a:t>
+              <a:t>다음은 향후 개발 일정입니다</a:t>
             </a:r>
             <a:r>
               <a:rPr lang="en-US" altLang="ko-KR" dirty="0"/>
@@ -985,36 +1125,32 @@
           </a:p>
           <a:p>
             <a:r>
+              <a:rPr lang="en-US" altLang="ko-KR" dirty="0"/>
+              <a:t>SSAO</a:t>
+            </a:r>
+            <a:r>
               <a:rPr lang="ko-KR" altLang="en-US" dirty="0"/>
-              <a:t>중간 발표에는 서버와 데이터베이스 연동을 하고</a:t>
+              <a:t>와 </a:t>
             </a:r>
             <a:r>
               <a:rPr lang="en-US" altLang="ko-KR" dirty="0"/>
-              <a:t>, </a:t>
-            </a:r>
-          </a:p>
-          <a:p>
+              <a:t>PVS</a:t>
+            </a:r>
+            <a:r>
+              <a:rPr lang="ko-KR" altLang="en-US" dirty="0"/>
+              <a:t>의 경우 약간의 딜레이 된 부분을 </a:t>
+            </a:r>
             <a:r>
               <a:rPr lang="en-US" altLang="ko-KR" dirty="0"/>
-              <a:t> </a:t>
-            </a:r>
-          </a:p>
-          <a:p>
+              <a:t>5</a:t>
+            </a:r>
             <a:r>
               <a:rPr lang="ko-KR" altLang="en-US" dirty="0"/>
-              <a:t>맵 안에서 캐릭터들이 </a:t>
-            </a:r>
-            <a:r>
-              <a:rPr lang="ko-KR" altLang="en-US" dirty="0" err="1"/>
-              <a:t>애니메이션되어</a:t>
-            </a:r>
-            <a:r>
-              <a:rPr lang="ko-KR" altLang="en-US" dirty="0"/>
-              <a:t> 움직일 수 있게 할 예정입니다</a:t>
+              <a:t>월중으로 일정을 맞춰 개발하여 진행률을 맞추도록 하겠습니다</a:t>
             </a:r>
             <a:r>
               <a:rPr lang="en-US" altLang="ko-KR" dirty="0"/>
-              <a:t>. </a:t>
+              <a:t>.</a:t>
             </a:r>
             <a:endParaRPr lang="ko-KR" altLang="en-US" dirty="0"/>
           </a:p>
@@ -1100,9 +1236,17 @@
           <a:bodyPr/>
           <a:lstStyle/>
           <a:p>
-            <a:pPr marL="228600" indent="-228600">
-              <a:buAutoNum type="alphaUcPeriod"/>
+            <a:pPr marL="0" indent="0">
+              <a:buNone/>
             </a:pPr>
+            <a:r>
+              <a:rPr lang="ko-KR" altLang="en-US" dirty="0"/>
+              <a:t>이제 데모 시연하겠습니다</a:t>
+            </a:r>
+            <a:r>
+              <a:rPr lang="en-US" altLang="ko-KR"/>
+              <a:t>.</a:t>
+            </a:r>
             <a:endParaRPr lang="en-US" altLang="ko-KR" dirty="0"/>
           </a:p>
         </p:txBody>
@@ -1284,7 +1428,85 @@
           <a:p>
             <a:r>
               <a:rPr lang="ko-KR" altLang="en-US" dirty="0"/>
-              <a:t>저희 게임은 </a:t>
+              <a:t>간단하게 게임 소개 먼저 하겠습니다</a:t>
+            </a:r>
+            <a:r>
+              <a:rPr lang="en-US" altLang="ko-KR" dirty="0"/>
+              <a:t>.</a:t>
+            </a:r>
+          </a:p>
+          <a:p>
+            <a:endParaRPr lang="en-US" altLang="ko-KR" dirty="0"/>
+          </a:p>
+          <a:p>
+            <a:r>
+              <a:rPr lang="ko-KR" altLang="en-US" dirty="0"/>
+              <a:t>저희 게임의 장르는 협동</a:t>
+            </a:r>
+            <a:r>
+              <a:rPr lang="en-US" altLang="ko-KR" dirty="0"/>
+              <a:t>, </a:t>
+            </a:r>
+            <a:r>
+              <a:rPr lang="ko-KR" altLang="en-US" dirty="0"/>
+              <a:t>비대칭 서바이벌 게임이며 유사한 게임으로 </a:t>
+            </a:r>
+            <a:r>
+              <a:rPr lang="en-US" altLang="ko-KR" dirty="0"/>
+              <a:t>Dead By </a:t>
+            </a:r>
+            <a:r>
+              <a:rPr lang="en-US" altLang="ko-KR" dirty="0" err="1"/>
+              <a:t>DeadLight</a:t>
+            </a:r>
+            <a:r>
+              <a:rPr lang="ko-KR" altLang="en-US" dirty="0"/>
+              <a:t>가 있습니다</a:t>
+            </a:r>
+            <a:r>
+              <a:rPr lang="en-US" altLang="ko-KR" dirty="0"/>
+              <a:t>.</a:t>
+            </a:r>
+          </a:p>
+          <a:p>
+            <a:endParaRPr lang="en-US" altLang="ko-KR" dirty="0"/>
+          </a:p>
+          <a:p>
+            <a:r>
+              <a:rPr lang="ko-KR" altLang="en-US" dirty="0"/>
+              <a:t>플레이타임은 </a:t>
+            </a:r>
+            <a:r>
+              <a:rPr lang="en-US" altLang="ko-KR" dirty="0"/>
+              <a:t>15</a:t>
+            </a:r>
+            <a:r>
+              <a:rPr lang="ko-KR" altLang="en-US" dirty="0"/>
+              <a:t>분</a:t>
+            </a:r>
+            <a:r>
+              <a:rPr lang="en-US" altLang="ko-KR" dirty="0"/>
+              <a:t>~24</a:t>
+            </a:r>
+            <a:r>
+              <a:rPr lang="ko-KR" altLang="en-US" dirty="0"/>
+              <a:t>분으로 잡았으며 플레이 인원은 술래</a:t>
+            </a:r>
+            <a:r>
+              <a:rPr lang="en-US" altLang="ko-KR" dirty="0"/>
+              <a:t>1</a:t>
+            </a:r>
+            <a:r>
+              <a:rPr lang="ko-KR" altLang="en-US" dirty="0"/>
+              <a:t>명</a:t>
+            </a:r>
+            <a:r>
+              <a:rPr lang="en-US" altLang="ko-KR" dirty="0"/>
+              <a:t>, </a:t>
+            </a:r>
+            <a:r>
+              <a:rPr lang="ko-KR" altLang="en-US" dirty="0"/>
+              <a:t>도망자 </a:t>
             </a:r>
             <a:r>
               <a:rPr lang="en-US" altLang="ko-KR" dirty="0"/>
@@ -1292,113 +1514,20 @@
             </a:r>
             <a:r>
               <a:rPr lang="ko-KR" altLang="en-US" dirty="0"/>
-              <a:t>명의 생존자와 </a:t>
+              <a:t>명 총 </a:t>
             </a:r>
             <a:r>
               <a:rPr lang="en-US" altLang="ko-KR" dirty="0"/>
-              <a:t>1</a:t>
+              <a:t>6</a:t>
             </a:r>
             <a:r>
               <a:rPr lang="ko-KR" altLang="en-US" dirty="0"/>
-              <a:t>명의 술래가 존재하는 협동</a:t>
-            </a:r>
-            <a:r>
-              <a:rPr lang="en-US" altLang="ko-KR" dirty="0"/>
-              <a:t>, </a:t>
-            </a:r>
-            <a:r>
-              <a:rPr lang="ko-KR" altLang="en-US" dirty="0"/>
-              <a:t>비대칭 서바이벌 게임입니다</a:t>
+              <a:t>명으로 이루어져 있습니다</a:t>
             </a:r>
             <a:r>
               <a:rPr lang="en-US" altLang="ko-KR" dirty="0"/>
               <a:t>.</a:t>
             </a:r>
-          </a:p>
-          <a:p>
-            <a:endParaRPr lang="en-US" altLang="ko-KR" dirty="0"/>
-          </a:p>
-          <a:p>
-            <a:r>
-              <a:rPr lang="en-US" altLang="ko-KR" dirty="0"/>
-              <a:t>6</a:t>
-            </a:r>
-            <a:r>
-              <a:rPr lang="ko-KR" altLang="en-US" dirty="0"/>
-              <a:t>개의 컨셉이 다른 방으로 구성된 </a:t>
-            </a:r>
-            <a:r>
-              <a:rPr lang="ko-KR" altLang="en-US" dirty="0" err="1"/>
-              <a:t>맵에서</a:t>
-            </a:r>
-            <a:r>
-              <a:rPr lang="ko-KR" altLang="en-US" dirty="0"/>
-              <a:t> 각 역할별로 주어진 미션을 수행하여 승리로 이끌어야 합니다</a:t>
-            </a:r>
-            <a:r>
-              <a:rPr lang="en-US" altLang="ko-KR" dirty="0"/>
-              <a:t>.</a:t>
-            </a:r>
-          </a:p>
-          <a:p>
-            <a:endParaRPr lang="en-US" altLang="ko-KR" dirty="0"/>
-          </a:p>
-          <a:p>
-            <a:r>
-              <a:rPr lang="ko-KR" altLang="en-US" dirty="0"/>
-              <a:t>게임 내 시간대는 저녁부터 </a:t>
-            </a:r>
-            <a:r>
-              <a:rPr lang="ko-KR" altLang="en-US" dirty="0" err="1"/>
-              <a:t>아침까지로</a:t>
-            </a:r>
-            <a:r>
-              <a:rPr lang="ko-KR" altLang="en-US" dirty="0"/>
-              <a:t> 실제 플레이 시간 </a:t>
-            </a:r>
-            <a:r>
-              <a:rPr lang="en-US" altLang="ko-KR" dirty="0"/>
-              <a:t>1</a:t>
-            </a:r>
-            <a:r>
-              <a:rPr lang="ko-KR" altLang="en-US" dirty="0"/>
-              <a:t>분 당 게임에서 </a:t>
-            </a:r>
-            <a:r>
-              <a:rPr lang="en-US" altLang="ko-KR" dirty="0"/>
-              <a:t>1</a:t>
-            </a:r>
-            <a:r>
-              <a:rPr lang="ko-KR" altLang="en-US" dirty="0"/>
-              <a:t>시간이 흐르게 됩니다</a:t>
-            </a:r>
-            <a:r>
-              <a:rPr lang="en-US" altLang="ko-KR" dirty="0"/>
-              <a:t>.</a:t>
-            </a:r>
-          </a:p>
-          <a:p>
-            <a:endParaRPr lang="en-US" altLang="ko-KR" dirty="0"/>
-          </a:p>
-          <a:p>
-            <a:r>
-              <a:rPr lang="ko-KR" altLang="en-US" dirty="0"/>
-              <a:t>그래픽 컨셉은 귀여운 </a:t>
-            </a:r>
-            <a:r>
-              <a:rPr lang="en-US" altLang="ko-KR" dirty="0"/>
-              <a:t>SD </a:t>
-            </a:r>
-            <a:r>
-              <a:rPr lang="ko-KR" altLang="en-US" dirty="0"/>
-              <a:t>캐릭터입니다</a:t>
-            </a:r>
-            <a:r>
-              <a:rPr lang="en-US" altLang="ko-KR" dirty="0"/>
-              <a:t>.</a:t>
-            </a:r>
-          </a:p>
-          <a:p>
             <a:endParaRPr lang="ko-KR" altLang="en-US" dirty="0"/>
           </a:p>
         </p:txBody>
@@ -1483,20 +1612,43 @@
           <a:bodyPr/>
           <a:lstStyle/>
           <a:p>
+            <a:r>
+              <a:rPr lang="ko-KR" altLang="en-US" dirty="0"/>
+              <a:t>다음은 게임 흐름도를 설명 드리겠습니다</a:t>
+            </a:r>
+            <a:r>
+              <a:rPr lang="en-US" altLang="ko-KR" dirty="0"/>
+              <a:t>.</a:t>
+            </a:r>
+          </a:p>
+          <a:p>
             <a:endParaRPr lang="en-US" altLang="ko-KR" dirty="0"/>
           </a:p>
           <a:p>
             <a:r>
               <a:rPr lang="ko-KR" altLang="en-US" dirty="0"/>
-              <a:t>저희 게임은 </a:t>
+              <a:t>우선 로그인을 하면 로비로 들어오게 됩니다</a:t>
             </a:r>
             <a:r>
               <a:rPr lang="en-US" altLang="ko-KR" dirty="0"/>
-              <a:t>5</a:t>
-            </a:r>
+              <a:t>.</a:t>
+            </a:r>
+          </a:p>
+          <a:p>
+            <a:endParaRPr lang="en-US" altLang="ko-KR" dirty="0"/>
+          </a:p>
+          <a:p>
             <a:r>
               <a:rPr lang="ko-KR" altLang="en-US" dirty="0"/>
-              <a:t>명의 생존자와 </a:t>
+              <a:t>로비에서 생성된 방을 선택하여 들어가며</a:t>
+            </a:r>
+            <a:r>
+              <a:rPr lang="en-US" altLang="ko-KR" dirty="0"/>
+              <a:t>, </a:t>
+            </a:r>
+            <a:r>
+              <a:rPr lang="ko-KR" altLang="en-US" dirty="0"/>
+              <a:t>게임이 시작되면 </a:t>
             </a:r>
             <a:r>
               <a:rPr lang="en-US" altLang="ko-KR" dirty="0"/>
@@ -1504,105 +1656,52 @@
             </a:r>
             <a:r>
               <a:rPr lang="ko-KR" altLang="en-US" dirty="0"/>
-              <a:t>명의 술래가 존재하는 협동</a:t>
+              <a:t>분 후 술래가 랜덤으로 결정됩니다</a:t>
+            </a:r>
+            <a:r>
+              <a:rPr lang="en-US" altLang="ko-KR" dirty="0"/>
+              <a:t>.</a:t>
+            </a:r>
+          </a:p>
+          <a:p>
+            <a:endParaRPr lang="en-US" altLang="ko-KR" dirty="0"/>
+          </a:p>
+          <a:p>
+            <a:r>
+              <a:rPr lang="ko-KR" altLang="en-US" dirty="0"/>
+              <a:t>술래가 결정 된 이후 생존자는 각 방에 숨겨져 있는 수리도구를 통해 전력장치를 수리</a:t>
             </a:r>
             <a:r>
               <a:rPr lang="en-US" altLang="ko-KR" dirty="0"/>
               <a:t>, </a:t>
             </a:r>
             <a:r>
+              <a:rPr lang="ko-KR" altLang="en-US" dirty="0" err="1"/>
+              <a:t>탈출해야하며</a:t>
+            </a:r>
+            <a:endParaRPr lang="en-US" altLang="ko-KR" dirty="0"/>
+          </a:p>
+          <a:p>
+            <a:r>
               <a:rPr lang="ko-KR" altLang="en-US" dirty="0"/>
-              <a:t>비대칭 서바이벌 게임입니다</a:t>
+              <a:t>술래는  생존자들이 탈출하지 못하게 방해</a:t>
+            </a:r>
+            <a:r>
+              <a:rPr lang="en-US" altLang="ko-KR" dirty="0"/>
+              <a:t>, </a:t>
+            </a:r>
+            <a:r>
+              <a:rPr lang="ko-KR" altLang="en-US" dirty="0"/>
+              <a:t>각 생존자가 가지고 있는 생명칩을 회수 </a:t>
+            </a:r>
+            <a:r>
+              <a:rPr lang="ko-KR" altLang="en-US" dirty="0" err="1"/>
+              <a:t>해야합니다</a:t>
             </a:r>
             <a:r>
               <a:rPr lang="en-US" altLang="ko-KR" dirty="0"/>
               <a:t>.</a:t>
             </a:r>
-          </a:p>
-          <a:p>
-            <a:endParaRPr lang="en-US" altLang="ko-KR" dirty="0"/>
-          </a:p>
-          <a:p>
-            <a:r>
-              <a:rPr lang="en-US" altLang="ko-KR" dirty="0"/>
-              <a:t>6</a:t>
-            </a:r>
-            <a:r>
-              <a:rPr lang="ko-KR" altLang="en-US" dirty="0"/>
-              <a:t>개의 컨셉이 다른 방으로 구성된 </a:t>
-            </a:r>
-            <a:r>
-              <a:rPr lang="ko-KR" altLang="en-US" dirty="0" err="1"/>
-              <a:t>맵에서</a:t>
-            </a:r>
-            <a:r>
-              <a:rPr lang="ko-KR" altLang="en-US" dirty="0"/>
-              <a:t> 각 역할별로 주어진 미션을 수행하여 승리로 이끌어야 합니다</a:t>
-            </a:r>
-            <a:r>
-              <a:rPr lang="en-US" altLang="ko-KR" dirty="0"/>
-              <a:t>.</a:t>
-            </a:r>
-          </a:p>
-          <a:p>
-            <a:endParaRPr lang="en-US" altLang="ko-KR" dirty="0"/>
-          </a:p>
-          <a:p>
-            <a:r>
-              <a:rPr lang="ko-KR" altLang="en-US" dirty="0"/>
-              <a:t>게임 내 시간대는 저녁부터 </a:t>
-            </a:r>
-            <a:r>
-              <a:rPr lang="ko-KR" altLang="en-US" dirty="0" err="1"/>
-              <a:t>아침까지로</a:t>
-            </a:r>
-            <a:r>
-              <a:rPr lang="ko-KR" altLang="en-US" dirty="0"/>
-              <a:t> 실제 플레이 시간 </a:t>
-            </a:r>
-            <a:r>
-              <a:rPr lang="en-US" altLang="ko-KR" dirty="0"/>
-              <a:t>1</a:t>
-            </a:r>
-            <a:r>
-              <a:rPr lang="ko-KR" altLang="en-US" dirty="0"/>
-              <a:t>분 당 게임에서 </a:t>
-            </a:r>
-            <a:r>
-              <a:rPr lang="en-US" altLang="ko-KR" dirty="0"/>
-              <a:t>1</a:t>
-            </a:r>
-            <a:r>
-              <a:rPr lang="ko-KR" altLang="en-US" dirty="0"/>
-              <a:t>시간이 흐르게 됩니다</a:t>
-            </a:r>
-            <a:r>
-              <a:rPr lang="en-US" altLang="ko-KR" dirty="0"/>
-              <a:t>.</a:t>
-            </a:r>
-          </a:p>
-          <a:p>
-            <a:endParaRPr lang="en-US" altLang="ko-KR" dirty="0"/>
-          </a:p>
-          <a:p>
-            <a:r>
-              <a:rPr lang="ko-KR" altLang="en-US" dirty="0"/>
-              <a:t>그래픽 컨셉은 귀여운 </a:t>
-            </a:r>
-            <a:r>
-              <a:rPr lang="en-US" altLang="ko-KR" dirty="0"/>
-              <a:t>SD </a:t>
-            </a:r>
-            <a:r>
-              <a:rPr lang="ko-KR" altLang="en-US" dirty="0"/>
-              <a:t>캐릭터입니다</a:t>
-            </a:r>
-            <a:r>
-              <a:rPr lang="en-US" altLang="ko-KR" dirty="0"/>
-              <a:t>.</a:t>
-            </a:r>
-          </a:p>
-          <a:p>
             <a:endParaRPr lang="ko-KR" altLang="en-US" dirty="0"/>
           </a:p>
         </p:txBody>
@@ -1706,7 +1805,7 @@
             </a:pPr>
             <a:r>
               <a:rPr lang="ko-KR" altLang="en-US" dirty="0"/>
-              <a:t>맵 전체 크기는 </a:t>
+              <a:t>저희 게임의 맵 전체 크기는 </a:t>
             </a:r>
             <a:r>
               <a:rPr lang="en-US" altLang="ko-KR" dirty="0"/>
@@ -2149,7 +2248,7 @@
           <a:p>
             <a:r>
               <a:rPr lang="ko-KR" altLang="en-US" dirty="0"/>
-              <a:t>기술적 요소 및 중점 연구 분야는 다음과 같습니다</a:t>
+              <a:t>역할 분담은 다음과 같습니다</a:t>
             </a:r>
             <a:r>
               <a:rPr lang="en-US" altLang="ko-KR" dirty="0"/>
@@ -2157,6 +2256,58 @@
             </a:r>
           </a:p>
           <a:p>
+            <a:endParaRPr lang="en-US" altLang="ko-KR" dirty="0"/>
+          </a:p>
+          <a:p>
+            <a:r>
+              <a:rPr lang="ko-KR" altLang="en-US" dirty="0"/>
+              <a:t>박동규</a:t>
+            </a:r>
+            <a:r>
+              <a:rPr lang="en-US" altLang="ko-KR" dirty="0"/>
+              <a:t>, </a:t>
+            </a:r>
+            <a:r>
+              <a:rPr lang="ko-KR" altLang="en-US" dirty="0" err="1"/>
+              <a:t>황석주</a:t>
+            </a:r>
+            <a:r>
+              <a:rPr lang="ko-KR" altLang="en-US" dirty="0"/>
+              <a:t> 학우가 클라이언트를 담당하며 메인 프레임워크는 박동규 학우가</a:t>
+            </a:r>
+            <a:r>
+              <a:rPr lang="en-US" altLang="ko-KR" dirty="0"/>
+              <a:t>, </a:t>
+            </a:r>
+            <a:r>
+              <a:rPr lang="ko-KR" altLang="en-US" dirty="0"/>
+              <a:t>그 외 애니메이션 등등 작업은 </a:t>
+            </a:r>
+            <a:r>
+              <a:rPr lang="ko-KR" altLang="en-US" dirty="0" err="1"/>
+              <a:t>황석주</a:t>
+            </a:r>
+            <a:r>
+              <a:rPr lang="ko-KR" altLang="en-US" dirty="0"/>
+              <a:t> 학우가 담당하였습니다</a:t>
+            </a:r>
+            <a:r>
+              <a:rPr lang="en-US" altLang="ko-KR" dirty="0"/>
+              <a:t>.</a:t>
+            </a:r>
+          </a:p>
+          <a:p>
+            <a:endParaRPr lang="en-US" altLang="ko-KR" dirty="0"/>
+          </a:p>
+          <a:p>
+            <a:r>
+              <a:rPr lang="ko-KR" altLang="en-US" dirty="0"/>
+              <a:t>서버의 경우 제가 담당하여 개발하고 있습니다</a:t>
+            </a:r>
+            <a:r>
+              <a:rPr lang="en-US" altLang="ko-KR" dirty="0"/>
+              <a:t>.</a:t>
+            </a:r>
             <a:endParaRPr lang="ko-KR" altLang="en-US" dirty="0"/>
           </a:p>
         </p:txBody>
@@ -2241,10 +2392,17 @@
           <a:bodyPr/>
           <a:lstStyle/>
           <a:p>
-            <a:pPr marL="228600" indent="-228600">
-              <a:buAutoNum type="alphaUcPeriod"/>
+            <a:pPr marL="0" indent="0">
+              <a:buNone/>
             </a:pPr>
-            <a:endParaRPr lang="en-US" altLang="ko-KR" dirty="0"/>
+            <a:r>
+              <a:rPr lang="ko-KR" altLang="en-US" dirty="0"/>
+              <a:t>다음은 중간발표까지의 클라이언트 개발 내용입니다</a:t>
+            </a:r>
+            <a:r>
+              <a:rPr lang="en-US" altLang="ko-KR" dirty="0"/>
+              <a:t>.</a:t>
+            </a:r>
           </a:p>
         </p:txBody>
       </p:sp>
@@ -19865,7 +20023,7 @@
           <p:nvPr>
             <p:extLst>
               <p:ext uri="{D42A27DB-BD31-4B8C-83A1-F6EECF244321}">
-                <p14:modId xmlns:p14="http://schemas.microsoft.com/office/powerpoint/2010/main" val="2237526939"/>
+                <p14:modId xmlns:p14="http://schemas.microsoft.com/office/powerpoint/2010/main" val="3914085415"/>
               </p:ext>
             </p:extLst>
           </p:nvPr>
@@ -20233,6 +20391,30 @@
                           <a:cs typeface="+mn-cs"/>
                         </a:rPr>
                         <a:t>연동</a:t>
+                      </a:r>
+                      <a:r>
+                        <a:rPr lang="en-US" altLang="ko-KR" sz="1800" b="1" i="0" kern="1200" dirty="0">
+                          <a:solidFill>
+                            <a:schemeClr val="dk1"/>
+                          </a:solidFill>
+                          <a:effectLst/>
+                          <a:latin typeface="+mn-lt"/>
+                          <a:ea typeface="+mn-ea"/>
+                          <a:cs typeface="+mn-cs"/>
+                        </a:rPr>
+                        <a:t>, </a:t>
+                      </a:r>
+                      <a:r>
+                        <a:rPr lang="ko-KR" altLang="en-US" sz="1800" b="1" i="0" kern="1200">
+                          <a:solidFill>
+                            <a:schemeClr val="dk1"/>
+                          </a:solidFill>
+                          <a:effectLst/>
+                          <a:latin typeface="+mn-lt"/>
+                          <a:ea typeface="+mn-ea"/>
+                          <a:cs typeface="+mn-cs"/>
+                        </a:rPr>
+                        <a:t>보이스 연동</a:t>
                       </a:r>
                       <a:endParaRPr lang="en-US" altLang="ko-KR" sz="1800" b="1" i="0" kern="1200" dirty="0">
                         <a:solidFill>

--- a/Graduation_Document/중간발표.pptx
+++ b/Graduation_Document/중간발표.pptx
@@ -665,7 +665,15 @@
             </a:pPr>
             <a:r>
               <a:rPr lang="ko-KR" altLang="en-US" dirty="0"/>
-              <a:t>다음은 중간발표까지의 서버 개발 내용입니다</a:t>
+              <a:t>다음은 중간발표까지의 서버의 </a:t>
+            </a:r>
+            <a:r>
+              <a:rPr lang="ko-KR" altLang="en-US" dirty="0" err="1"/>
+              <a:t>대락적</a:t>
+            </a:r>
+            <a:r>
+              <a:rPr lang="ko-KR" altLang="en-US" dirty="0"/>
+              <a:t> 구조와 개발 현황입니다</a:t>
             </a:r>
             <a:r>
               <a:rPr lang="en-US" altLang="ko-KR" dirty="0"/>
@@ -1244,10 +1252,9 @@
               <a:t>이제 데모 시연하겠습니다</a:t>
             </a:r>
             <a:r>
-              <a:rPr lang="en-US" altLang="ko-KR"/>
+              <a:rPr lang="en-US" altLang="ko-KR" dirty="0"/>
               <a:t>.</a:t>
             </a:r>
-            <a:endParaRPr lang="en-US" altLang="ko-KR" dirty="0"/>
           </a:p>
         </p:txBody>
       </p:sp>
@@ -7174,7 +7181,7 @@
         <p:spPr>
           <a:xfrm>
             <a:off x="516031" y="3955726"/>
-            <a:ext cx="11122813" cy="830997"/>
+            <a:ext cx="11122813" cy="1323439"/>
           </a:xfrm>
           <a:prstGeom prst="rect">
             <a:avLst/>
@@ -7389,6 +7396,132 @@
               <a:latin typeface="나눔스퀘어 Bold"/>
               <a:ea typeface="나눔스퀘어" panose="020B0600000101010101"/>
             </a:endParaRPr>
+          </a:p>
+          <a:p>
+            <a:pPr marL="285750" indent="-285750">
+              <a:buFontTx/>
+              <a:buChar char="-"/>
+            </a:pPr>
+            <a:endParaRPr lang="en-US" altLang="ko-KR" sz="1600" dirty="0">
+              <a:solidFill>
+                <a:schemeClr val="tx1">
+                  <a:lumMod val="75000"/>
+                  <a:lumOff val="25000"/>
+                </a:schemeClr>
+              </a:solidFill>
+              <a:latin typeface="나눔스퀘어 Bold"/>
+              <a:ea typeface="나눔스퀘어" panose="020B0600000101010101"/>
+            </a:endParaRPr>
+          </a:p>
+          <a:p>
+            <a:pPr marL="285750" indent="-285750">
+              <a:buFontTx/>
+              <a:buChar char="-"/>
+            </a:pPr>
+            <a:r>
+              <a:rPr lang="ko-KR" altLang="en-US" sz="1600" dirty="0">
+                <a:solidFill>
+                  <a:schemeClr val="tx1">
+                    <a:lumMod val="75000"/>
+                    <a:lumOff val="25000"/>
+                  </a:schemeClr>
+                </a:solidFill>
+                <a:latin typeface="나눔스퀘어 Bold"/>
+                <a:ea typeface="나눔스퀘어" panose="020B0600000101010101"/>
+              </a:rPr>
+              <a:t>충돌 처리 </a:t>
+            </a:r>
+            <a:r>
+              <a:rPr lang="ko-KR" altLang="en-US" sz="1600" dirty="0" err="1">
+                <a:solidFill>
+                  <a:schemeClr val="tx1">
+                    <a:lumMod val="75000"/>
+                    <a:lumOff val="25000"/>
+                  </a:schemeClr>
+                </a:solidFill>
+                <a:latin typeface="나눔스퀘어 Bold"/>
+                <a:ea typeface="나눔스퀘어" panose="020B0600000101010101"/>
+              </a:rPr>
+              <a:t>연산시</a:t>
+            </a:r>
+            <a:r>
+              <a:rPr lang="ko-KR" altLang="en-US" sz="1600" dirty="0">
+                <a:solidFill>
+                  <a:schemeClr val="tx1">
+                    <a:lumMod val="75000"/>
+                    <a:lumOff val="25000"/>
+                  </a:schemeClr>
+                </a:solidFill>
+                <a:latin typeface="나눔스퀘어 Bold"/>
+                <a:ea typeface="나눔스퀘어" panose="020B0600000101010101"/>
+              </a:rPr>
+              <a:t> 부하를 더 줄일 수 </a:t>
+            </a:r>
+            <a:r>
+              <a:rPr lang="ko-KR" altLang="en-US" sz="1600" dirty="0" err="1">
+                <a:solidFill>
+                  <a:schemeClr val="tx1">
+                    <a:lumMod val="75000"/>
+                    <a:lumOff val="25000"/>
+                  </a:schemeClr>
+                </a:solidFill>
+                <a:latin typeface="나눔스퀘어 Bold"/>
+                <a:ea typeface="나눔스퀘어" panose="020B0600000101010101"/>
+              </a:rPr>
+              <a:t>있을거라</a:t>
+            </a:r>
+            <a:r>
+              <a:rPr lang="ko-KR" altLang="en-US" sz="1600" dirty="0">
+                <a:solidFill>
+                  <a:schemeClr val="tx1">
+                    <a:lumMod val="75000"/>
+                    <a:lumOff val="25000"/>
+                  </a:schemeClr>
+                </a:solidFill>
+                <a:latin typeface="나눔스퀘어 Bold"/>
+                <a:ea typeface="나눔스퀘어" panose="020B0600000101010101"/>
+              </a:rPr>
+              <a:t> 보고 있음 </a:t>
+            </a:r>
+            <a:r>
+              <a:rPr lang="en-US" altLang="ko-KR" sz="1600" dirty="0">
+                <a:solidFill>
+                  <a:schemeClr val="tx1">
+                    <a:lumMod val="75000"/>
+                    <a:lumOff val="25000"/>
+                  </a:schemeClr>
+                </a:solidFill>
+                <a:latin typeface="나눔스퀘어 Bold"/>
+                <a:ea typeface="나눔스퀘어" panose="020B0600000101010101"/>
+              </a:rPr>
+              <a:t>-&gt; </a:t>
+            </a:r>
+            <a:r>
+              <a:rPr lang="ko-KR" altLang="en-US" sz="1600" dirty="0">
+                <a:solidFill>
+                  <a:schemeClr val="tx1">
+                    <a:lumMod val="75000"/>
+                    <a:lumOff val="25000"/>
+                  </a:schemeClr>
+                </a:solidFill>
+                <a:latin typeface="나눔스퀘어 Bold"/>
+                <a:ea typeface="나눔스퀘어" panose="020B0600000101010101"/>
+              </a:rPr>
+              <a:t>해당부분 개선 하겠습니다</a:t>
+            </a:r>
+            <a:r>
+              <a:rPr lang="en-US" altLang="ko-KR" sz="1600" dirty="0">
+                <a:solidFill>
+                  <a:schemeClr val="tx1">
+                    <a:lumMod val="75000"/>
+                    <a:lumOff val="25000"/>
+                  </a:schemeClr>
+                </a:solidFill>
+                <a:latin typeface="나눔스퀘어 Bold"/>
+                <a:ea typeface="나눔스퀘어" panose="020B0600000101010101"/>
+              </a:rPr>
+              <a:t>.</a:t>
+            </a:r>
           </a:p>
         </p:txBody>
       </p:sp>
@@ -7721,7 +7854,7 @@
           <p:nvPr>
             <p:extLst>
               <p:ext uri="{D42A27DB-BD31-4B8C-83A1-F6EECF244321}">
-                <p14:modId xmlns:p14="http://schemas.microsoft.com/office/powerpoint/2010/main" val="2073633626"/>
+                <p14:modId xmlns:p14="http://schemas.microsoft.com/office/powerpoint/2010/main" val="1838896179"/>
               </p:ext>
             </p:extLst>
           </p:nvPr>
@@ -14963,7 +15096,7 @@
         </p:nvSpPr>
         <p:spPr>
           <a:xfrm>
-            <a:off x="5187289" y="1393292"/>
+            <a:off x="5470695" y="2055077"/>
             <a:ext cx="1189749" cy="369332"/>
           </a:xfrm>
           <a:prstGeom prst="rect">
@@ -15039,7 +15172,7 @@
         </p:nvSpPr>
         <p:spPr>
           <a:xfrm>
-            <a:off x="4222280" y="2040962"/>
+            <a:off x="4524827" y="2904668"/>
             <a:ext cx="3119765" cy="369332"/>
           </a:xfrm>
           <a:prstGeom prst="rect">
@@ -15117,7 +15250,7 @@
         </p:nvSpPr>
         <p:spPr>
           <a:xfrm>
-            <a:off x="4800166" y="767622"/>
+            <a:off x="5083569" y="1247948"/>
             <a:ext cx="1964000" cy="369332"/>
           </a:xfrm>
           <a:prstGeom prst="rect">
@@ -15156,7 +15289,7 @@
         </p:nvSpPr>
         <p:spPr>
           <a:xfrm>
-            <a:off x="0" y="2789133"/>
+            <a:off x="210666" y="4261177"/>
             <a:ext cx="5743656" cy="646331"/>
           </a:xfrm>
           <a:prstGeom prst="rect">
@@ -15201,83 +15334,6 @@
                 <a:ea typeface="나눔스퀘어 ExtraBold" panose="020B0600000101010101" pitchFamily="50" charset="-127"/>
               </a:rPr>
               <a:t>술래를 피해 전력장치를 수리하여 탈출</a:t>
-            </a:r>
-          </a:p>
-        </p:txBody>
-      </p:sp>
-      <p:sp>
-        <p:nvSpPr>
-          <p:cNvPr id="12" name="TextBox 11">
-            <a:extLst>
-              <a:ext uri="{FF2B5EF4-FFF2-40B4-BE49-F238E27FC236}">
-                <a16:creationId xmlns:a16="http://schemas.microsoft.com/office/drawing/2014/main" id="{79698DF2-A0A1-903D-07E8-C5CA29BD0E2F}"/>
-              </a:ext>
-            </a:extLst>
-          </p:cNvPr>
-          <p:cNvSpPr txBox="1"/>
-          <p:nvPr/>
-        </p:nvSpPr>
-        <p:spPr>
-          <a:xfrm>
-            <a:off x="6448346" y="2793627"/>
-            <a:ext cx="5743656" cy="923330"/>
-          </a:xfrm>
-          <a:prstGeom prst="rect">
-            <a:avLst/>
-          </a:prstGeom>
-          <a:noFill/>
-        </p:spPr>
-        <p:txBody>
-          <a:bodyPr wrap="square" rtlCol="0">
-            <a:spAutoFit/>
-          </a:bodyPr>
-          <a:lstStyle/>
-          <a:p>
-            <a:pPr algn="ctr"/>
-            <a:r>
-              <a:rPr lang="en-US" altLang="ko-KR" b="1" dirty="0">
-                <a:latin typeface="나눔스퀘어 ExtraBold" panose="020B0600000101010101" pitchFamily="50" charset="-127"/>
-                <a:ea typeface="나눔스퀘어 ExtraBold" panose="020B0600000101010101" pitchFamily="50" charset="-127"/>
-              </a:rPr>
-              <a:t>&lt;</a:t>
-            </a:r>
-            <a:r>
-              <a:rPr lang="ko-KR" altLang="en-US" b="1" dirty="0">
-                <a:latin typeface="나눔스퀘어 ExtraBold" panose="020B0600000101010101" pitchFamily="50" charset="-127"/>
-                <a:ea typeface="나눔스퀘어 ExtraBold" panose="020B0600000101010101" pitchFamily="50" charset="-127"/>
-              </a:rPr>
-              <a:t>술래</a:t>
-            </a:r>
-            <a:r>
-              <a:rPr lang="en-US" altLang="ko-KR" b="1" dirty="0">
-                <a:latin typeface="나눔스퀘어 ExtraBold" panose="020B0600000101010101" pitchFamily="50" charset="-127"/>
-                <a:ea typeface="나눔스퀘어 ExtraBold" panose="020B0600000101010101" pitchFamily="50" charset="-127"/>
-              </a:rPr>
-              <a:t>&gt;</a:t>
-            </a:r>
-          </a:p>
-          <a:p>
-            <a:pPr algn="ctr"/>
-            <a:r>
-              <a:rPr lang="ko-KR" altLang="en-US" b="1" dirty="0">
-                <a:latin typeface="나눔스퀘어 ExtraBold" panose="020B0600000101010101" pitchFamily="50" charset="-127"/>
-                <a:ea typeface="나눔스퀘어 ExtraBold" panose="020B0600000101010101" pitchFamily="50" charset="-127"/>
-              </a:rPr>
-              <a:t>도망자가 전력장치를 수리 하지 못하게 방해하며 </a:t>
-            </a:r>
-            <a:endParaRPr lang="en-US" altLang="ko-KR" b="1" dirty="0">
-              <a:latin typeface="나눔스퀘어 ExtraBold" panose="020B0600000101010101" pitchFamily="50" charset="-127"/>
-              <a:ea typeface="나눔스퀘어 ExtraBold" panose="020B0600000101010101" pitchFamily="50" charset="-127"/>
-            </a:endParaRPr>
-          </a:p>
-          <a:p>
-            <a:pPr algn="ctr"/>
-            <a:r>
-              <a:rPr lang="ko-KR" altLang="en-US" b="1" dirty="0">
-                <a:latin typeface="나눔스퀘어 ExtraBold" panose="020B0600000101010101" pitchFamily="50" charset="-127"/>
-                <a:ea typeface="나눔스퀘어 ExtraBold" panose="020B0600000101010101" pitchFamily="50" charset="-127"/>
-              </a:rPr>
-              <a:t>생명칩을 회수</a:t>
             </a:r>
           </a:p>
         </p:txBody>
@@ -15296,7 +15352,7 @@
         </p:nvSpPr>
         <p:spPr>
           <a:xfrm>
-            <a:off x="5782165" y="1136954"/>
+            <a:off x="5965097" y="1769812"/>
             <a:ext cx="200946" cy="234338"/>
           </a:xfrm>
           <a:prstGeom prst="downArrow">
@@ -15342,7 +15398,7 @@
         </p:nvSpPr>
         <p:spPr>
           <a:xfrm>
-            <a:off x="5782164" y="1784624"/>
+            <a:off x="5984236" y="2510238"/>
             <a:ext cx="200946" cy="234338"/>
           </a:xfrm>
           <a:prstGeom prst="downArrow">
@@ -15392,8 +15448,8 @@
         </p:nvCxnSpPr>
         <p:spPr>
           <a:xfrm flipH="1">
-            <a:off x="2871828" y="2410294"/>
-            <a:ext cx="2910335" cy="378839"/>
+            <a:off x="3082494" y="3274000"/>
+            <a:ext cx="3002216" cy="987177"/>
           </a:xfrm>
           <a:prstGeom prst="straightConnector1">
             <a:avLst/>
@@ -15429,14 +15485,13 @@
           <p:cNvCxnSpPr>
             <a:cxnSpLocks/>
             <a:stCxn id="3" idx="2"/>
-            <a:endCxn id="12" idx="0"/>
           </p:cNvCxnSpPr>
           <p:nvPr/>
         </p:nvCxnSpPr>
         <p:spPr>
           <a:xfrm>
-            <a:off x="5782163" y="2410294"/>
-            <a:ext cx="3538011" cy="383333"/>
+            <a:off x="6084710" y="3274000"/>
+            <a:ext cx="3002218" cy="987177"/>
           </a:xfrm>
           <a:prstGeom prst="straightConnector1">
             <a:avLst/>
@@ -15460,6 +15515,83 @@
           </a:fontRef>
         </p:style>
       </p:cxnSp>
+      <p:sp>
+        <p:nvSpPr>
+          <p:cNvPr id="21" name="TextBox 20">
+            <a:extLst>
+              <a:ext uri="{FF2B5EF4-FFF2-40B4-BE49-F238E27FC236}">
+                <a16:creationId xmlns:a16="http://schemas.microsoft.com/office/drawing/2014/main" id="{23044BEC-36AB-1B09-A355-266FE912E017}"/>
+              </a:ext>
+            </a:extLst>
+          </p:cNvPr>
+          <p:cNvSpPr txBox="1"/>
+          <p:nvPr/>
+        </p:nvSpPr>
+        <p:spPr>
+          <a:xfrm>
+            <a:off x="6226389" y="4261177"/>
+            <a:ext cx="5743656" cy="923330"/>
+          </a:xfrm>
+          <a:prstGeom prst="rect">
+            <a:avLst/>
+          </a:prstGeom>
+          <a:noFill/>
+        </p:spPr>
+        <p:txBody>
+          <a:bodyPr wrap="square" rtlCol="0">
+            <a:spAutoFit/>
+          </a:bodyPr>
+          <a:lstStyle/>
+          <a:p>
+            <a:pPr algn="ctr"/>
+            <a:r>
+              <a:rPr lang="en-US" altLang="ko-KR" b="1" dirty="0">
+                <a:latin typeface="나눔스퀘어 ExtraBold" panose="020B0600000101010101" pitchFamily="50" charset="-127"/>
+                <a:ea typeface="나눔스퀘어 ExtraBold" panose="020B0600000101010101" pitchFamily="50" charset="-127"/>
+              </a:rPr>
+              <a:t>&lt;</a:t>
+            </a:r>
+            <a:r>
+              <a:rPr lang="ko-KR" altLang="en-US" b="1" dirty="0">
+                <a:latin typeface="나눔스퀘어 ExtraBold" panose="020B0600000101010101" pitchFamily="50" charset="-127"/>
+                <a:ea typeface="나눔스퀘어 ExtraBold" panose="020B0600000101010101" pitchFamily="50" charset="-127"/>
+              </a:rPr>
+              <a:t>술래</a:t>
+            </a:r>
+            <a:r>
+              <a:rPr lang="en-US" altLang="ko-KR" b="1" dirty="0">
+                <a:latin typeface="나눔스퀘어 ExtraBold" panose="020B0600000101010101" pitchFamily="50" charset="-127"/>
+                <a:ea typeface="나눔스퀘어 ExtraBold" panose="020B0600000101010101" pitchFamily="50" charset="-127"/>
+              </a:rPr>
+              <a:t>&gt;</a:t>
+            </a:r>
+          </a:p>
+          <a:p>
+            <a:pPr algn="ctr"/>
+            <a:r>
+              <a:rPr lang="ko-KR" altLang="en-US" b="1" dirty="0">
+                <a:latin typeface="나눔스퀘어 ExtraBold" panose="020B0600000101010101" pitchFamily="50" charset="-127"/>
+                <a:ea typeface="나눔스퀘어 ExtraBold" panose="020B0600000101010101" pitchFamily="50" charset="-127"/>
+              </a:rPr>
+              <a:t>도망자가 전력장치를 수리 하지 못하게 방해하며 </a:t>
+            </a:r>
+            <a:endParaRPr lang="en-US" altLang="ko-KR" b="1" dirty="0">
+              <a:latin typeface="나눔스퀘어 ExtraBold" panose="020B0600000101010101" pitchFamily="50" charset="-127"/>
+              <a:ea typeface="나눔스퀘어 ExtraBold" panose="020B0600000101010101" pitchFamily="50" charset="-127"/>
+            </a:endParaRPr>
+          </a:p>
+          <a:p>
+            <a:pPr algn="ctr"/>
+            <a:r>
+              <a:rPr lang="ko-KR" altLang="en-US" b="1" dirty="0">
+                <a:latin typeface="나눔스퀘어 ExtraBold" panose="020B0600000101010101" pitchFamily="50" charset="-127"/>
+                <a:ea typeface="나눔스퀘어 ExtraBold" panose="020B0600000101010101" pitchFamily="50" charset="-127"/>
+              </a:rPr>
+              <a:t>생명칩을 회수</a:t>
+            </a:r>
+          </a:p>
+        </p:txBody>
+      </p:sp>
     </p:spTree>
     <p:extLst>
       <p:ext uri="{BB962C8B-B14F-4D97-AF65-F5344CB8AC3E}">
